--- a/docs/presentation.pptx
+++ b/docs/presentation.pptx
@@ -6,9 +6,10 @@
   </p:sldMasterIdLst>
   <p:sldIdLst>
     <p:sldId id="256" r:id="rId2"/>
-    <p:sldId id="258" r:id="rId3"/>
-    <p:sldId id="259" r:id="rId4"/>
-    <p:sldId id="260" r:id="rId5"/>
+    <p:sldId id="261" r:id="rId3"/>
+    <p:sldId id="258" r:id="rId4"/>
+    <p:sldId id="259" r:id="rId5"/>
+    <p:sldId id="260" r:id="rId6"/>
   </p:sldIdLst>
   <p:sldSz cx="12192000" cy="6858000"/>
   <p:notesSz cx="6858000" cy="9144000"/>
@@ -107,6 +108,11 @@
       </a:defRPr>
     </a:lvl9pPr>
   </p:defaultTextStyle>
+  <p:extLst>
+    <p:ext uri="{EFAFB233-063F-42B5-8137-9DF3F51BA10A}">
+      <p15:sldGuideLst xmlns:p15="http://schemas.microsoft.com/office/powerpoint/2012/main"/>
+    </p:ext>
+  </p:extLst>
 </p:presentation>
 </file>
 
@@ -3516,6 +3522,499 @@
                 <a:ea typeface="Iosevka Aile" panose="02000500030000000004" pitchFamily="2" charset="0"/>
                 <a:cs typeface="Iosevka Aile" panose="02000500030000000004" pitchFamily="2" charset="0"/>
               </a:rPr>
+              <a:t>Week 0 </a:t>
+            </a:r>
+            <a:r>
+              <a:rPr lang="en-US" sz="1600" b="1" dirty="0">
+                <a:solidFill>
+                  <a:srgbClr val="EBDBB2"/>
+                </a:solidFill>
+                <a:latin typeface="Iosevka Aile" panose="02000500030000000004" pitchFamily="2" charset="0"/>
+                <a:ea typeface="Iosevka Aile" panose="02000500030000000004" pitchFamily="2" charset="0"/>
+                <a:cs typeface="Iosevka Aile" panose="02000500030000000004" pitchFamily="2" charset="0"/>
+              </a:rPr>
+              <a:t>[module preparation]</a:t>
+            </a:r>
+          </a:p>
+        </p:txBody>
+      </p:sp>
+      <p:graphicFrame>
+        <p:nvGraphicFramePr>
+          <p:cNvPr id="4" name="Table 4">
+            <a:extLst>
+              <a:ext uri="{FF2B5EF4-FFF2-40B4-BE49-F238E27FC236}">
+                <a16:creationId xmlns:a16="http://schemas.microsoft.com/office/drawing/2014/main" id="{18976352-B974-9BBC-B892-99A1E48D0B87}"/>
+              </a:ext>
+            </a:extLst>
+          </p:cNvPr>
+          <p:cNvGraphicFramePr>
+            <a:graphicFrameLocks noGrp="1"/>
+          </p:cNvGraphicFramePr>
+          <p:nvPr>
+            <p:ph idx="1"/>
+            <p:extLst>
+              <p:ext uri="{D42A27DB-BD31-4B8C-83A1-F6EECF244321}">
+                <p14:modId xmlns:p14="http://schemas.microsoft.com/office/powerpoint/2010/main" val="1978898352"/>
+              </p:ext>
+            </p:extLst>
+          </p:nvPr>
+        </p:nvGraphicFramePr>
+        <p:xfrm>
+          <a:off x="838200" y="1640790"/>
+          <a:ext cx="10515600" cy="4667250"/>
+        </p:xfrm>
+        <a:graphic>
+          <a:graphicData uri="http://schemas.openxmlformats.org/drawingml/2006/table">
+            <a:tbl>
+              <a:tblPr firstRow="1" bandRow="1">
+                <a:solidFill>
+                  <a:srgbClr val="282828"/>
+                </a:solidFill>
+                <a:tableStyleId>{5C22544A-7EE6-4342-B048-85BDC9FD1C3A}</a:tableStyleId>
+              </a:tblPr>
+              <a:tblGrid>
+                <a:gridCol w="5261811">
+                  <a:extLst>
+                    <a:ext uri="{9D8B030D-6E8A-4147-A177-3AD203B41FA5}">
+                      <a16:colId xmlns:a16="http://schemas.microsoft.com/office/drawing/2014/main" val="4215289373"/>
+                    </a:ext>
+                  </a:extLst>
+                </a:gridCol>
+                <a:gridCol w="5253789">
+                  <a:extLst>
+                    <a:ext uri="{9D8B030D-6E8A-4147-A177-3AD203B41FA5}">
+                      <a16:colId xmlns:a16="http://schemas.microsoft.com/office/drawing/2014/main" val="258843755"/>
+                    </a:ext>
+                  </a:extLst>
+                </a:gridCol>
+              </a:tblGrid>
+              <a:tr h="4667250">
+                <a:tc>
+                  <a:txBody>
+                    <a:bodyPr/>
+                    <a:lstStyle/>
+                    <a:p>
+                      <a:pPr marL="285750" indent="-285750">
+                        <a:buFont typeface="System Font Regular"/>
+                        <a:buChar char="-"/>
+                      </a:pPr>
+                      <a:r>
+                        <a:rPr lang="en-US" sz="1600" b="0" dirty="0" err="1">
+                          <a:solidFill>
+                            <a:srgbClr val="EBDBB2"/>
+                          </a:solidFill>
+                          <a:latin typeface="Iosevka Etoile" panose="02000500030000000004" pitchFamily="2" charset="0"/>
+                          <a:ea typeface="Iosevka Etoile" panose="02000500030000000004" pitchFamily="2" charset="0"/>
+                          <a:cs typeface="Iosevka Etoile" panose="02000500030000000004" pitchFamily="2" charset="0"/>
+                        </a:rPr>
+                        <a:t>Rolito</a:t>
+                      </a:r>
+                      <a:r>
+                        <a:rPr lang="en-US" sz="1600" b="0" dirty="0">
+                          <a:solidFill>
+                            <a:srgbClr val="EBDBB2"/>
+                          </a:solidFill>
+                          <a:latin typeface="Iosevka Etoile" panose="02000500030000000004" pitchFamily="2" charset="0"/>
+                          <a:ea typeface="Iosevka Etoile" panose="02000500030000000004" pitchFamily="2" charset="0"/>
+                          <a:cs typeface="Iosevka Etoile" panose="02000500030000000004" pitchFamily="2" charset="0"/>
+                        </a:rPr>
+                        <a:t> is named after someone</a:t>
+                      </a:r>
+                    </a:p>
+                    <a:p>
+                      <a:pPr marL="285750" indent="-285750">
+                        <a:buFont typeface="System Font Regular"/>
+                        <a:buChar char="-"/>
+                      </a:pPr>
+                      <a:endParaRPr lang="en-US" sz="1600" b="0" dirty="0">
+                        <a:solidFill>
+                          <a:srgbClr val="EBDBB2"/>
+                        </a:solidFill>
+                        <a:latin typeface="Iosevka Etoile" panose="02000500030000000004" pitchFamily="2" charset="0"/>
+                        <a:ea typeface="Iosevka Etoile" panose="02000500030000000004" pitchFamily="2" charset="0"/>
+                        <a:cs typeface="Iosevka Etoile" panose="02000500030000000004" pitchFamily="2" charset="0"/>
+                      </a:endParaRPr>
+                    </a:p>
+                    <a:p>
+                      <a:pPr marL="285750" indent="-285750">
+                        <a:buFont typeface="System Font Regular"/>
+                        <a:buChar char="-"/>
+                      </a:pPr>
+                      <a:r>
+                        <a:rPr lang="en-US" sz="1600" b="0" dirty="0">
+                          <a:solidFill>
+                            <a:srgbClr val="EBDBB2"/>
+                          </a:solidFill>
+                          <a:latin typeface="Iosevka Etoile" panose="02000500030000000004" pitchFamily="2" charset="0"/>
+                          <a:ea typeface="Iosevka Etoile" panose="02000500030000000004" pitchFamily="2" charset="0"/>
+                          <a:cs typeface="Iosevka Etoile" panose="02000500030000000004" pitchFamily="2" charset="0"/>
+                        </a:rPr>
+                        <a:t>Assets are ripped from </a:t>
+                      </a:r>
+                      <a:r>
+                        <a:rPr lang="en-US" sz="1600" b="0" dirty="0" err="1">
+                          <a:solidFill>
+                            <a:srgbClr val="EBDBB2"/>
+                          </a:solidFill>
+                          <a:latin typeface="Iosevka Etoile" panose="02000500030000000004" pitchFamily="2" charset="0"/>
+                          <a:ea typeface="Iosevka Etoile" panose="02000500030000000004" pitchFamily="2" charset="0"/>
+                          <a:cs typeface="Iosevka Etoile" panose="02000500030000000004" pitchFamily="2" charset="0"/>
+                        </a:rPr>
+                        <a:t>Patapon</a:t>
+                      </a:r>
+                      <a:endParaRPr lang="en-US" sz="1600" b="0" dirty="0">
+                        <a:solidFill>
+                          <a:srgbClr val="EBDBB2"/>
+                        </a:solidFill>
+                        <a:latin typeface="Iosevka Etoile" panose="02000500030000000004" pitchFamily="2" charset="0"/>
+                        <a:ea typeface="Iosevka Etoile" panose="02000500030000000004" pitchFamily="2" charset="0"/>
+                        <a:cs typeface="Iosevka Etoile" panose="02000500030000000004" pitchFamily="2" charset="0"/>
+                      </a:endParaRPr>
+                    </a:p>
+                    <a:p>
+                      <a:pPr marL="285750" indent="-285750">
+                        <a:buFont typeface="System Font Regular"/>
+                        <a:buChar char="-"/>
+                      </a:pPr>
+                      <a:endParaRPr lang="en-US" sz="1600" b="0" dirty="0">
+                        <a:solidFill>
+                          <a:srgbClr val="EBDBB2"/>
+                        </a:solidFill>
+                        <a:latin typeface="Iosevka Etoile" panose="02000500030000000004" pitchFamily="2" charset="0"/>
+                        <a:ea typeface="Iosevka Etoile" panose="02000500030000000004" pitchFamily="2" charset="0"/>
+                        <a:cs typeface="Iosevka Etoile" panose="02000500030000000004" pitchFamily="2" charset="0"/>
+                      </a:endParaRPr>
+                    </a:p>
+                    <a:p>
+                      <a:pPr marL="285750" indent="-285750">
+                        <a:buFont typeface="System Font Regular"/>
+                        <a:buChar char="-"/>
+                      </a:pPr>
+                      <a:r>
+                        <a:rPr lang="en-US" sz="1600" b="0" dirty="0">
+                          <a:solidFill>
+                            <a:srgbClr val="EBDBB2"/>
+                          </a:solidFill>
+                          <a:latin typeface="Iosevka Etoile" panose="02000500030000000004" pitchFamily="2" charset="0"/>
+                          <a:ea typeface="Iosevka Etoile" panose="02000500030000000004" pitchFamily="2" charset="0"/>
+                          <a:cs typeface="Iosevka Etoile" panose="02000500030000000004" pitchFamily="2" charset="0"/>
+                        </a:rPr>
+                        <a:t>Yes that includes music</a:t>
+                      </a:r>
+                    </a:p>
+                    <a:p>
+                      <a:pPr marL="285750" indent="-285750">
+                        <a:buFont typeface="System Font Regular"/>
+                        <a:buChar char="-"/>
+                      </a:pPr>
+                      <a:endParaRPr lang="en-US" sz="1600" b="0" dirty="0">
+                        <a:solidFill>
+                          <a:srgbClr val="EBDBB2"/>
+                        </a:solidFill>
+                        <a:latin typeface="Iosevka Etoile" panose="02000500030000000004" pitchFamily="2" charset="0"/>
+                        <a:ea typeface="Iosevka Etoile" panose="02000500030000000004" pitchFamily="2" charset="0"/>
+                        <a:cs typeface="Iosevka Etoile" panose="02000500030000000004" pitchFamily="2" charset="0"/>
+                      </a:endParaRPr>
+                    </a:p>
+                    <a:p>
+                      <a:pPr marL="285750" indent="-285750">
+                        <a:buFont typeface="System Font Regular"/>
+                        <a:buChar char="-"/>
+                      </a:pPr>
+                      <a:r>
+                        <a:rPr lang="en-US" sz="1600" b="0" dirty="0">
+                          <a:solidFill>
+                            <a:srgbClr val="EBDBB2"/>
+                          </a:solidFill>
+                          <a:latin typeface="Iosevka Etoile" panose="02000500030000000004" pitchFamily="2" charset="0"/>
+                          <a:ea typeface="Iosevka Etoile" panose="02000500030000000004" pitchFamily="2" charset="0"/>
+                          <a:cs typeface="Iosevka Etoile" panose="02000500030000000004" pitchFamily="2" charset="0"/>
+                        </a:rPr>
+                        <a:t>Sprites were upscaled</a:t>
+                      </a:r>
+                    </a:p>
+                    <a:p>
+                      <a:pPr marL="285750" indent="-285750">
+                        <a:buFont typeface="System Font Regular"/>
+                        <a:buChar char="-"/>
+                      </a:pPr>
+                      <a:endParaRPr lang="en-US" sz="1600" b="0" dirty="0">
+                        <a:solidFill>
+                          <a:srgbClr val="EBDBB2"/>
+                        </a:solidFill>
+                        <a:latin typeface="Iosevka Etoile" panose="02000500030000000004" pitchFamily="2" charset="0"/>
+                        <a:ea typeface="Iosevka Etoile" panose="02000500030000000004" pitchFamily="2" charset="0"/>
+                        <a:cs typeface="Iosevka Etoile" panose="02000500030000000004" pitchFamily="2" charset="0"/>
+                      </a:endParaRPr>
+                    </a:p>
+                    <a:p>
+                      <a:pPr marL="285750" indent="-285750">
+                        <a:buFont typeface="System Font Regular"/>
+                        <a:buChar char="-"/>
+                      </a:pPr>
+                      <a:r>
+                        <a:rPr lang="en-US" sz="1600" b="0" dirty="0">
+                          <a:solidFill>
+                            <a:srgbClr val="EBDBB2"/>
+                          </a:solidFill>
+                          <a:latin typeface="Iosevka Etoile" panose="02000500030000000004" pitchFamily="2" charset="0"/>
+                          <a:ea typeface="Iosevka Etoile" panose="02000500030000000004" pitchFamily="2" charset="0"/>
+                          <a:cs typeface="Iosevka Etoile" panose="02000500030000000004" pitchFamily="2" charset="0"/>
+                        </a:rPr>
+                        <a:t>Played </a:t>
+                      </a:r>
+                      <a:r>
+                        <a:rPr lang="en-US" sz="1600" b="0" dirty="0" err="1">
+                          <a:solidFill>
+                            <a:srgbClr val="EBDBB2"/>
+                          </a:solidFill>
+                          <a:latin typeface="Iosevka Etoile" panose="02000500030000000004" pitchFamily="2" charset="0"/>
+                          <a:ea typeface="Iosevka Etoile" panose="02000500030000000004" pitchFamily="2" charset="0"/>
+                          <a:cs typeface="Iosevka Etoile" panose="02000500030000000004" pitchFamily="2" charset="0"/>
+                        </a:rPr>
+                        <a:t>Patapon</a:t>
+                      </a:r>
+                      <a:r>
+                        <a:rPr lang="en-US" sz="1600" b="0" dirty="0">
+                          <a:solidFill>
+                            <a:srgbClr val="EBDBB2"/>
+                          </a:solidFill>
+                          <a:latin typeface="Iosevka Etoile" panose="02000500030000000004" pitchFamily="2" charset="0"/>
+                          <a:ea typeface="Iosevka Etoile" panose="02000500030000000004" pitchFamily="2" charset="0"/>
+                          <a:cs typeface="Iosevka Etoile" panose="02000500030000000004" pitchFamily="2" charset="0"/>
+                        </a:rPr>
+                        <a:t> to learn</a:t>
+                      </a:r>
+                    </a:p>
+                    <a:p>
+                      <a:pPr marL="285750" indent="-285750">
+                        <a:buFont typeface="System Font Regular"/>
+                        <a:buChar char="-"/>
+                      </a:pPr>
+                      <a:endParaRPr lang="en-US" sz="1600" b="0" dirty="0">
+                        <a:solidFill>
+                          <a:srgbClr val="EBDBB2"/>
+                        </a:solidFill>
+                        <a:latin typeface="Iosevka Etoile" panose="02000500030000000004" pitchFamily="2" charset="0"/>
+                        <a:ea typeface="Iosevka Etoile" panose="02000500030000000004" pitchFamily="2" charset="0"/>
+                        <a:cs typeface="Iosevka Etoile" panose="02000500030000000004" pitchFamily="2" charset="0"/>
+                      </a:endParaRPr>
+                    </a:p>
+                    <a:p>
+                      <a:pPr marL="285750" indent="-285750">
+                        <a:buFont typeface="System Font Regular"/>
+                        <a:buChar char="-"/>
+                      </a:pPr>
+                      <a:r>
+                        <a:rPr lang="en-US" sz="1600" b="0" dirty="0">
+                          <a:solidFill>
+                            <a:srgbClr val="EBDBB2"/>
+                          </a:solidFill>
+                          <a:latin typeface="Iosevka Etoile" panose="02000500030000000004" pitchFamily="2" charset="0"/>
+                          <a:ea typeface="Iosevka Etoile" panose="02000500030000000004" pitchFamily="2" charset="0"/>
+                          <a:cs typeface="Iosevka Etoile" panose="02000500030000000004" pitchFamily="2" charset="0"/>
+                        </a:rPr>
+                        <a:t>Successfully recreated main system</a:t>
+                      </a:r>
+                    </a:p>
+                    <a:p>
+                      <a:pPr marL="285750" indent="-285750">
+                        <a:buFont typeface="System Font Regular"/>
+                        <a:buChar char="-"/>
+                      </a:pPr>
+                      <a:endParaRPr lang="en-US" sz="1600" b="0" dirty="0">
+                        <a:solidFill>
+                          <a:srgbClr val="EBDBB2"/>
+                        </a:solidFill>
+                        <a:latin typeface="Iosevka Etoile" panose="02000500030000000004" pitchFamily="2" charset="0"/>
+                        <a:ea typeface="Iosevka Etoile" panose="02000500030000000004" pitchFamily="2" charset="0"/>
+                        <a:cs typeface="Iosevka Etoile" panose="02000500030000000004" pitchFamily="2" charset="0"/>
+                      </a:endParaRPr>
+                    </a:p>
+                    <a:p>
+                      <a:pPr marL="285750" indent="-285750">
+                        <a:buFont typeface="System Font Regular"/>
+                        <a:buChar char="-"/>
+                      </a:pPr>
+                      <a:endParaRPr lang="en-US" sz="1600" b="0" dirty="0">
+                        <a:solidFill>
+                          <a:srgbClr val="EBDBB2"/>
+                        </a:solidFill>
+                        <a:latin typeface="Iosevka Etoile" panose="02000500030000000004" pitchFamily="2" charset="0"/>
+                        <a:ea typeface="Iosevka Etoile" panose="02000500030000000004" pitchFamily="2" charset="0"/>
+                        <a:cs typeface="Iosevka Etoile" panose="02000500030000000004" pitchFamily="2" charset="0"/>
+                      </a:endParaRPr>
+                    </a:p>
+                  </a:txBody>
+                  <a:tcPr>
+                    <a:lnL w="12700" cmpd="sng">
+                      <a:noFill/>
+                    </a:lnL>
+                    <a:lnR w="12700" cmpd="sng">
+                      <a:noFill/>
+                    </a:lnR>
+                    <a:lnT w="38100" cmpd="sng">
+                      <a:noFill/>
+                    </a:lnT>
+                    <a:lnB w="12700" cmpd="sng">
+                      <a:noFill/>
+                    </a:lnB>
+                    <a:lnTlToBr w="12700" cmpd="sng">
+                      <a:noFill/>
+                      <a:prstDash val="solid"/>
+                    </a:lnTlToBr>
+                    <a:lnBlToTr w="12700" cmpd="sng">
+                      <a:noFill/>
+                      <a:prstDash val="solid"/>
+                    </a:lnBlToTr>
+                    <a:solidFill>
+                      <a:srgbClr val="282828"/>
+                    </a:solidFill>
+                  </a:tcPr>
+                </a:tc>
+                <a:tc>
+                  <a:txBody>
+                    <a:bodyPr/>
+                    <a:lstStyle/>
+                    <a:p>
+                      <a:endParaRPr lang="en-US" sz="1200" dirty="0">
+                        <a:solidFill>
+                          <a:srgbClr val="FE8019"/>
+                        </a:solidFill>
+                        <a:latin typeface="Iosevka Term" panose="02000509030000000004" pitchFamily="49" charset="0"/>
+                        <a:ea typeface="Iosevka Term" panose="02000509030000000004" pitchFamily="49" charset="0"/>
+                        <a:cs typeface="Iosevka Term" panose="02000509030000000004" pitchFamily="49" charset="0"/>
+                      </a:endParaRPr>
+                    </a:p>
+                  </a:txBody>
+                  <a:tcPr>
+                    <a:lnL w="12700" cmpd="sng">
+                      <a:noFill/>
+                    </a:lnL>
+                    <a:lnR w="12700" cmpd="sng">
+                      <a:noFill/>
+                    </a:lnR>
+                    <a:lnT w="38100" cmpd="sng">
+                      <a:noFill/>
+                    </a:lnT>
+                    <a:lnB w="12700" cmpd="sng">
+                      <a:noFill/>
+                    </a:lnB>
+                    <a:lnTlToBr w="12700" cmpd="sng">
+                      <a:noFill/>
+                      <a:prstDash val="solid"/>
+                    </a:lnTlToBr>
+                    <a:lnBlToTr w="12700" cmpd="sng">
+                      <a:noFill/>
+                      <a:prstDash val="solid"/>
+                    </a:lnBlToTr>
+                    <a:solidFill>
+                      <a:srgbClr val="282828"/>
+                    </a:solidFill>
+                  </a:tcPr>
+                </a:tc>
+                <a:extLst>
+                  <a:ext uri="{0D108BD9-81ED-4DB2-BD59-A6C34878D82A}">
+                    <a16:rowId xmlns:a16="http://schemas.microsoft.com/office/drawing/2014/main" val="2577044201"/>
+                  </a:ext>
+                </a:extLst>
+              </a:tr>
+            </a:tbl>
+          </a:graphicData>
+        </a:graphic>
+      </p:graphicFrame>
+      <p:pic>
+        <p:nvPicPr>
+          <p:cNvPr id="5" name="Picture 4">
+            <a:extLst>
+              <a:ext uri="{FF2B5EF4-FFF2-40B4-BE49-F238E27FC236}">
+                <a16:creationId xmlns:a16="http://schemas.microsoft.com/office/drawing/2014/main" id="{BDBC793E-B4DA-1ADA-61D5-24C9EA9A384D}"/>
+              </a:ext>
+            </a:extLst>
+          </p:cNvPr>
+          <p:cNvPicPr>
+            <a:picLocks noChangeAspect="1"/>
+          </p:cNvPicPr>
+          <p:nvPr/>
+        </p:nvPicPr>
+        <p:blipFill>
+          <a:blip r:embed="rId2"/>
+          <a:stretch>
+            <a:fillRect/>
+          </a:stretch>
+        </p:blipFill>
+        <p:spPr>
+          <a:xfrm>
+            <a:off x="6096000" y="365125"/>
+            <a:ext cx="4457186" cy="5942915"/>
+          </a:xfrm>
+          <a:prstGeom prst="rect">
+            <a:avLst/>
+          </a:prstGeom>
+        </p:spPr>
+      </p:pic>
+    </p:spTree>
+    <p:extLst>
+      <p:ext uri="{BB962C8B-B14F-4D97-AF65-F5344CB8AC3E}">
+        <p14:creationId xmlns:p14="http://schemas.microsoft.com/office/powerpoint/2010/main" val="2474088742"/>
+      </p:ext>
+    </p:extLst>
+  </p:cSld>
+  <p:clrMapOvr>
+    <a:masterClrMapping/>
+  </p:clrMapOvr>
+</p:sld>
+</file>
+
+<file path=ppt/slides/slide3.xml><?xml version="1.0" encoding="utf-8"?>
+<p:sld xmlns:a="http://schemas.openxmlformats.org/drawingml/2006/main" xmlns:r="http://schemas.openxmlformats.org/officeDocument/2006/relationships" xmlns:p="http://schemas.openxmlformats.org/presentationml/2006/main">
+  <p:cSld>
+    <p:spTree>
+      <p:nvGrpSpPr>
+        <p:cNvPr id="1" name=""/>
+        <p:cNvGrpSpPr/>
+        <p:nvPr/>
+      </p:nvGrpSpPr>
+      <p:grpSpPr>
+        <a:xfrm>
+          <a:off x="0" y="0"/>
+          <a:ext cx="0" cy="0"/>
+          <a:chOff x="0" y="0"/>
+          <a:chExt cx="0" cy="0"/>
+        </a:xfrm>
+      </p:grpSpPr>
+      <p:sp>
+        <p:nvSpPr>
+          <p:cNvPr id="2" name="Title 1">
+            <a:extLst>
+              <a:ext uri="{FF2B5EF4-FFF2-40B4-BE49-F238E27FC236}">
+                <a16:creationId xmlns:a16="http://schemas.microsoft.com/office/drawing/2014/main" id="{7A0A8AB2-5455-FC84-8F9D-807857860408}"/>
+              </a:ext>
+            </a:extLst>
+          </p:cNvPr>
+          <p:cNvSpPr>
+            <a:spLocks noGrp="1"/>
+          </p:cNvSpPr>
+          <p:nvPr>
+            <p:ph type="title"/>
+          </p:nvPr>
+        </p:nvSpPr>
+        <p:spPr/>
+        <p:txBody>
+          <a:bodyPr lIns="90000" anchor="ctr">
+            <a:normAutofit/>
+          </a:bodyPr>
+          <a:lstStyle/>
+          <a:p>
+            <a:r>
+              <a:rPr lang="en-US" sz="3200" b="1" dirty="0">
+                <a:solidFill>
+                  <a:srgbClr val="EBDBB2"/>
+                </a:solidFill>
+                <a:latin typeface="Iosevka Aile" panose="02000500030000000004" pitchFamily="2" charset="0"/>
+                <a:ea typeface="Iosevka Aile" panose="02000500030000000004" pitchFamily="2" charset="0"/>
+                <a:cs typeface="Iosevka Aile" panose="02000500030000000004" pitchFamily="2" charset="0"/>
+              </a:rPr>
               <a:t>Week 1 - 4 </a:t>
             </a:r>
             <a:r>
@@ -5926,7 +6425,7 @@
 </p:sld>
 </file>
 
-<file path=ppt/slides/slide3.xml><?xml version="1.0" encoding="utf-8"?>
+<file path=ppt/slides/slide4.xml><?xml version="1.0" encoding="utf-8"?>
 <p:sld xmlns:a="http://schemas.openxmlformats.org/drawingml/2006/main" xmlns:r="http://schemas.openxmlformats.org/officeDocument/2006/relationships" xmlns:p="http://schemas.openxmlformats.org/presentationml/2006/main">
   <p:cSld>
     <p:spTree>
@@ -8122,7 +8621,7 @@
 </p:sld>
 </file>
 
-<file path=ppt/slides/slide4.xml><?xml version="1.0" encoding="utf-8"?>
+<file path=ppt/slides/slide5.xml><?xml version="1.0" encoding="utf-8"?>
 <p:sld xmlns:a="http://schemas.openxmlformats.org/drawingml/2006/main" xmlns:r="http://schemas.openxmlformats.org/officeDocument/2006/relationships" xmlns:p="http://schemas.openxmlformats.org/presentationml/2006/main">
   <p:cSld>
     <p:spTree>

--- a/docs/presentation.pptx
+++ b/docs/presentation.pptx
@@ -4,6 +4,9 @@
   <p:sldMasterIdLst>
     <p:sldMasterId id="2147483672" r:id="rId1"/>
   </p:sldMasterIdLst>
+  <p:notesMasterIdLst>
+    <p:notesMasterId r:id="rId7"/>
+  </p:notesMasterIdLst>
   <p:sldIdLst>
     <p:sldId id="256" r:id="rId2"/>
     <p:sldId id="261" r:id="rId3"/>
@@ -114,6 +117,440 @@
     </p:ext>
   </p:extLst>
 </p:presentation>
+</file>
+
+<file path=ppt/notesMasters/notesMaster1.xml><?xml version="1.0" encoding="utf-8"?>
+<p:notesMaster xmlns:a="http://schemas.openxmlformats.org/drawingml/2006/main" xmlns:r="http://schemas.openxmlformats.org/officeDocument/2006/relationships" xmlns:p="http://schemas.openxmlformats.org/presentationml/2006/main">
+  <p:cSld>
+    <p:bg>
+      <p:bgRef idx="1001">
+        <a:schemeClr val="bg1"/>
+      </p:bgRef>
+    </p:bg>
+    <p:spTree>
+      <p:nvGrpSpPr>
+        <p:cNvPr id="1" name=""/>
+        <p:cNvGrpSpPr/>
+        <p:nvPr/>
+      </p:nvGrpSpPr>
+      <p:grpSpPr>
+        <a:xfrm>
+          <a:off x="0" y="0"/>
+          <a:ext cx="0" cy="0"/>
+          <a:chOff x="0" y="0"/>
+          <a:chExt cx="0" cy="0"/>
+        </a:xfrm>
+      </p:grpSpPr>
+      <p:sp>
+        <p:nvSpPr>
+          <p:cNvPr id="2" name="Header Placeholder 1"/>
+          <p:cNvSpPr>
+            <a:spLocks noGrp="1"/>
+          </p:cNvSpPr>
+          <p:nvPr>
+            <p:ph type="hdr" sz="quarter"/>
+          </p:nvPr>
+        </p:nvSpPr>
+        <p:spPr>
+          <a:xfrm>
+            <a:off x="0" y="0"/>
+            <a:ext cx="2971800" cy="458788"/>
+          </a:xfrm>
+          <a:prstGeom prst="rect">
+            <a:avLst/>
+          </a:prstGeom>
+        </p:spPr>
+        <p:txBody>
+          <a:bodyPr vert="horz" lIns="91440" tIns="45720" rIns="91440" bIns="45720" rtlCol="0"/>
+          <a:lstStyle>
+            <a:lvl1pPr algn="l">
+              <a:defRPr sz="1200"/>
+            </a:lvl1pPr>
+          </a:lstStyle>
+          <a:p>
+            <a:endParaRPr lang="en-US"/>
+          </a:p>
+        </p:txBody>
+      </p:sp>
+      <p:sp>
+        <p:nvSpPr>
+          <p:cNvPr id="3" name="Date Placeholder 2"/>
+          <p:cNvSpPr>
+            <a:spLocks noGrp="1"/>
+          </p:cNvSpPr>
+          <p:nvPr>
+            <p:ph type="dt" idx="1"/>
+          </p:nvPr>
+        </p:nvSpPr>
+        <p:spPr>
+          <a:xfrm>
+            <a:off x="3884613" y="0"/>
+            <a:ext cx="2971800" cy="458788"/>
+          </a:xfrm>
+          <a:prstGeom prst="rect">
+            <a:avLst/>
+          </a:prstGeom>
+        </p:spPr>
+        <p:txBody>
+          <a:bodyPr vert="horz" lIns="91440" tIns="45720" rIns="91440" bIns="45720" rtlCol="0"/>
+          <a:lstStyle>
+            <a:lvl1pPr algn="r">
+              <a:defRPr sz="1200"/>
+            </a:lvl1pPr>
+          </a:lstStyle>
+          <a:p>
+            <a:fld id="{F5521292-B78C-6242-824F-8F34F248BAE2}" type="datetimeFigureOut">
+              <a:rPr lang="en-US" smtClean="0"/>
+              <a:t>4/19/23</a:t>
+            </a:fld>
+            <a:endParaRPr lang="en-US"/>
+          </a:p>
+        </p:txBody>
+      </p:sp>
+      <p:sp>
+        <p:nvSpPr>
+          <p:cNvPr id="4" name="Slide Image Placeholder 3"/>
+          <p:cNvSpPr>
+            <a:spLocks noGrp="1" noRot="1" noChangeAspect="1"/>
+          </p:cNvSpPr>
+          <p:nvPr>
+            <p:ph type="sldImg" idx="2"/>
+          </p:nvPr>
+        </p:nvSpPr>
+        <p:spPr>
+          <a:xfrm>
+            <a:off x="685800" y="1143000"/>
+            <a:ext cx="5486400" cy="3086100"/>
+          </a:xfrm>
+          <a:prstGeom prst="rect">
+            <a:avLst/>
+          </a:prstGeom>
+          <a:noFill/>
+          <a:ln w="12700">
+            <a:solidFill>
+              <a:prstClr val="black"/>
+            </a:solidFill>
+          </a:ln>
+        </p:spPr>
+        <p:txBody>
+          <a:bodyPr vert="horz" lIns="91440" tIns="45720" rIns="91440" bIns="45720" rtlCol="0" anchor="ctr"/>
+          <a:lstStyle/>
+          <a:p>
+            <a:endParaRPr lang="en-US"/>
+          </a:p>
+        </p:txBody>
+      </p:sp>
+      <p:sp>
+        <p:nvSpPr>
+          <p:cNvPr id="5" name="Notes Placeholder 4"/>
+          <p:cNvSpPr>
+            <a:spLocks noGrp="1"/>
+          </p:cNvSpPr>
+          <p:nvPr>
+            <p:ph type="body" sz="quarter" idx="3"/>
+          </p:nvPr>
+        </p:nvSpPr>
+        <p:spPr>
+          <a:xfrm>
+            <a:off x="685800" y="4400550"/>
+            <a:ext cx="5486400" cy="3600450"/>
+          </a:xfrm>
+          <a:prstGeom prst="rect">
+            <a:avLst/>
+          </a:prstGeom>
+        </p:spPr>
+        <p:txBody>
+          <a:bodyPr vert="horz" lIns="91440" tIns="45720" rIns="91440" bIns="45720" rtlCol="0"/>
+          <a:lstStyle/>
+          <a:p>
+            <a:pPr lvl="0"/>
+            <a:r>
+              <a:rPr lang="en-GB"/>
+              <a:t>Click to edit Master text styles</a:t>
+            </a:r>
+          </a:p>
+          <a:p>
+            <a:pPr lvl="1"/>
+            <a:r>
+              <a:rPr lang="en-GB"/>
+              <a:t>Second level</a:t>
+            </a:r>
+          </a:p>
+          <a:p>
+            <a:pPr lvl="2"/>
+            <a:r>
+              <a:rPr lang="en-GB"/>
+              <a:t>Third level</a:t>
+            </a:r>
+          </a:p>
+          <a:p>
+            <a:pPr lvl="3"/>
+            <a:r>
+              <a:rPr lang="en-GB"/>
+              <a:t>Fourth level</a:t>
+            </a:r>
+          </a:p>
+          <a:p>
+            <a:pPr lvl="4"/>
+            <a:r>
+              <a:rPr lang="en-GB"/>
+              <a:t>Fifth level</a:t>
+            </a:r>
+            <a:endParaRPr lang="en-US"/>
+          </a:p>
+        </p:txBody>
+      </p:sp>
+      <p:sp>
+        <p:nvSpPr>
+          <p:cNvPr id="6" name="Footer Placeholder 5"/>
+          <p:cNvSpPr>
+            <a:spLocks noGrp="1"/>
+          </p:cNvSpPr>
+          <p:nvPr>
+            <p:ph type="ftr" sz="quarter" idx="4"/>
+          </p:nvPr>
+        </p:nvSpPr>
+        <p:spPr>
+          <a:xfrm>
+            <a:off x="0" y="8685213"/>
+            <a:ext cx="2971800" cy="458787"/>
+          </a:xfrm>
+          <a:prstGeom prst="rect">
+            <a:avLst/>
+          </a:prstGeom>
+        </p:spPr>
+        <p:txBody>
+          <a:bodyPr vert="horz" lIns="91440" tIns="45720" rIns="91440" bIns="45720" rtlCol="0" anchor="b"/>
+          <a:lstStyle>
+            <a:lvl1pPr algn="l">
+              <a:defRPr sz="1200"/>
+            </a:lvl1pPr>
+          </a:lstStyle>
+          <a:p>
+            <a:endParaRPr lang="en-US"/>
+          </a:p>
+        </p:txBody>
+      </p:sp>
+      <p:sp>
+        <p:nvSpPr>
+          <p:cNvPr id="7" name="Slide Number Placeholder 6"/>
+          <p:cNvSpPr>
+            <a:spLocks noGrp="1"/>
+          </p:cNvSpPr>
+          <p:nvPr>
+            <p:ph type="sldNum" sz="quarter" idx="5"/>
+          </p:nvPr>
+        </p:nvSpPr>
+        <p:spPr>
+          <a:xfrm>
+            <a:off x="3884613" y="8685213"/>
+            <a:ext cx="2971800" cy="458787"/>
+          </a:xfrm>
+          <a:prstGeom prst="rect">
+            <a:avLst/>
+          </a:prstGeom>
+        </p:spPr>
+        <p:txBody>
+          <a:bodyPr vert="horz" lIns="91440" tIns="45720" rIns="91440" bIns="45720" rtlCol="0" anchor="b"/>
+          <a:lstStyle>
+            <a:lvl1pPr algn="r">
+              <a:defRPr sz="1200"/>
+            </a:lvl1pPr>
+          </a:lstStyle>
+          <a:p>
+            <a:fld id="{CF6423EC-08CB-E947-BE9F-C71EE46F5920}" type="slidenum">
+              <a:rPr lang="en-US" smtClean="0"/>
+              <a:t>‹#›</a:t>
+            </a:fld>
+            <a:endParaRPr lang="en-US"/>
+          </a:p>
+        </p:txBody>
+      </p:sp>
+    </p:spTree>
+    <p:extLst>
+      <p:ext uri="{BB962C8B-B14F-4D97-AF65-F5344CB8AC3E}">
+        <p14:creationId xmlns:p14="http://schemas.microsoft.com/office/powerpoint/2010/main" val="2312470448"/>
+      </p:ext>
+    </p:extLst>
+  </p:cSld>
+  <p:clrMap bg1="lt1" tx1="dk1" bg2="lt2" tx2="dk2" accent1="accent1" accent2="accent2" accent3="accent3" accent4="accent4" accent5="accent5" accent6="accent6" hlink="hlink" folHlink="folHlink"/>
+  <p:notesStyle>
+    <a:lvl1pPr marL="0" algn="l" defTabSz="914400" rtl="0" eaLnBrk="1" latinLnBrk="0" hangingPunct="1">
+      <a:defRPr sz="1200" kern="1200">
+        <a:solidFill>
+          <a:schemeClr val="tx1"/>
+        </a:solidFill>
+        <a:latin typeface="+mn-lt"/>
+        <a:ea typeface="+mn-ea"/>
+        <a:cs typeface="+mn-cs"/>
+      </a:defRPr>
+    </a:lvl1pPr>
+    <a:lvl2pPr marL="457200" algn="l" defTabSz="914400" rtl="0" eaLnBrk="1" latinLnBrk="0" hangingPunct="1">
+      <a:defRPr sz="1200" kern="1200">
+        <a:solidFill>
+          <a:schemeClr val="tx1"/>
+        </a:solidFill>
+        <a:latin typeface="+mn-lt"/>
+        <a:ea typeface="+mn-ea"/>
+        <a:cs typeface="+mn-cs"/>
+      </a:defRPr>
+    </a:lvl2pPr>
+    <a:lvl3pPr marL="914400" algn="l" defTabSz="914400" rtl="0" eaLnBrk="1" latinLnBrk="0" hangingPunct="1">
+      <a:defRPr sz="1200" kern="1200">
+        <a:solidFill>
+          <a:schemeClr val="tx1"/>
+        </a:solidFill>
+        <a:latin typeface="+mn-lt"/>
+        <a:ea typeface="+mn-ea"/>
+        <a:cs typeface="+mn-cs"/>
+      </a:defRPr>
+    </a:lvl3pPr>
+    <a:lvl4pPr marL="1371600" algn="l" defTabSz="914400" rtl="0" eaLnBrk="1" latinLnBrk="0" hangingPunct="1">
+      <a:defRPr sz="1200" kern="1200">
+        <a:solidFill>
+          <a:schemeClr val="tx1"/>
+        </a:solidFill>
+        <a:latin typeface="+mn-lt"/>
+        <a:ea typeface="+mn-ea"/>
+        <a:cs typeface="+mn-cs"/>
+      </a:defRPr>
+    </a:lvl4pPr>
+    <a:lvl5pPr marL="1828800" algn="l" defTabSz="914400" rtl="0" eaLnBrk="1" latinLnBrk="0" hangingPunct="1">
+      <a:defRPr sz="1200" kern="1200">
+        <a:solidFill>
+          <a:schemeClr val="tx1"/>
+        </a:solidFill>
+        <a:latin typeface="+mn-lt"/>
+        <a:ea typeface="+mn-ea"/>
+        <a:cs typeface="+mn-cs"/>
+      </a:defRPr>
+    </a:lvl5pPr>
+    <a:lvl6pPr marL="2286000" algn="l" defTabSz="914400" rtl="0" eaLnBrk="1" latinLnBrk="0" hangingPunct="1">
+      <a:defRPr sz="1200" kern="1200">
+        <a:solidFill>
+          <a:schemeClr val="tx1"/>
+        </a:solidFill>
+        <a:latin typeface="+mn-lt"/>
+        <a:ea typeface="+mn-ea"/>
+        <a:cs typeface="+mn-cs"/>
+      </a:defRPr>
+    </a:lvl6pPr>
+    <a:lvl7pPr marL="2743200" algn="l" defTabSz="914400" rtl="0" eaLnBrk="1" latinLnBrk="0" hangingPunct="1">
+      <a:defRPr sz="1200" kern="1200">
+        <a:solidFill>
+          <a:schemeClr val="tx1"/>
+        </a:solidFill>
+        <a:latin typeface="+mn-lt"/>
+        <a:ea typeface="+mn-ea"/>
+        <a:cs typeface="+mn-cs"/>
+      </a:defRPr>
+    </a:lvl7pPr>
+    <a:lvl8pPr marL="3200400" algn="l" defTabSz="914400" rtl="0" eaLnBrk="1" latinLnBrk="0" hangingPunct="1">
+      <a:defRPr sz="1200" kern="1200">
+        <a:solidFill>
+          <a:schemeClr val="tx1"/>
+        </a:solidFill>
+        <a:latin typeface="+mn-lt"/>
+        <a:ea typeface="+mn-ea"/>
+        <a:cs typeface="+mn-cs"/>
+      </a:defRPr>
+    </a:lvl8pPr>
+    <a:lvl9pPr marL="3657600" algn="l" defTabSz="914400" rtl="0" eaLnBrk="1" latinLnBrk="0" hangingPunct="1">
+      <a:defRPr sz="1200" kern="1200">
+        <a:solidFill>
+          <a:schemeClr val="tx1"/>
+        </a:solidFill>
+        <a:latin typeface="+mn-lt"/>
+        <a:ea typeface="+mn-ea"/>
+        <a:cs typeface="+mn-cs"/>
+      </a:defRPr>
+    </a:lvl9pPr>
+  </p:notesStyle>
+</p:notesMaster>
+</file>
+
+<file path=ppt/notesSlides/notesSlide1.xml><?xml version="1.0" encoding="utf-8"?>
+<p:notes xmlns:a="http://schemas.openxmlformats.org/drawingml/2006/main" xmlns:r="http://schemas.openxmlformats.org/officeDocument/2006/relationships" xmlns:p="http://schemas.openxmlformats.org/presentationml/2006/main">
+  <p:cSld>
+    <p:spTree>
+      <p:nvGrpSpPr>
+        <p:cNvPr id="1" name=""/>
+        <p:cNvGrpSpPr/>
+        <p:nvPr/>
+      </p:nvGrpSpPr>
+      <p:grpSpPr>
+        <a:xfrm>
+          <a:off x="0" y="0"/>
+          <a:ext cx="0" cy="0"/>
+          <a:chOff x="0" y="0"/>
+          <a:chExt cx="0" cy="0"/>
+        </a:xfrm>
+      </p:grpSpPr>
+      <p:sp>
+        <p:nvSpPr>
+          <p:cNvPr id="2" name="Slide Image Placeholder 1"/>
+          <p:cNvSpPr>
+            <a:spLocks noGrp="1" noRot="1" noChangeAspect="1"/>
+          </p:cNvSpPr>
+          <p:nvPr>
+            <p:ph type="sldImg"/>
+          </p:nvPr>
+        </p:nvSpPr>
+        <p:spPr/>
+      </p:sp>
+      <p:sp>
+        <p:nvSpPr>
+          <p:cNvPr id="3" name="Notes Placeholder 2"/>
+          <p:cNvSpPr>
+            <a:spLocks noGrp="1"/>
+          </p:cNvSpPr>
+          <p:nvPr>
+            <p:ph type="body" idx="1"/>
+          </p:nvPr>
+        </p:nvSpPr>
+        <p:spPr/>
+        <p:txBody>
+          <a:bodyPr/>
+          <a:lstStyle/>
+          <a:p>
+            <a:endParaRPr lang="en-US"/>
+          </a:p>
+        </p:txBody>
+      </p:sp>
+      <p:sp>
+        <p:nvSpPr>
+          <p:cNvPr id="4" name="Slide Number Placeholder 3"/>
+          <p:cNvSpPr>
+            <a:spLocks noGrp="1"/>
+          </p:cNvSpPr>
+          <p:nvPr>
+            <p:ph type="sldNum" sz="quarter" idx="5"/>
+          </p:nvPr>
+        </p:nvSpPr>
+        <p:spPr/>
+        <p:txBody>
+          <a:bodyPr/>
+          <a:lstStyle/>
+          <a:p>
+            <a:fld id="{CF6423EC-08CB-E947-BE9F-C71EE46F5920}" type="slidenum">
+              <a:rPr lang="en-US" smtClean="0"/>
+              <a:t>4</a:t>
+            </a:fld>
+            <a:endParaRPr lang="en-US"/>
+          </a:p>
+        </p:txBody>
+      </p:sp>
+    </p:spTree>
+    <p:extLst>
+      <p:ext uri="{BB962C8B-B14F-4D97-AF65-F5344CB8AC3E}">
+        <p14:creationId xmlns:p14="http://schemas.microsoft.com/office/powerpoint/2010/main" val="355051671"/>
+      </p:ext>
+    </p:extLst>
+  </p:cSld>
+  <p:clrMapOvr>
+    <a:masterClrMapping/>
+  </p:clrMapOvr>
+</p:notes>
 </file>
 
 <file path=ppt/slideLayouts/slideLayout1.xml><?xml version="1.0" encoding="utf-8"?>
@@ -4069,7 +4506,7 @@
             <p:ph idx="1"/>
             <p:extLst>
               <p:ext uri="{D42A27DB-BD31-4B8C-83A1-F6EECF244321}">
-                <p14:modId xmlns:p14="http://schemas.microsoft.com/office/powerpoint/2010/main" val="1402219026"/>
+                <p14:modId xmlns:p14="http://schemas.microsoft.com/office/powerpoint/2010/main" val="3460794292"/>
               </p:ext>
             </p:extLst>
           </p:nvPr>
@@ -4216,6 +4653,68 @@
                           <a:cs typeface="Iosevka Etoile" panose="02000500030000000004" pitchFamily="2" charset="0"/>
                         </a:rPr>
                         <a:t>Switches music loops</a:t>
+                      </a:r>
+                    </a:p>
+                    <a:p>
+                      <a:pPr marL="285750" indent="-285750">
+                        <a:buFont typeface="System Font Regular"/>
+                        <a:buChar char="-"/>
+                      </a:pPr>
+                      <a:endParaRPr lang="en-US" sz="1600" b="0" dirty="0">
+                        <a:solidFill>
+                          <a:srgbClr val="EBDBB2"/>
+                        </a:solidFill>
+                        <a:latin typeface="Iosevka Etoile" panose="02000500030000000004" pitchFamily="2" charset="0"/>
+                        <a:ea typeface="Iosevka Etoile" panose="02000500030000000004" pitchFamily="2" charset="0"/>
+                        <a:cs typeface="Iosevka Etoile" panose="02000500030000000004" pitchFamily="2" charset="0"/>
+                      </a:endParaRPr>
+                    </a:p>
+                    <a:p>
+                      <a:pPr marL="285750" indent="-285750">
+                        <a:buFont typeface="System Font Regular"/>
+                        <a:buChar char="-"/>
+                      </a:pPr>
+                      <a:r>
+                        <a:rPr lang="en-US" sz="1600" b="0" dirty="0">
+                          <a:solidFill>
+                            <a:srgbClr val="EBDBB2"/>
+                          </a:solidFill>
+                          <a:latin typeface="Iosevka Etoile" panose="02000500030000000004" pitchFamily="2" charset="0"/>
+                          <a:ea typeface="Iosevka Etoile" panose="02000500030000000004" pitchFamily="2" charset="0"/>
+                          <a:cs typeface="Iosevka Etoile" panose="02000500030000000004" pitchFamily="2" charset="0"/>
+                        </a:rPr>
+                        <a:t>Modular code</a:t>
+                      </a:r>
+                    </a:p>
+                    <a:p>
+                      <a:pPr marL="285750" indent="-285750">
+                        <a:buFont typeface="System Font Regular"/>
+                        <a:buChar char="-"/>
+                      </a:pPr>
+                      <a:endParaRPr lang="en-US" sz="1600" b="0" dirty="0">
+                        <a:solidFill>
+                          <a:srgbClr val="EBDBB2"/>
+                        </a:solidFill>
+                        <a:latin typeface="Iosevka Etoile" panose="02000500030000000004" pitchFamily="2" charset="0"/>
+                        <a:ea typeface="Iosevka Etoile" panose="02000500030000000004" pitchFamily="2" charset="0"/>
+                        <a:cs typeface="Iosevka Etoile" panose="02000500030000000004" pitchFamily="2" charset="0"/>
+                      </a:endParaRPr>
+                    </a:p>
+                    <a:p>
+                      <a:pPr marL="285750" indent="-285750">
+                        <a:buFont typeface="System Font Regular"/>
+                        <a:buChar char="-"/>
+                      </a:pPr>
+                      <a:r>
+                        <a:rPr lang="en-US" sz="1600" b="0" dirty="0">
+                          <a:solidFill>
+                            <a:srgbClr val="EBDBB2"/>
+                          </a:solidFill>
+                          <a:latin typeface="Iosevka Etoile" panose="02000500030000000004" pitchFamily="2" charset="0"/>
+                          <a:ea typeface="Iosevka Etoile" panose="02000500030000000004" pitchFamily="2" charset="0"/>
+                          <a:cs typeface="Iosevka Etoile" panose="02000500030000000004" pitchFamily="2" charset="0"/>
+                        </a:rPr>
+                        <a:t>This is a bad example</a:t>
                       </a:r>
                     </a:p>
                     <a:p>
@@ -6572,7 +7071,7 @@
             <p:ph idx="1"/>
             <p:extLst>
               <p:ext uri="{D42A27DB-BD31-4B8C-83A1-F6EECF244321}">
-                <p14:modId xmlns:p14="http://schemas.microsoft.com/office/powerpoint/2010/main" val="1816688450"/>
+                <p14:modId xmlns:p14="http://schemas.microsoft.com/office/powerpoint/2010/main" val="1707917539"/>
               </p:ext>
             </p:extLst>
           </p:nvPr>
@@ -8744,6 +9243,11 @@
           </p:cNvGraphicFramePr>
           <p:nvPr>
             <p:ph idx="1"/>
+            <p:extLst>
+              <p:ext uri="{D42A27DB-BD31-4B8C-83A1-F6EECF244321}">
+                <p14:modId xmlns:p14="http://schemas.microsoft.com/office/powerpoint/2010/main" val="527548488"/>
+              </p:ext>
+            </p:extLst>
           </p:nvPr>
         </p:nvGraphicFramePr>
         <p:xfrm>
@@ -8794,7 +9298,7 @@
                           <a:ea typeface="Iosevka Etoile" panose="02000500030000000004" pitchFamily="2" charset="0"/>
                           <a:cs typeface="Iosevka Etoile" panose="02000500030000000004" pitchFamily="2" charset="0"/>
                         </a:rPr>
-                        <a:t>Checks if key is down</a:t>
+                        <a:t>Music is very important</a:t>
                       </a:r>
                     </a:p>
                     <a:p>
@@ -8825,7 +9329,7 @@
                           <a:ea typeface="Iosevka Etoile" panose="02000500030000000004" pitchFamily="2" charset="0"/>
                           <a:cs typeface="Iosevka Etoile" panose="02000500030000000004" pitchFamily="2" charset="0"/>
                         </a:rPr>
-                        <a:t>Checks if for collision</a:t>
+                        <a:t>Broken down into loops</a:t>
                       </a:r>
                     </a:p>
                     <a:p>
@@ -8856,7 +9360,7 @@
                           <a:ea typeface="Iosevka Etoile" panose="02000500030000000004" pitchFamily="2" charset="0"/>
                           <a:cs typeface="Iosevka Etoile" panose="02000500030000000004" pitchFamily="2" charset="0"/>
                         </a:rPr>
-                        <a:t>Rates input against timing</a:t>
+                        <a:t>Higher combo = complex loop</a:t>
                       </a:r>
                     </a:p>
                     <a:p>
@@ -8887,7 +9391,7 @@
                           <a:ea typeface="Iosevka Etoile" panose="02000500030000000004" pitchFamily="2" charset="0"/>
                           <a:cs typeface="Iosevka Etoile" panose="02000500030000000004" pitchFamily="2" charset="0"/>
                         </a:rPr>
-                        <a:t>Drum itself made up of buttons</a:t>
+                        <a:t>Combo worm</a:t>
                       </a:r>
                     </a:p>
                     <a:p>
@@ -8910,7 +9414,7 @@
                         <a:buChar char="-"/>
                       </a:pPr>
                       <a:r>
-                        <a:rPr lang="en-US" sz="1600" b="0" dirty="0">
+                        <a:rPr lang="en-US" sz="1600" b="0">
                           <a:solidFill>
                             <a:srgbClr val="EBDBB2"/>
                           </a:solidFill>
@@ -8918,7 +9422,18 @@
                           <a:ea typeface="Iosevka Etoile" panose="02000500030000000004" pitchFamily="2" charset="0"/>
                           <a:cs typeface="Iosevka Etoile" panose="02000500030000000004" pitchFamily="2" charset="0"/>
                         </a:rPr>
-                        <a:t>Drum is a kinematic object</a:t>
+                        <a:t>Supports </a:t>
+                      </a:r>
+                      <a:r>
+                        <a:rPr lang="en-US" sz="1600" b="0" dirty="0">
+                          <a:solidFill>
+                            <a:srgbClr val="EBDBB2"/>
+                          </a:solidFill>
+                          <a:latin typeface="Iosevka Etoile" panose="02000500030000000004" pitchFamily="2" charset="0"/>
+                          <a:ea typeface="Iosevka Etoile" panose="02000500030000000004" pitchFamily="2" charset="0"/>
+                          <a:cs typeface="Iosevka Etoile" panose="02000500030000000004" pitchFamily="2" charset="0"/>
+                        </a:rPr>
+                        <a:t>unimplemented reset   </a:t>
                       </a:r>
                     </a:p>
                     <a:p>
@@ -8963,7 +9478,7 @@
                           <a:ea typeface="Iosevka Etoile" panose="02000500030000000004" pitchFamily="2" charset="0"/>
                           <a:cs typeface="Iosevka Etoile" panose="02000500030000000004" pitchFamily="2" charset="0"/>
                         </a:rPr>
-                        <a:t>button.cs</a:t>
+                        <a:t>rhythm.cs</a:t>
                       </a:r>
                       <a:endParaRPr lang="en-US" sz="1600" b="1" dirty="0">
                         <a:solidFill>
@@ -8988,7 +9503,7 @@
                           <a:ea typeface="Iosevka Etoile" panose="02000500030000000004" pitchFamily="2" charset="0"/>
                           <a:cs typeface="Iosevka Etoile" panose="02000500030000000004" pitchFamily="2" charset="0"/>
                         </a:rPr>
-                        <a:t>beat.cs</a:t>
+                        <a:t>drum.cs</a:t>
                       </a:r>
                       <a:endParaRPr lang="en-US" sz="1600" b="1" dirty="0">
                         <a:solidFill>
@@ -9040,7 +9555,7 @@
                           <a:ea typeface="Iosevka Term" panose="02000509030000000004" pitchFamily="49" charset="0"/>
                           <a:cs typeface="Iosevka Term" panose="02000509030000000004" pitchFamily="49" charset="0"/>
                         </a:rPr>
-                        <a:t>button.cs</a:t>
+                        <a:t>rhythm.cs</a:t>
                       </a:r>
                       <a:r>
                         <a:rPr lang="en-US" sz="1200" b="1" dirty="0">
@@ -9051,7 +9566,7 @@
                           <a:ea typeface="Iosevka Term" panose="02000509030000000004" pitchFamily="49" charset="0"/>
                           <a:cs typeface="Iosevka Term" panose="02000509030000000004" pitchFamily="49" charset="0"/>
                         </a:rPr>
-                        <a:t>: 19 - 37 </a:t>
+                        <a:t>: 7, 12 - 20, 38 - 41</a:t>
                       </a:r>
                     </a:p>
                     <a:p>
@@ -9068,7 +9583,7 @@
                       <a:r>
                         <a:rPr lang="en-US" sz="1200" dirty="0">
                           <a:solidFill>
-                            <a:srgbClr val="FE8019"/>
+                            <a:srgbClr val="EBDBB2"/>
                           </a:solidFill>
                           <a:latin typeface="Iosevka Term" panose="02000509030000000004" pitchFamily="49" charset="0"/>
                           <a:ea typeface="Iosevka Term" panose="02000509030000000004" pitchFamily="49" charset="0"/>
@@ -9085,12 +9600,12 @@
                           <a:ea typeface="Iosevka Term" panose="02000509030000000004" pitchFamily="49" charset="0"/>
                           <a:cs typeface="Iosevka Term" panose="02000509030000000004" pitchFamily="49" charset="0"/>
                         </a:rPr>
-                        <a:t>void</a:t>
-                      </a:r>
-                      <a:r>
-                        <a:rPr lang="en-US" sz="1200" dirty="0">
-                          <a:solidFill>
-                            <a:srgbClr val="FE8019"/>
+                        <a:t>public</a:t>
+                      </a:r>
+                      <a:r>
+                        <a:rPr lang="en-US" sz="1200" dirty="0">
+                          <a:solidFill>
+                            <a:srgbClr val="EBDBB2"/>
                           </a:solidFill>
                           <a:latin typeface="Iosevka Term" panose="02000509030000000004" pitchFamily="49" charset="0"/>
                           <a:ea typeface="Iosevka Term" panose="02000509030000000004" pitchFamily="49" charset="0"/>
@@ -9099,83 +9614,37 @@
                         <a:t> </a:t>
                       </a:r>
                       <a:r>
-                        <a:rPr lang="en-US" sz="1200" dirty="0">
-                          <a:solidFill>
-                            <a:srgbClr val="B8BB26"/>
-                          </a:solidFill>
-                          <a:latin typeface="Iosevka Term" panose="02000509030000000004" pitchFamily="49" charset="0"/>
-                          <a:ea typeface="Iosevka Term" panose="02000509030000000004" pitchFamily="49" charset="0"/>
-                          <a:cs typeface="Iosevka Term" panose="02000509030000000004" pitchFamily="49" charset="0"/>
-                        </a:rPr>
-                        <a:t>Update</a:t>
-                      </a:r>
-                      <a:r>
-                        <a:rPr lang="en-US" sz="1200" dirty="0">
-                          <a:solidFill>
-                            <a:srgbClr val="FE8019"/>
-                          </a:solidFill>
-                          <a:latin typeface="Iosevka Term" panose="02000509030000000004" pitchFamily="49" charset="0"/>
-                          <a:ea typeface="Iosevka Term" panose="02000509030000000004" pitchFamily="49" charset="0"/>
-                          <a:cs typeface="Iosevka Term" panose="02000509030000000004" pitchFamily="49" charset="0"/>
-                        </a:rPr>
-                        <a:t>() {</a:t>
-                      </a:r>
-                    </a:p>
-                    <a:p>
-                      <a:r>
-                        <a:rPr lang="en-US" sz="1200" dirty="0">
-                          <a:solidFill>
-                            <a:srgbClr val="FE8019"/>
-                          </a:solidFill>
-                          <a:latin typeface="Iosevka Term" panose="02000509030000000004" pitchFamily="49" charset="0"/>
-                          <a:ea typeface="Iosevka Term" panose="02000509030000000004" pitchFamily="49" charset="0"/>
-                          <a:cs typeface="Iosevka Term" panose="02000509030000000004" pitchFamily="49" charset="0"/>
-                        </a:rPr>
-                        <a:t>    </a:t>
-                      </a:r>
-                      <a:r>
-                        <a:rPr lang="en-US" sz="1200" dirty="0">
-                          <a:solidFill>
-                            <a:srgbClr val="FB4934"/>
-                          </a:solidFill>
-                          <a:latin typeface="Iosevka Term" panose="02000509030000000004" pitchFamily="49" charset="0"/>
-                          <a:ea typeface="Iosevka Term" panose="02000509030000000004" pitchFamily="49" charset="0"/>
-                          <a:cs typeface="Iosevka Term" panose="02000509030000000004" pitchFamily="49" charset="0"/>
-                        </a:rPr>
-                        <a:t>if</a:t>
-                      </a:r>
-                      <a:r>
-                        <a:rPr lang="en-US" sz="1200" dirty="0">
-                          <a:solidFill>
-                            <a:srgbClr val="FE8019"/>
-                          </a:solidFill>
-                          <a:latin typeface="Iosevka Term" panose="02000509030000000004" pitchFamily="49" charset="0"/>
-                          <a:ea typeface="Iosevka Term" panose="02000509030000000004" pitchFamily="49" charset="0"/>
-                          <a:cs typeface="Iosevka Term" panose="02000509030000000004" pitchFamily="49" charset="0"/>
-                        </a:rPr>
-                        <a:t> (</a:t>
-                      </a:r>
-                      <a:r>
                         <a:rPr lang="en-US" sz="1200" dirty="0" err="1">
                           <a:solidFill>
-                            <a:srgbClr val="B8BB26"/>
-                          </a:solidFill>
-                          <a:latin typeface="Iosevka Term" panose="02000509030000000004" pitchFamily="49" charset="0"/>
-                          <a:ea typeface="Iosevka Term" panose="02000509030000000004" pitchFamily="49" charset="0"/>
-                          <a:cs typeface="Iosevka Term" panose="02000509030000000004" pitchFamily="49" charset="0"/>
-                        </a:rPr>
-                        <a:t>pressed_on_time</a:t>
-                      </a:r>
-                      <a:r>
-                        <a:rPr lang="en-US" sz="1200" dirty="0">
-                          <a:solidFill>
-                            <a:srgbClr val="FE8019"/>
-                          </a:solidFill>
-                          <a:latin typeface="Iosevka Term" panose="02000509030000000004" pitchFamily="49" charset="0"/>
-                          <a:ea typeface="Iosevka Term" panose="02000509030000000004" pitchFamily="49" charset="0"/>
-                          <a:cs typeface="Iosevka Term" panose="02000509030000000004" pitchFamily="49" charset="0"/>
-                        </a:rPr>
-                        <a:t>(</a:t>
+                            <a:srgbClr val="EBDBB2"/>
+                          </a:solidFill>
+                          <a:latin typeface="Iosevka Term" panose="02000509030000000004" pitchFamily="49" charset="0"/>
+                          <a:ea typeface="Iosevka Term" panose="02000509030000000004" pitchFamily="49" charset="0"/>
+                          <a:cs typeface="Iosevka Term" panose="02000509030000000004" pitchFamily="49" charset="0"/>
+                        </a:rPr>
+                        <a:t>AudioClip</a:t>
+                      </a:r>
+                      <a:r>
+                        <a:rPr lang="en-US" sz="1200" dirty="0">
+                          <a:solidFill>
+                            <a:srgbClr val="FE8019"/>
+                          </a:solidFill>
+                          <a:latin typeface="Iosevka Term" panose="02000509030000000004" pitchFamily="49" charset="0"/>
+                          <a:ea typeface="Iosevka Term" panose="02000509030000000004" pitchFamily="49" charset="0"/>
+                          <a:cs typeface="Iosevka Term" panose="02000509030000000004" pitchFamily="49" charset="0"/>
+                        </a:rPr>
+                        <a:t>[]</a:t>
+                      </a:r>
+                      <a:r>
+                        <a:rPr lang="en-US" sz="1200" dirty="0">
+                          <a:solidFill>
+                            <a:srgbClr val="EBDBB2"/>
+                          </a:solidFill>
+                          <a:latin typeface="Iosevka Term" panose="02000509030000000004" pitchFamily="49" charset="0"/>
+                          <a:ea typeface="Iosevka Term" panose="02000509030000000004" pitchFamily="49" charset="0"/>
+                          <a:cs typeface="Iosevka Term" panose="02000509030000000004" pitchFamily="49" charset="0"/>
+                        </a:rPr>
+                        <a:t> </a:t>
                       </a:r>
                       <a:r>
                         <a:rPr lang="en-US" sz="1200" dirty="0">
@@ -9186,1551 +9655,21 @@
                           <a:ea typeface="Iosevka Term" panose="02000509030000000004" pitchFamily="49" charset="0"/>
                           <a:cs typeface="Iosevka Term" panose="02000509030000000004" pitchFamily="49" charset="0"/>
                         </a:rPr>
-                        <a:t>bind</a:t>
-                      </a:r>
-                      <a:r>
-                        <a:rPr lang="en-US" sz="1200" dirty="0">
-                          <a:solidFill>
-                            <a:srgbClr val="FE8019"/>
-                          </a:solidFill>
-                          <a:latin typeface="Iosevka Term" panose="02000509030000000004" pitchFamily="49" charset="0"/>
-                          <a:ea typeface="Iosevka Term" panose="02000509030000000004" pitchFamily="49" charset="0"/>
-                          <a:cs typeface="Iosevka Term" panose="02000509030000000004" pitchFamily="49" charset="0"/>
-                        </a:rPr>
-                        <a:t>) == </a:t>
-                      </a:r>
-                      <a:r>
-                        <a:rPr lang="en-US" sz="1200" dirty="0" err="1">
-                          <a:solidFill>
-                            <a:srgbClr val="FABD2F"/>
-                          </a:solidFill>
-                          <a:latin typeface="Iosevka Term" panose="02000509030000000004" pitchFamily="49" charset="0"/>
-                          <a:ea typeface="Iosevka Term" panose="02000509030000000004" pitchFamily="49" charset="0"/>
-                          <a:cs typeface="Iosevka Term" panose="02000509030000000004" pitchFamily="49" charset="0"/>
-                        </a:rPr>
-                        <a:t>Quality</a:t>
-                      </a:r>
-                      <a:r>
-                        <a:rPr lang="en-US" sz="1200" dirty="0" err="1">
-                          <a:solidFill>
-                            <a:srgbClr val="FE8019"/>
-                          </a:solidFill>
-                          <a:latin typeface="Iosevka Term" panose="02000509030000000004" pitchFamily="49" charset="0"/>
-                          <a:ea typeface="Iosevka Term" panose="02000509030000000004" pitchFamily="49" charset="0"/>
-                          <a:cs typeface="Iosevka Term" panose="02000509030000000004" pitchFamily="49" charset="0"/>
-                        </a:rPr>
-                        <a:t>.</a:t>
-                      </a:r>
-                      <a:r>
-                        <a:rPr lang="en-US" sz="1200" dirty="0" err="1">
-                          <a:solidFill>
-                            <a:srgbClr val="D3869B"/>
-                          </a:solidFill>
-                          <a:latin typeface="Iosevka Term" panose="02000509030000000004" pitchFamily="49" charset="0"/>
-                          <a:ea typeface="Iosevka Term" panose="02000509030000000004" pitchFamily="49" charset="0"/>
-                          <a:cs typeface="Iosevka Term" panose="02000509030000000004" pitchFamily="49" charset="0"/>
-                        </a:rPr>
-                        <a:t>Perfect</a:t>
-                      </a:r>
-                      <a:r>
-                        <a:rPr lang="en-US" sz="1200" dirty="0">
-                          <a:solidFill>
-                            <a:srgbClr val="FE8019"/>
-                          </a:solidFill>
-                          <a:latin typeface="Iosevka Term" panose="02000509030000000004" pitchFamily="49" charset="0"/>
-                          <a:ea typeface="Iosevka Term" panose="02000509030000000004" pitchFamily="49" charset="0"/>
-                          <a:cs typeface="Iosevka Term" panose="02000509030000000004" pitchFamily="49" charset="0"/>
-                        </a:rPr>
-                        <a:t>) { </a:t>
-                      </a:r>
-                      <a:r>
-                        <a:rPr lang="en-US" sz="1200" dirty="0">
-                          <a:solidFill>
-                            <a:srgbClr val="83A598"/>
-                          </a:solidFill>
-                          <a:latin typeface="Iosevka Term" panose="02000509030000000004" pitchFamily="49" charset="0"/>
-                          <a:ea typeface="Iosevka Term" panose="02000509030000000004" pitchFamily="49" charset="0"/>
-                          <a:cs typeface="Iosevka Term" panose="02000509030000000004" pitchFamily="49" charset="0"/>
-                        </a:rPr>
-                        <a:t>perfect</a:t>
-                      </a:r>
-                      <a:r>
-                        <a:rPr lang="en-US" sz="1200" dirty="0">
-                          <a:solidFill>
-                            <a:srgbClr val="FE8019"/>
-                          </a:solidFill>
-                          <a:latin typeface="Iosevka Term" panose="02000509030000000004" pitchFamily="49" charset="0"/>
-                          <a:ea typeface="Iosevka Term" panose="02000509030000000004" pitchFamily="49" charset="0"/>
-                          <a:cs typeface="Iosevka Term" panose="02000509030000000004" pitchFamily="49" charset="0"/>
-                        </a:rPr>
-                        <a:t> = </a:t>
-                      </a:r>
-                      <a:r>
-                        <a:rPr lang="en-US" sz="1200" dirty="0">
-                          <a:solidFill>
-                            <a:srgbClr val="D3869B"/>
-                          </a:solidFill>
-                          <a:latin typeface="Iosevka Term" panose="02000509030000000004" pitchFamily="49" charset="0"/>
-                          <a:ea typeface="Iosevka Term" panose="02000509030000000004" pitchFamily="49" charset="0"/>
-                          <a:cs typeface="Iosevka Term" panose="02000509030000000004" pitchFamily="49" charset="0"/>
-                        </a:rPr>
-                        <a:t>true</a:t>
-                      </a:r>
-                      <a:r>
-                        <a:rPr lang="en-US" sz="1200" dirty="0">
-                          <a:solidFill>
-                            <a:srgbClr val="FE8019"/>
-                          </a:solidFill>
-                          <a:latin typeface="Iosevka Term" panose="02000509030000000004" pitchFamily="49" charset="0"/>
-                          <a:ea typeface="Iosevka Term" panose="02000509030000000004" pitchFamily="49" charset="0"/>
-                          <a:cs typeface="Iosevka Term" panose="02000509030000000004" pitchFamily="49" charset="0"/>
-                        </a:rPr>
-                        <a:t>; }</a:t>
-                      </a:r>
-                    </a:p>
-                    <a:p>
-                      <a:r>
-                        <a:rPr lang="en-US" sz="1200" dirty="0">
-                          <a:solidFill>
-                            <a:srgbClr val="FE8019"/>
-                          </a:solidFill>
-                          <a:latin typeface="Iosevka Term" panose="02000509030000000004" pitchFamily="49" charset="0"/>
-                          <a:ea typeface="Iosevka Term" panose="02000509030000000004" pitchFamily="49" charset="0"/>
-                          <a:cs typeface="Iosevka Term" panose="02000509030000000004" pitchFamily="49" charset="0"/>
-                        </a:rPr>
-                        <a:t>    </a:t>
-                      </a:r>
-                      <a:r>
-                        <a:rPr lang="en-US" sz="1200" dirty="0">
-                          <a:solidFill>
-                            <a:srgbClr val="FB4934"/>
-                          </a:solidFill>
-                          <a:latin typeface="Iosevka Term" panose="02000509030000000004" pitchFamily="49" charset="0"/>
-                          <a:ea typeface="Iosevka Term" panose="02000509030000000004" pitchFamily="49" charset="0"/>
-                          <a:cs typeface="Iosevka Term" panose="02000509030000000004" pitchFamily="49" charset="0"/>
-                        </a:rPr>
-                        <a:t>if</a:t>
-                      </a:r>
-                      <a:r>
-                        <a:rPr lang="en-US" sz="1200" dirty="0">
-                          <a:solidFill>
-                            <a:srgbClr val="FE8019"/>
-                          </a:solidFill>
-                          <a:latin typeface="Iosevka Term" panose="02000509030000000004" pitchFamily="49" charset="0"/>
-                          <a:ea typeface="Iosevka Term" panose="02000509030000000004" pitchFamily="49" charset="0"/>
-                          <a:cs typeface="Iosevka Term" panose="02000509030000000004" pitchFamily="49" charset="0"/>
-                        </a:rPr>
-                        <a:t> (</a:t>
-                      </a:r>
-                      <a:r>
-                        <a:rPr lang="en-US" sz="1200" dirty="0" err="1">
-                          <a:solidFill>
-                            <a:srgbClr val="B8BB26"/>
-                          </a:solidFill>
-                          <a:latin typeface="Iosevka Term" panose="02000509030000000004" pitchFamily="49" charset="0"/>
-                          <a:ea typeface="Iosevka Term" panose="02000509030000000004" pitchFamily="49" charset="0"/>
-                          <a:cs typeface="Iosevka Term" panose="02000509030000000004" pitchFamily="49" charset="0"/>
-                        </a:rPr>
-                        <a:t>pressed_on_time</a:t>
-                      </a:r>
-                      <a:r>
-                        <a:rPr lang="en-US" sz="1200" dirty="0">
-                          <a:solidFill>
-                            <a:srgbClr val="FE8019"/>
-                          </a:solidFill>
-                          <a:latin typeface="Iosevka Term" panose="02000509030000000004" pitchFamily="49" charset="0"/>
-                          <a:ea typeface="Iosevka Term" panose="02000509030000000004" pitchFamily="49" charset="0"/>
-                          <a:cs typeface="Iosevka Term" panose="02000509030000000004" pitchFamily="49" charset="0"/>
-                        </a:rPr>
-                        <a:t>(</a:t>
-                      </a:r>
-                      <a:r>
-                        <a:rPr lang="en-US" sz="1200" dirty="0">
-                          <a:solidFill>
-                            <a:srgbClr val="83A598"/>
-                          </a:solidFill>
-                          <a:latin typeface="Iosevka Term" panose="02000509030000000004" pitchFamily="49" charset="0"/>
-                          <a:ea typeface="Iosevka Term" panose="02000509030000000004" pitchFamily="49" charset="0"/>
-                          <a:cs typeface="Iosevka Term" panose="02000509030000000004" pitchFamily="49" charset="0"/>
-                        </a:rPr>
-                        <a:t>bind</a:t>
-                      </a:r>
-                      <a:r>
-                        <a:rPr lang="en-US" sz="1200" dirty="0">
-                          <a:solidFill>
-                            <a:srgbClr val="FE8019"/>
-                          </a:solidFill>
-                          <a:latin typeface="Iosevka Term" panose="02000509030000000004" pitchFamily="49" charset="0"/>
-                          <a:ea typeface="Iosevka Term" panose="02000509030000000004" pitchFamily="49" charset="0"/>
-                          <a:cs typeface="Iosevka Term" panose="02000509030000000004" pitchFamily="49" charset="0"/>
-                        </a:rPr>
-                        <a:t>) == </a:t>
-                      </a:r>
-                      <a:r>
-                        <a:rPr lang="en-US" sz="1200" dirty="0" err="1">
-                          <a:solidFill>
-                            <a:srgbClr val="FABD2F"/>
-                          </a:solidFill>
-                          <a:latin typeface="Iosevka Term" panose="02000509030000000004" pitchFamily="49" charset="0"/>
-                          <a:ea typeface="Iosevka Term" panose="02000509030000000004" pitchFamily="49" charset="0"/>
-                          <a:cs typeface="Iosevka Term" panose="02000509030000000004" pitchFamily="49" charset="0"/>
-                        </a:rPr>
-                        <a:t>Quality</a:t>
-                      </a:r>
-                      <a:r>
-                        <a:rPr lang="en-US" sz="1200" dirty="0" err="1">
-                          <a:solidFill>
-                            <a:srgbClr val="FE8019"/>
-                          </a:solidFill>
-                          <a:latin typeface="Iosevka Term" panose="02000509030000000004" pitchFamily="49" charset="0"/>
-                          <a:ea typeface="Iosevka Term" panose="02000509030000000004" pitchFamily="49" charset="0"/>
-                          <a:cs typeface="Iosevka Term" panose="02000509030000000004" pitchFamily="49" charset="0"/>
-                        </a:rPr>
-                        <a:t>.</a:t>
-                      </a:r>
-                      <a:r>
-                        <a:rPr lang="en-US" sz="1200" dirty="0" err="1">
-                          <a:solidFill>
-                            <a:srgbClr val="D3869B"/>
-                          </a:solidFill>
-                          <a:latin typeface="Iosevka Term" panose="02000509030000000004" pitchFamily="49" charset="0"/>
-                          <a:ea typeface="Iosevka Term" panose="02000509030000000004" pitchFamily="49" charset="0"/>
-                          <a:cs typeface="Iosevka Term" panose="02000509030000000004" pitchFamily="49" charset="0"/>
-                        </a:rPr>
-                        <a:t>Good</a:t>
-                      </a:r>
-                      <a:r>
-                        <a:rPr lang="en-US" sz="1200" dirty="0">
-                          <a:solidFill>
-                            <a:srgbClr val="FE8019"/>
-                          </a:solidFill>
-                          <a:latin typeface="Iosevka Term" panose="02000509030000000004" pitchFamily="49" charset="0"/>
-                          <a:ea typeface="Iosevka Term" panose="02000509030000000004" pitchFamily="49" charset="0"/>
-                          <a:cs typeface="Iosevka Term" panose="02000509030000000004" pitchFamily="49" charset="0"/>
-                        </a:rPr>
-                        <a:t>) { </a:t>
-                      </a:r>
-                      <a:r>
-                        <a:rPr lang="en-US" sz="1200" dirty="0">
-                          <a:solidFill>
-                            <a:srgbClr val="83A598"/>
-                          </a:solidFill>
-                          <a:latin typeface="Iosevka Term" panose="02000509030000000004" pitchFamily="49" charset="0"/>
-                          <a:ea typeface="Iosevka Term" panose="02000509030000000004" pitchFamily="49" charset="0"/>
-                          <a:cs typeface="Iosevka Term" panose="02000509030000000004" pitchFamily="49" charset="0"/>
-                        </a:rPr>
-                        <a:t>good</a:t>
-                      </a:r>
-                      <a:r>
-                        <a:rPr lang="en-US" sz="1200" dirty="0">
-                          <a:solidFill>
-                            <a:srgbClr val="FE8019"/>
-                          </a:solidFill>
-                          <a:latin typeface="Iosevka Term" panose="02000509030000000004" pitchFamily="49" charset="0"/>
-                          <a:ea typeface="Iosevka Term" panose="02000509030000000004" pitchFamily="49" charset="0"/>
-                          <a:cs typeface="Iosevka Term" panose="02000509030000000004" pitchFamily="49" charset="0"/>
-                        </a:rPr>
-                        <a:t> = </a:t>
-                      </a:r>
-                      <a:r>
-                        <a:rPr lang="en-US" sz="1200" dirty="0">
-                          <a:solidFill>
-                            <a:srgbClr val="D3869B"/>
-                          </a:solidFill>
-                          <a:latin typeface="Iosevka Term" panose="02000509030000000004" pitchFamily="49" charset="0"/>
-                          <a:ea typeface="Iosevka Term" panose="02000509030000000004" pitchFamily="49" charset="0"/>
-                          <a:cs typeface="Iosevka Term" panose="02000509030000000004" pitchFamily="49" charset="0"/>
-                        </a:rPr>
-                        <a:t>true</a:t>
-                      </a:r>
-                      <a:r>
-                        <a:rPr lang="en-US" sz="1200" dirty="0">
-                          <a:solidFill>
-                            <a:srgbClr val="FE8019"/>
-                          </a:solidFill>
-                          <a:latin typeface="Iosevka Term" panose="02000509030000000004" pitchFamily="49" charset="0"/>
-                          <a:ea typeface="Iosevka Term" panose="02000509030000000004" pitchFamily="49" charset="0"/>
-                          <a:cs typeface="Iosevka Term" panose="02000509030000000004" pitchFamily="49" charset="0"/>
-                        </a:rPr>
-                        <a:t>; }</a:t>
-                      </a:r>
-                    </a:p>
-                    <a:p>
-                      <a:r>
-                        <a:rPr lang="en-US" sz="1200" dirty="0">
-                          <a:solidFill>
-                            <a:srgbClr val="FE8019"/>
-                          </a:solidFill>
-                          <a:latin typeface="Iosevka Term" panose="02000509030000000004" pitchFamily="49" charset="0"/>
-                          <a:ea typeface="Iosevka Term" panose="02000509030000000004" pitchFamily="49" charset="0"/>
-                          <a:cs typeface="Iosevka Term" panose="02000509030000000004" pitchFamily="49" charset="0"/>
-                        </a:rPr>
-                        <a:t>    </a:t>
-                      </a:r>
-                      <a:r>
-                        <a:rPr lang="en-US" sz="1200" dirty="0">
-                          <a:solidFill>
-                            <a:srgbClr val="FB4934"/>
-                          </a:solidFill>
-                          <a:latin typeface="Iosevka Term" panose="02000509030000000004" pitchFamily="49" charset="0"/>
-                          <a:ea typeface="Iosevka Term" panose="02000509030000000004" pitchFamily="49" charset="0"/>
-                          <a:cs typeface="Iosevka Term" panose="02000509030000000004" pitchFamily="49" charset="0"/>
-                        </a:rPr>
-                        <a:t>if</a:t>
-                      </a:r>
-                      <a:r>
-                        <a:rPr lang="en-US" sz="1200" dirty="0">
-                          <a:solidFill>
-                            <a:srgbClr val="FE8019"/>
-                          </a:solidFill>
-                          <a:latin typeface="Iosevka Term" panose="02000509030000000004" pitchFamily="49" charset="0"/>
-                          <a:ea typeface="Iosevka Term" panose="02000509030000000004" pitchFamily="49" charset="0"/>
-                          <a:cs typeface="Iosevka Term" panose="02000509030000000004" pitchFamily="49" charset="0"/>
-                        </a:rPr>
-                        <a:t> (</a:t>
-                      </a:r>
-                      <a:r>
-                        <a:rPr lang="en-US" sz="1200" dirty="0" err="1">
-                          <a:solidFill>
-                            <a:srgbClr val="B8BB26"/>
-                          </a:solidFill>
-                          <a:latin typeface="Iosevka Term" panose="02000509030000000004" pitchFamily="49" charset="0"/>
-                          <a:ea typeface="Iosevka Term" panose="02000509030000000004" pitchFamily="49" charset="0"/>
-                          <a:cs typeface="Iosevka Term" panose="02000509030000000004" pitchFamily="49" charset="0"/>
-                        </a:rPr>
-                        <a:t>pressed_on_time</a:t>
-                      </a:r>
-                      <a:r>
-                        <a:rPr lang="en-US" sz="1200" dirty="0">
-                          <a:solidFill>
-                            <a:srgbClr val="FE8019"/>
-                          </a:solidFill>
-                          <a:latin typeface="Iosevka Term" panose="02000509030000000004" pitchFamily="49" charset="0"/>
-                          <a:ea typeface="Iosevka Term" panose="02000509030000000004" pitchFamily="49" charset="0"/>
-                          <a:cs typeface="Iosevka Term" panose="02000509030000000004" pitchFamily="49" charset="0"/>
-                        </a:rPr>
-                        <a:t>(</a:t>
-                      </a:r>
-                      <a:r>
-                        <a:rPr lang="en-US" sz="1200" dirty="0">
-                          <a:solidFill>
-                            <a:srgbClr val="83A598"/>
-                          </a:solidFill>
-                          <a:latin typeface="Iosevka Term" panose="02000509030000000004" pitchFamily="49" charset="0"/>
-                          <a:ea typeface="Iosevka Term" panose="02000509030000000004" pitchFamily="49" charset="0"/>
-                          <a:cs typeface="Iosevka Term" panose="02000509030000000004" pitchFamily="49" charset="0"/>
-                        </a:rPr>
-                        <a:t>bind</a:t>
-                      </a:r>
-                      <a:r>
-                        <a:rPr lang="en-US" sz="1200" dirty="0">
-                          <a:solidFill>
-                            <a:srgbClr val="FE8019"/>
-                          </a:solidFill>
-                          <a:latin typeface="Iosevka Term" panose="02000509030000000004" pitchFamily="49" charset="0"/>
-                          <a:ea typeface="Iosevka Term" panose="02000509030000000004" pitchFamily="49" charset="0"/>
-                          <a:cs typeface="Iosevka Term" panose="02000509030000000004" pitchFamily="49" charset="0"/>
-                        </a:rPr>
-                        <a:t>) == </a:t>
-                      </a:r>
-                      <a:r>
-                        <a:rPr lang="en-US" sz="1200" dirty="0" err="1">
-                          <a:solidFill>
-                            <a:srgbClr val="FABD2F"/>
-                          </a:solidFill>
-                          <a:latin typeface="Iosevka Term" panose="02000509030000000004" pitchFamily="49" charset="0"/>
-                          <a:ea typeface="Iosevka Term" panose="02000509030000000004" pitchFamily="49" charset="0"/>
-                          <a:cs typeface="Iosevka Term" panose="02000509030000000004" pitchFamily="49" charset="0"/>
-                        </a:rPr>
-                        <a:t>Quality</a:t>
-                      </a:r>
-                      <a:r>
-                        <a:rPr lang="en-US" sz="1200" dirty="0" err="1">
-                          <a:solidFill>
-                            <a:srgbClr val="FE8019"/>
-                          </a:solidFill>
-                          <a:latin typeface="Iosevka Term" panose="02000509030000000004" pitchFamily="49" charset="0"/>
-                          <a:ea typeface="Iosevka Term" panose="02000509030000000004" pitchFamily="49" charset="0"/>
-                          <a:cs typeface="Iosevka Term" panose="02000509030000000004" pitchFamily="49" charset="0"/>
-                        </a:rPr>
-                        <a:t>.</a:t>
-                      </a:r>
-                      <a:r>
-                        <a:rPr lang="en-US" sz="1200" dirty="0" err="1">
-                          <a:solidFill>
-                            <a:srgbClr val="D3869B"/>
-                          </a:solidFill>
-                          <a:latin typeface="Iosevka Term" panose="02000509030000000004" pitchFamily="49" charset="0"/>
-                          <a:ea typeface="Iosevka Term" panose="02000509030000000004" pitchFamily="49" charset="0"/>
-                          <a:cs typeface="Iosevka Term" panose="02000509030000000004" pitchFamily="49" charset="0"/>
-                        </a:rPr>
-                        <a:t>Bad</a:t>
-                      </a:r>
-                      <a:r>
-                        <a:rPr lang="en-US" sz="1200" dirty="0">
-                          <a:solidFill>
-                            <a:srgbClr val="FE8019"/>
-                          </a:solidFill>
-                          <a:latin typeface="Iosevka Term" panose="02000509030000000004" pitchFamily="49" charset="0"/>
-                          <a:ea typeface="Iosevka Term" panose="02000509030000000004" pitchFamily="49" charset="0"/>
-                          <a:cs typeface="Iosevka Term" panose="02000509030000000004" pitchFamily="49" charset="0"/>
-                        </a:rPr>
-                        <a:t>) { </a:t>
-                      </a:r>
-                      <a:r>
-                        <a:rPr lang="en-US" sz="1200" dirty="0">
-                          <a:solidFill>
-                            <a:srgbClr val="83A598"/>
-                          </a:solidFill>
-                          <a:latin typeface="Iosevka Term" panose="02000509030000000004" pitchFamily="49" charset="0"/>
-                          <a:ea typeface="Iosevka Term" panose="02000509030000000004" pitchFamily="49" charset="0"/>
-                          <a:cs typeface="Iosevka Term" panose="02000509030000000004" pitchFamily="49" charset="0"/>
-                        </a:rPr>
-                        <a:t>bad</a:t>
-                      </a:r>
-                      <a:r>
-                        <a:rPr lang="en-US" sz="1200" dirty="0">
-                          <a:solidFill>
-                            <a:srgbClr val="FE8019"/>
-                          </a:solidFill>
-                          <a:latin typeface="Iosevka Term" panose="02000509030000000004" pitchFamily="49" charset="0"/>
-                          <a:ea typeface="Iosevka Term" panose="02000509030000000004" pitchFamily="49" charset="0"/>
-                          <a:cs typeface="Iosevka Term" panose="02000509030000000004" pitchFamily="49" charset="0"/>
-                        </a:rPr>
-                        <a:t> = </a:t>
-                      </a:r>
-                      <a:r>
-                        <a:rPr lang="en-US" sz="1200" dirty="0">
-                          <a:solidFill>
-                            <a:srgbClr val="D3869B"/>
-                          </a:solidFill>
-                          <a:latin typeface="Iosevka Term" panose="02000509030000000004" pitchFamily="49" charset="0"/>
-                          <a:ea typeface="Iosevka Term" panose="02000509030000000004" pitchFamily="49" charset="0"/>
-                          <a:cs typeface="Iosevka Term" panose="02000509030000000004" pitchFamily="49" charset="0"/>
-                        </a:rPr>
-                        <a:t>true</a:t>
-                      </a:r>
-                      <a:r>
-                        <a:rPr lang="en-US" sz="1200" dirty="0">
-                          <a:solidFill>
-                            <a:srgbClr val="FE8019"/>
-                          </a:solidFill>
-                          <a:latin typeface="Iosevka Term" panose="02000509030000000004" pitchFamily="49" charset="0"/>
-                          <a:ea typeface="Iosevka Term" panose="02000509030000000004" pitchFamily="49" charset="0"/>
-                          <a:cs typeface="Iosevka Term" panose="02000509030000000004" pitchFamily="49" charset="0"/>
-                        </a:rPr>
-                        <a:t>; }</a:t>
-                      </a:r>
-                    </a:p>
-                    <a:p>
-                      <a:r>
-                        <a:rPr lang="en-US" sz="1200" dirty="0">
-                          <a:solidFill>
-                            <a:srgbClr val="FE8019"/>
-                          </a:solidFill>
-                          <a:latin typeface="Iosevka Term" panose="02000509030000000004" pitchFamily="49" charset="0"/>
-                          <a:ea typeface="Iosevka Term" panose="02000509030000000004" pitchFamily="49" charset="0"/>
-                          <a:cs typeface="Iosevka Term" panose="02000509030000000004" pitchFamily="49" charset="0"/>
-                        </a:rPr>
-                        <a:t>  }</a:t>
-                      </a:r>
-                    </a:p>
-                    <a:p>
-                      <a:endParaRPr lang="en-US" sz="1200" dirty="0">
-                        <a:solidFill>
-                          <a:srgbClr val="FE8019"/>
-                        </a:solidFill>
-                        <a:latin typeface="Iosevka Term" panose="02000509030000000004" pitchFamily="49" charset="0"/>
-                        <a:ea typeface="Iosevka Term" panose="02000509030000000004" pitchFamily="49" charset="0"/>
-                        <a:cs typeface="Iosevka Term" panose="02000509030000000004" pitchFamily="49" charset="0"/>
-                      </a:endParaRPr>
-                    </a:p>
-                    <a:p>
-                      <a:r>
-                        <a:rPr lang="en-US" sz="1200" dirty="0">
-                          <a:solidFill>
-                            <a:srgbClr val="FE8019"/>
-                          </a:solidFill>
-                          <a:latin typeface="Iosevka Term" panose="02000509030000000004" pitchFamily="49" charset="0"/>
-                          <a:ea typeface="Iosevka Term" panose="02000509030000000004" pitchFamily="49" charset="0"/>
-                          <a:cs typeface="Iosevka Term" panose="02000509030000000004" pitchFamily="49" charset="0"/>
-                        </a:rPr>
-                        <a:t>  </a:t>
-                      </a:r>
-                      <a:r>
-                        <a:rPr lang="en-US" sz="1200" dirty="0">
-                          <a:solidFill>
-                            <a:srgbClr val="FABD2F"/>
-                          </a:solidFill>
-                          <a:latin typeface="Iosevka Term" panose="02000509030000000004" pitchFamily="49" charset="0"/>
-                          <a:ea typeface="Iosevka Term" panose="02000509030000000004" pitchFamily="49" charset="0"/>
-                          <a:cs typeface="Iosevka Term" panose="02000509030000000004" pitchFamily="49" charset="0"/>
-                        </a:rPr>
-                        <a:t>private</a:t>
-                      </a:r>
-                      <a:r>
-                        <a:rPr lang="en-US" sz="1200" dirty="0">
-                          <a:solidFill>
-                            <a:srgbClr val="FE8019"/>
-                          </a:solidFill>
-                          <a:latin typeface="Iosevka Term" panose="02000509030000000004" pitchFamily="49" charset="0"/>
-                          <a:ea typeface="Iosevka Term" panose="02000509030000000004" pitchFamily="49" charset="0"/>
-                          <a:cs typeface="Iosevka Term" panose="02000509030000000004" pitchFamily="49" charset="0"/>
-                        </a:rPr>
-                        <a:t> </a:t>
-                      </a:r>
-                      <a:r>
-                        <a:rPr lang="en-US" sz="1200" dirty="0">
-                          <a:solidFill>
-                            <a:srgbClr val="FABD2F"/>
-                          </a:solidFill>
-                          <a:latin typeface="Iosevka Term" panose="02000509030000000004" pitchFamily="49" charset="0"/>
-                          <a:ea typeface="Iosevka Term" panose="02000509030000000004" pitchFamily="49" charset="0"/>
-                          <a:cs typeface="Iosevka Term" panose="02000509030000000004" pitchFamily="49" charset="0"/>
-                        </a:rPr>
-                        <a:t>Quality</a:t>
-                      </a:r>
-                      <a:r>
-                        <a:rPr lang="en-US" sz="1200" dirty="0">
-                          <a:solidFill>
-                            <a:srgbClr val="FE8019"/>
-                          </a:solidFill>
-                          <a:latin typeface="Iosevka Term" panose="02000509030000000004" pitchFamily="49" charset="0"/>
-                          <a:ea typeface="Iosevka Term" panose="02000509030000000004" pitchFamily="49" charset="0"/>
-                          <a:cs typeface="Iosevka Term" panose="02000509030000000004" pitchFamily="49" charset="0"/>
-                        </a:rPr>
-                        <a:t> </a:t>
-                      </a:r>
-                      <a:r>
-                        <a:rPr lang="en-US" sz="1200" dirty="0" err="1">
-                          <a:solidFill>
-                            <a:srgbClr val="B8BB26"/>
-                          </a:solidFill>
-                          <a:latin typeface="Iosevka Term" panose="02000509030000000004" pitchFamily="49" charset="0"/>
-                          <a:ea typeface="Iosevka Term" panose="02000509030000000004" pitchFamily="49" charset="0"/>
-                          <a:cs typeface="Iosevka Term" panose="02000509030000000004" pitchFamily="49" charset="0"/>
-                        </a:rPr>
-                        <a:t>pressed_on_time</a:t>
-                      </a:r>
-                      <a:r>
-                        <a:rPr lang="en-US" sz="1200" dirty="0">
-                          <a:solidFill>
-                            <a:srgbClr val="FE8019"/>
-                          </a:solidFill>
-                          <a:latin typeface="Iosevka Term" panose="02000509030000000004" pitchFamily="49" charset="0"/>
-                          <a:ea typeface="Iosevka Term" panose="02000509030000000004" pitchFamily="49" charset="0"/>
-                          <a:cs typeface="Iosevka Term" panose="02000509030000000004" pitchFamily="49" charset="0"/>
-                        </a:rPr>
-                        <a:t>(</a:t>
-                      </a:r>
-                      <a:r>
-                        <a:rPr lang="en-US" sz="1200" dirty="0" err="1">
-                          <a:solidFill>
-                            <a:srgbClr val="FABD2F"/>
-                          </a:solidFill>
-                          <a:latin typeface="Iosevka Term" panose="02000509030000000004" pitchFamily="49" charset="0"/>
-                          <a:ea typeface="Iosevka Term" panose="02000509030000000004" pitchFamily="49" charset="0"/>
-                          <a:cs typeface="Iosevka Term" panose="02000509030000000004" pitchFamily="49" charset="0"/>
-                        </a:rPr>
-                        <a:t>KeyCode</a:t>
-                      </a:r>
-                      <a:r>
-                        <a:rPr lang="en-US" sz="1200" dirty="0">
-                          <a:solidFill>
-                            <a:srgbClr val="FE8019"/>
-                          </a:solidFill>
-                          <a:latin typeface="Iosevka Term" panose="02000509030000000004" pitchFamily="49" charset="0"/>
-                          <a:ea typeface="Iosevka Term" panose="02000509030000000004" pitchFamily="49" charset="0"/>
-                          <a:cs typeface="Iosevka Term" panose="02000509030000000004" pitchFamily="49" charset="0"/>
-                        </a:rPr>
-                        <a:t> </a:t>
-                      </a:r>
-                      <a:r>
-                        <a:rPr lang="en-US" sz="1200" dirty="0">
-                          <a:solidFill>
-                            <a:srgbClr val="83A598"/>
-                          </a:solidFill>
-                          <a:latin typeface="Iosevka Term" panose="02000509030000000004" pitchFamily="49" charset="0"/>
-                          <a:ea typeface="Iosevka Term" panose="02000509030000000004" pitchFamily="49" charset="0"/>
-                          <a:cs typeface="Iosevka Term" panose="02000509030000000004" pitchFamily="49" charset="0"/>
-                        </a:rPr>
-                        <a:t>key</a:t>
-                      </a:r>
-                      <a:r>
-                        <a:rPr lang="en-US" sz="1200" dirty="0">
-                          <a:solidFill>
-                            <a:srgbClr val="FE8019"/>
-                          </a:solidFill>
-                          <a:latin typeface="Iosevka Term" panose="02000509030000000004" pitchFamily="49" charset="0"/>
-                          <a:ea typeface="Iosevka Term" panose="02000509030000000004" pitchFamily="49" charset="0"/>
-                          <a:cs typeface="Iosevka Term" panose="02000509030000000004" pitchFamily="49" charset="0"/>
-                        </a:rPr>
-                        <a:t>) {</a:t>
-                      </a:r>
-                    </a:p>
-                    <a:p>
-                      <a:r>
-                        <a:rPr lang="en-US" sz="1200" dirty="0">
-                          <a:solidFill>
-                            <a:srgbClr val="FE8019"/>
-                          </a:solidFill>
-                          <a:latin typeface="Iosevka Term" panose="02000509030000000004" pitchFamily="49" charset="0"/>
-                          <a:ea typeface="Iosevka Term" panose="02000509030000000004" pitchFamily="49" charset="0"/>
-                          <a:cs typeface="Iosevka Term" panose="02000509030000000004" pitchFamily="49" charset="0"/>
-                        </a:rPr>
-                        <a:t>    </a:t>
-                      </a:r>
-                      <a:r>
-                        <a:rPr lang="en-US" sz="1200" dirty="0">
-                          <a:solidFill>
-                            <a:srgbClr val="FB4934"/>
-                          </a:solidFill>
-                          <a:latin typeface="Iosevka Term" panose="02000509030000000004" pitchFamily="49" charset="0"/>
-                          <a:ea typeface="Iosevka Term" panose="02000509030000000004" pitchFamily="49" charset="0"/>
-                          <a:cs typeface="Iosevka Term" panose="02000509030000000004" pitchFamily="49" charset="0"/>
-                        </a:rPr>
-                        <a:t>if</a:t>
-                      </a:r>
-                      <a:r>
-                        <a:rPr lang="en-US" sz="1200" dirty="0">
-                          <a:solidFill>
-                            <a:srgbClr val="FE8019"/>
-                          </a:solidFill>
-                          <a:latin typeface="Iosevka Term" panose="02000509030000000004" pitchFamily="49" charset="0"/>
-                          <a:ea typeface="Iosevka Term" panose="02000509030000000004" pitchFamily="49" charset="0"/>
-                          <a:cs typeface="Iosevka Term" panose="02000509030000000004" pitchFamily="49" charset="0"/>
-                        </a:rPr>
-                        <a:t> (</a:t>
-                      </a:r>
-                      <a:r>
-                        <a:rPr lang="en-US" sz="1200" dirty="0" err="1">
-                          <a:solidFill>
-                            <a:srgbClr val="FE8019"/>
-                          </a:solidFill>
-                          <a:latin typeface="Iosevka Term" panose="02000509030000000004" pitchFamily="49" charset="0"/>
-                          <a:ea typeface="Iosevka Term" panose="02000509030000000004" pitchFamily="49" charset="0"/>
-                          <a:cs typeface="Iosevka Term" panose="02000509030000000004" pitchFamily="49" charset="0"/>
-                        </a:rPr>
-                        <a:t>Input.</a:t>
-                      </a:r>
-                      <a:r>
-                        <a:rPr lang="en-US" sz="1200" dirty="0" err="1">
-                          <a:solidFill>
-                            <a:srgbClr val="B8BB26"/>
-                          </a:solidFill>
-                          <a:latin typeface="Iosevka Term" panose="02000509030000000004" pitchFamily="49" charset="0"/>
-                          <a:ea typeface="Iosevka Term" panose="02000509030000000004" pitchFamily="49" charset="0"/>
-                          <a:cs typeface="Iosevka Term" panose="02000509030000000004" pitchFamily="49" charset="0"/>
-                        </a:rPr>
-                        <a:t>GetKeyDown</a:t>
-                      </a:r>
-                      <a:r>
-                        <a:rPr lang="en-US" sz="1200" dirty="0">
-                          <a:solidFill>
-                            <a:srgbClr val="FE8019"/>
-                          </a:solidFill>
-                          <a:latin typeface="Iosevka Term" panose="02000509030000000004" pitchFamily="49" charset="0"/>
-                          <a:ea typeface="Iosevka Term" panose="02000509030000000004" pitchFamily="49" charset="0"/>
-                          <a:cs typeface="Iosevka Term" panose="02000509030000000004" pitchFamily="49" charset="0"/>
-                        </a:rPr>
-                        <a:t>(</a:t>
-                      </a:r>
-                      <a:r>
-                        <a:rPr lang="en-US" sz="1200" dirty="0">
-                          <a:solidFill>
-                            <a:srgbClr val="83A598"/>
-                          </a:solidFill>
-                          <a:latin typeface="Iosevka Term" panose="02000509030000000004" pitchFamily="49" charset="0"/>
-                          <a:ea typeface="Iosevka Term" panose="02000509030000000004" pitchFamily="49" charset="0"/>
-                          <a:cs typeface="Iosevka Term" panose="02000509030000000004" pitchFamily="49" charset="0"/>
-                        </a:rPr>
-                        <a:t>key</a:t>
-                      </a:r>
-                      <a:r>
-                        <a:rPr lang="en-US" sz="1200" dirty="0">
-                          <a:solidFill>
-                            <a:srgbClr val="FE8019"/>
-                          </a:solidFill>
-                          <a:latin typeface="Iosevka Term" panose="02000509030000000004" pitchFamily="49" charset="0"/>
-                          <a:ea typeface="Iosevka Term" panose="02000509030000000004" pitchFamily="49" charset="0"/>
-                          <a:cs typeface="Iosevka Term" panose="02000509030000000004" pitchFamily="49" charset="0"/>
-                        </a:rPr>
-                        <a:t>) &amp;&amp; </a:t>
-                      </a:r>
-                      <a:r>
-                        <a:rPr lang="en-US" sz="1200" dirty="0" err="1">
-                          <a:solidFill>
-                            <a:srgbClr val="83A598"/>
-                          </a:solidFill>
-                          <a:latin typeface="Iosevka Term" panose="02000509030000000004" pitchFamily="49" charset="0"/>
-                          <a:ea typeface="Iosevka Term" panose="02000509030000000004" pitchFamily="49" charset="0"/>
-                          <a:cs typeface="Iosevka Term" panose="02000509030000000004" pitchFamily="49" charset="0"/>
-                        </a:rPr>
-                        <a:t>can_be_pressed</a:t>
-                      </a:r>
-                      <a:r>
-                        <a:rPr lang="en-US" sz="1200" dirty="0">
-                          <a:solidFill>
-                            <a:srgbClr val="FE8019"/>
-                          </a:solidFill>
-                          <a:latin typeface="Iosevka Term" panose="02000509030000000004" pitchFamily="49" charset="0"/>
-                          <a:ea typeface="Iosevka Term" panose="02000509030000000004" pitchFamily="49" charset="0"/>
-                          <a:cs typeface="Iosevka Term" panose="02000509030000000004" pitchFamily="49" charset="0"/>
-                        </a:rPr>
-                        <a:t>) { </a:t>
-                      </a:r>
-                      <a:r>
-                        <a:rPr lang="en-US" sz="1200" dirty="0">
-                          <a:solidFill>
-                            <a:srgbClr val="FB4934"/>
-                          </a:solidFill>
-                          <a:latin typeface="Iosevka Term" panose="02000509030000000004" pitchFamily="49" charset="0"/>
-                          <a:ea typeface="Iosevka Term" panose="02000509030000000004" pitchFamily="49" charset="0"/>
-                          <a:cs typeface="Iosevka Term" panose="02000509030000000004" pitchFamily="49" charset="0"/>
-                        </a:rPr>
-                        <a:t>return</a:t>
-                      </a:r>
-                      <a:r>
-                        <a:rPr lang="en-US" sz="1200" dirty="0">
-                          <a:solidFill>
-                            <a:srgbClr val="FE8019"/>
-                          </a:solidFill>
-                          <a:latin typeface="Iosevka Term" panose="02000509030000000004" pitchFamily="49" charset="0"/>
-                          <a:ea typeface="Iosevka Term" panose="02000509030000000004" pitchFamily="49" charset="0"/>
-                          <a:cs typeface="Iosevka Term" panose="02000509030000000004" pitchFamily="49" charset="0"/>
-                        </a:rPr>
-                        <a:t> </a:t>
-                      </a:r>
-                      <a:r>
-                        <a:rPr lang="en-US" sz="1200" dirty="0" err="1">
-                          <a:solidFill>
-                            <a:srgbClr val="FABD2F"/>
-                          </a:solidFill>
-                          <a:latin typeface="Iosevka Term" panose="02000509030000000004" pitchFamily="49" charset="0"/>
-                          <a:ea typeface="Iosevka Term" panose="02000509030000000004" pitchFamily="49" charset="0"/>
-                          <a:cs typeface="Iosevka Term" panose="02000509030000000004" pitchFamily="49" charset="0"/>
-                        </a:rPr>
-                        <a:t>Quality</a:t>
-                      </a:r>
-                      <a:r>
-                        <a:rPr lang="en-US" sz="1200" dirty="0" err="1">
-                          <a:solidFill>
-                            <a:srgbClr val="FE8019"/>
-                          </a:solidFill>
-                          <a:latin typeface="Iosevka Term" panose="02000509030000000004" pitchFamily="49" charset="0"/>
-                          <a:ea typeface="Iosevka Term" panose="02000509030000000004" pitchFamily="49" charset="0"/>
-                          <a:cs typeface="Iosevka Term" panose="02000509030000000004" pitchFamily="49" charset="0"/>
-                        </a:rPr>
-                        <a:t>.</a:t>
-                      </a:r>
-                      <a:r>
-                        <a:rPr lang="en-US" sz="1200" dirty="0" err="1">
-                          <a:solidFill>
-                            <a:srgbClr val="D3869B"/>
-                          </a:solidFill>
-                          <a:latin typeface="Iosevka Term" panose="02000509030000000004" pitchFamily="49" charset="0"/>
-                          <a:ea typeface="Iosevka Term" panose="02000509030000000004" pitchFamily="49" charset="0"/>
-                          <a:cs typeface="Iosevka Term" panose="02000509030000000004" pitchFamily="49" charset="0"/>
-                        </a:rPr>
-                        <a:t>Perfect</a:t>
-                      </a:r>
-                      <a:r>
-                        <a:rPr lang="en-US" sz="1200" dirty="0">
-                          <a:solidFill>
-                            <a:srgbClr val="FE8019"/>
-                          </a:solidFill>
-                          <a:latin typeface="Iosevka Term" panose="02000509030000000004" pitchFamily="49" charset="0"/>
-                          <a:ea typeface="Iosevka Term" panose="02000509030000000004" pitchFamily="49" charset="0"/>
-                          <a:cs typeface="Iosevka Term" panose="02000509030000000004" pitchFamily="49" charset="0"/>
-                        </a:rPr>
-                        <a:t>; }</a:t>
-                      </a:r>
-                    </a:p>
-                    <a:p>
-                      <a:r>
-                        <a:rPr lang="en-US" sz="1200" dirty="0">
-                          <a:solidFill>
-                            <a:srgbClr val="FE8019"/>
-                          </a:solidFill>
-                          <a:latin typeface="Iosevka Term" panose="02000509030000000004" pitchFamily="49" charset="0"/>
-                          <a:ea typeface="Iosevka Term" panose="02000509030000000004" pitchFamily="49" charset="0"/>
-                          <a:cs typeface="Iosevka Term" panose="02000509030000000004" pitchFamily="49" charset="0"/>
-                        </a:rPr>
-                        <a:t>    if (</a:t>
-                      </a:r>
-                      <a:r>
-                        <a:rPr lang="en-US" sz="1200" dirty="0" err="1">
-                          <a:solidFill>
-                            <a:srgbClr val="FE8019"/>
-                          </a:solidFill>
-                          <a:latin typeface="Iosevka Term" panose="02000509030000000004" pitchFamily="49" charset="0"/>
-                          <a:ea typeface="Iosevka Term" panose="02000509030000000004" pitchFamily="49" charset="0"/>
-                          <a:cs typeface="Iosevka Term" panose="02000509030000000004" pitchFamily="49" charset="0"/>
-                        </a:rPr>
-                        <a:t>Input.</a:t>
-                      </a:r>
-                      <a:r>
-                        <a:rPr lang="en-US" sz="1200" dirty="0" err="1">
-                          <a:solidFill>
-                            <a:srgbClr val="B8BB26"/>
-                          </a:solidFill>
-                          <a:latin typeface="Iosevka Term" panose="02000509030000000004" pitchFamily="49" charset="0"/>
-                          <a:ea typeface="Iosevka Term" panose="02000509030000000004" pitchFamily="49" charset="0"/>
-                          <a:cs typeface="Iosevka Term" panose="02000509030000000004" pitchFamily="49" charset="0"/>
-                        </a:rPr>
-                        <a:t>GetKeyDown</a:t>
-                      </a:r>
-                      <a:r>
-                        <a:rPr lang="en-US" sz="1200" dirty="0">
-                          <a:solidFill>
-                            <a:srgbClr val="FE8019"/>
-                          </a:solidFill>
-                          <a:latin typeface="Iosevka Term" panose="02000509030000000004" pitchFamily="49" charset="0"/>
-                          <a:ea typeface="Iosevka Term" panose="02000509030000000004" pitchFamily="49" charset="0"/>
-                          <a:cs typeface="Iosevka Term" panose="02000509030000000004" pitchFamily="49" charset="0"/>
-                        </a:rPr>
-                        <a:t>(</a:t>
-                      </a:r>
-                      <a:r>
-                        <a:rPr lang="en-US" sz="1200" dirty="0">
-                          <a:solidFill>
-                            <a:srgbClr val="83A598"/>
-                          </a:solidFill>
-                          <a:latin typeface="Iosevka Term" panose="02000509030000000004" pitchFamily="49" charset="0"/>
-                          <a:ea typeface="Iosevka Term" panose="02000509030000000004" pitchFamily="49" charset="0"/>
-                          <a:cs typeface="Iosevka Term" panose="02000509030000000004" pitchFamily="49" charset="0"/>
-                        </a:rPr>
-                        <a:t>key</a:t>
-                      </a:r>
-                      <a:r>
-                        <a:rPr lang="en-US" sz="1200" dirty="0">
-                          <a:solidFill>
-                            <a:srgbClr val="FE8019"/>
-                          </a:solidFill>
-                          <a:latin typeface="Iosevka Term" panose="02000509030000000004" pitchFamily="49" charset="0"/>
-                          <a:ea typeface="Iosevka Term" panose="02000509030000000004" pitchFamily="49" charset="0"/>
-                          <a:cs typeface="Iosevka Term" panose="02000509030000000004" pitchFamily="49" charset="0"/>
-                        </a:rPr>
-                        <a:t>) &amp;&amp; !</a:t>
-                      </a:r>
-                      <a:r>
-                        <a:rPr lang="en-US" sz="1200" dirty="0" err="1">
-                          <a:solidFill>
-                            <a:srgbClr val="83A598"/>
-                          </a:solidFill>
-                          <a:latin typeface="Iosevka Term" panose="02000509030000000004" pitchFamily="49" charset="0"/>
-                          <a:ea typeface="Iosevka Term" panose="02000509030000000004" pitchFamily="49" charset="0"/>
-                          <a:cs typeface="Iosevka Term" panose="02000509030000000004" pitchFamily="49" charset="0"/>
-                        </a:rPr>
-                        <a:t>can_be_pressed</a:t>
-                      </a:r>
-                      <a:r>
-                        <a:rPr lang="en-US" sz="1200" dirty="0">
-                          <a:solidFill>
-                            <a:srgbClr val="FE8019"/>
-                          </a:solidFill>
-                          <a:latin typeface="Iosevka Term" panose="02000509030000000004" pitchFamily="49" charset="0"/>
-                          <a:ea typeface="Iosevka Term" panose="02000509030000000004" pitchFamily="49" charset="0"/>
-                          <a:cs typeface="Iosevka Term" panose="02000509030000000004" pitchFamily="49" charset="0"/>
-                        </a:rPr>
-                        <a:t>) { </a:t>
-                      </a:r>
-                      <a:r>
-                        <a:rPr lang="en-US" sz="1200" dirty="0">
-                          <a:solidFill>
-                            <a:srgbClr val="FB4934"/>
-                          </a:solidFill>
-                          <a:latin typeface="Iosevka Term" panose="02000509030000000004" pitchFamily="49" charset="0"/>
-                          <a:ea typeface="Iosevka Term" panose="02000509030000000004" pitchFamily="49" charset="0"/>
-                          <a:cs typeface="Iosevka Term" panose="02000509030000000004" pitchFamily="49" charset="0"/>
-                        </a:rPr>
-                        <a:t>return</a:t>
-                      </a:r>
-                      <a:r>
-                        <a:rPr lang="en-US" sz="1200" dirty="0">
-                          <a:solidFill>
-                            <a:srgbClr val="FE8019"/>
-                          </a:solidFill>
-                          <a:latin typeface="Iosevka Term" panose="02000509030000000004" pitchFamily="49" charset="0"/>
-                          <a:ea typeface="Iosevka Term" panose="02000509030000000004" pitchFamily="49" charset="0"/>
-                          <a:cs typeface="Iosevka Term" panose="02000509030000000004" pitchFamily="49" charset="0"/>
-                        </a:rPr>
-                        <a:t> </a:t>
-                      </a:r>
-                      <a:r>
-                        <a:rPr lang="en-US" sz="1200" dirty="0" err="1">
-                          <a:solidFill>
-                            <a:srgbClr val="FABD2F"/>
-                          </a:solidFill>
-                          <a:latin typeface="Iosevka Term" panose="02000509030000000004" pitchFamily="49" charset="0"/>
-                          <a:ea typeface="Iosevka Term" panose="02000509030000000004" pitchFamily="49" charset="0"/>
-                          <a:cs typeface="Iosevka Term" panose="02000509030000000004" pitchFamily="49" charset="0"/>
-                        </a:rPr>
-                        <a:t>Quality</a:t>
-                      </a:r>
-                      <a:r>
-                        <a:rPr lang="en-US" sz="1200" dirty="0" err="1">
-                          <a:solidFill>
-                            <a:srgbClr val="FE8019"/>
-                          </a:solidFill>
-                          <a:latin typeface="Iosevka Term" panose="02000509030000000004" pitchFamily="49" charset="0"/>
-                          <a:ea typeface="Iosevka Term" panose="02000509030000000004" pitchFamily="49" charset="0"/>
-                          <a:cs typeface="Iosevka Term" panose="02000509030000000004" pitchFamily="49" charset="0"/>
-                        </a:rPr>
-                        <a:t>.</a:t>
-                      </a:r>
-                      <a:r>
-                        <a:rPr lang="en-US" sz="1200" dirty="0" err="1">
-                          <a:solidFill>
-                            <a:srgbClr val="D3869B"/>
-                          </a:solidFill>
-                          <a:latin typeface="Iosevka Term" panose="02000509030000000004" pitchFamily="49" charset="0"/>
-                          <a:ea typeface="Iosevka Term" panose="02000509030000000004" pitchFamily="49" charset="0"/>
-                          <a:cs typeface="Iosevka Term" panose="02000509030000000004" pitchFamily="49" charset="0"/>
-                        </a:rPr>
-                        <a:t>Good</a:t>
-                      </a:r>
-                      <a:r>
-                        <a:rPr lang="en-US" sz="1200" dirty="0">
-                          <a:solidFill>
-                            <a:srgbClr val="FE8019"/>
-                          </a:solidFill>
-                          <a:latin typeface="Iosevka Term" panose="02000509030000000004" pitchFamily="49" charset="0"/>
-                          <a:ea typeface="Iosevka Term" panose="02000509030000000004" pitchFamily="49" charset="0"/>
-                          <a:cs typeface="Iosevka Term" panose="02000509030000000004" pitchFamily="49" charset="0"/>
-                        </a:rPr>
-                        <a:t>; }</a:t>
-                      </a:r>
-                    </a:p>
-                    <a:p>
-                      <a:r>
-                        <a:rPr lang="en-US" sz="1200" dirty="0">
-                          <a:solidFill>
-                            <a:srgbClr val="FE8019"/>
-                          </a:solidFill>
-                          <a:latin typeface="Iosevka Term" panose="02000509030000000004" pitchFamily="49" charset="0"/>
-                          <a:ea typeface="Iosevka Term" panose="02000509030000000004" pitchFamily="49" charset="0"/>
-                          <a:cs typeface="Iosevka Term" panose="02000509030000000004" pitchFamily="49" charset="0"/>
-                        </a:rPr>
-                        <a:t>    </a:t>
-                      </a:r>
-                      <a:r>
-                        <a:rPr lang="en-US" sz="1200" dirty="0">
-                          <a:solidFill>
-                            <a:srgbClr val="FB4934"/>
-                          </a:solidFill>
-                          <a:latin typeface="Iosevka Term" panose="02000509030000000004" pitchFamily="49" charset="0"/>
-                          <a:ea typeface="Iosevka Term" panose="02000509030000000004" pitchFamily="49" charset="0"/>
-                          <a:cs typeface="Iosevka Term" panose="02000509030000000004" pitchFamily="49" charset="0"/>
-                        </a:rPr>
-                        <a:t>else</a:t>
-                      </a:r>
-                      <a:r>
-                        <a:rPr lang="en-US" sz="1200" dirty="0">
-                          <a:solidFill>
-                            <a:srgbClr val="FE8019"/>
-                          </a:solidFill>
-                          <a:latin typeface="Iosevka Term" panose="02000509030000000004" pitchFamily="49" charset="0"/>
-                          <a:ea typeface="Iosevka Term" panose="02000509030000000004" pitchFamily="49" charset="0"/>
-                          <a:cs typeface="Iosevka Term" panose="02000509030000000004" pitchFamily="49" charset="0"/>
-                        </a:rPr>
-                        <a:t> { </a:t>
-                      </a:r>
-                      <a:r>
-                        <a:rPr lang="en-US" sz="1200" dirty="0">
-                          <a:solidFill>
-                            <a:srgbClr val="FB4934"/>
-                          </a:solidFill>
-                          <a:latin typeface="Iosevka Term" panose="02000509030000000004" pitchFamily="49" charset="0"/>
-                          <a:ea typeface="Iosevka Term" panose="02000509030000000004" pitchFamily="49" charset="0"/>
-                          <a:cs typeface="Iosevka Term" panose="02000509030000000004" pitchFamily="49" charset="0"/>
-                        </a:rPr>
-                        <a:t>return</a:t>
-                      </a:r>
-                      <a:r>
-                        <a:rPr lang="en-US" sz="1200" dirty="0">
-                          <a:solidFill>
-                            <a:srgbClr val="FE8019"/>
-                          </a:solidFill>
-                          <a:latin typeface="Iosevka Term" panose="02000509030000000004" pitchFamily="49" charset="0"/>
-                          <a:ea typeface="Iosevka Term" panose="02000509030000000004" pitchFamily="49" charset="0"/>
-                          <a:cs typeface="Iosevka Term" panose="02000509030000000004" pitchFamily="49" charset="0"/>
-                        </a:rPr>
-                        <a:t> </a:t>
-                      </a:r>
-                      <a:r>
-                        <a:rPr lang="en-US" sz="1200" dirty="0" err="1">
-                          <a:solidFill>
-                            <a:srgbClr val="FABD2F"/>
-                          </a:solidFill>
-                          <a:latin typeface="Iosevka Term" panose="02000509030000000004" pitchFamily="49" charset="0"/>
-                          <a:ea typeface="Iosevka Term" panose="02000509030000000004" pitchFamily="49" charset="0"/>
-                          <a:cs typeface="Iosevka Term" panose="02000509030000000004" pitchFamily="49" charset="0"/>
-                        </a:rPr>
-                        <a:t>Quality</a:t>
-                      </a:r>
-                      <a:r>
-                        <a:rPr lang="en-US" sz="1200" dirty="0" err="1">
-                          <a:solidFill>
-                            <a:srgbClr val="FE8019"/>
-                          </a:solidFill>
-                          <a:latin typeface="Iosevka Term" panose="02000509030000000004" pitchFamily="49" charset="0"/>
-                          <a:ea typeface="Iosevka Term" panose="02000509030000000004" pitchFamily="49" charset="0"/>
-                          <a:cs typeface="Iosevka Term" panose="02000509030000000004" pitchFamily="49" charset="0"/>
-                        </a:rPr>
-                        <a:t>.</a:t>
-                      </a:r>
-                      <a:r>
-                        <a:rPr lang="en-US" sz="1200" dirty="0" err="1">
-                          <a:solidFill>
-                            <a:srgbClr val="D3869B"/>
-                          </a:solidFill>
-                          <a:latin typeface="Iosevka Term" panose="02000509030000000004" pitchFamily="49" charset="0"/>
-                          <a:ea typeface="Iosevka Term" panose="02000509030000000004" pitchFamily="49" charset="0"/>
-                          <a:cs typeface="Iosevka Term" panose="02000509030000000004" pitchFamily="49" charset="0"/>
-                        </a:rPr>
-                        <a:t>Bad</a:t>
-                      </a:r>
-                      <a:r>
-                        <a:rPr lang="en-US" sz="1200" dirty="0">
-                          <a:solidFill>
-                            <a:srgbClr val="FE8019"/>
-                          </a:solidFill>
-                          <a:latin typeface="Iosevka Term" panose="02000509030000000004" pitchFamily="49" charset="0"/>
-                          <a:ea typeface="Iosevka Term" panose="02000509030000000004" pitchFamily="49" charset="0"/>
-                          <a:cs typeface="Iosevka Term" panose="02000509030000000004" pitchFamily="49" charset="0"/>
-                        </a:rPr>
-                        <a:t>; }</a:t>
-                      </a:r>
-                    </a:p>
-                    <a:p>
-                      <a:r>
-                        <a:rPr lang="en-US" sz="1200" dirty="0">
-                          <a:solidFill>
-                            <a:srgbClr val="FE8019"/>
-                          </a:solidFill>
-                          <a:latin typeface="Iosevka Term" panose="02000509030000000004" pitchFamily="49" charset="0"/>
-                          <a:ea typeface="Iosevka Term" panose="02000509030000000004" pitchFamily="49" charset="0"/>
-                          <a:cs typeface="Iosevka Term" panose="02000509030000000004" pitchFamily="49" charset="0"/>
-                        </a:rPr>
-                        <a:t>  }</a:t>
-                      </a:r>
-                    </a:p>
-                    <a:p>
-                      <a:endParaRPr lang="en-US" sz="1200" dirty="0">
-                        <a:solidFill>
-                          <a:srgbClr val="FE8019"/>
-                        </a:solidFill>
-                        <a:latin typeface="Iosevka Term" panose="02000509030000000004" pitchFamily="49" charset="0"/>
-                        <a:ea typeface="Iosevka Term" panose="02000509030000000004" pitchFamily="49" charset="0"/>
-                        <a:cs typeface="Iosevka Term" panose="02000509030000000004" pitchFamily="49" charset="0"/>
-                      </a:endParaRPr>
-                    </a:p>
-                    <a:p>
-                      <a:r>
-                        <a:rPr lang="en-US" sz="1200" dirty="0">
-                          <a:solidFill>
-                            <a:srgbClr val="FE8019"/>
-                          </a:solidFill>
-                          <a:latin typeface="Iosevka Term" panose="02000509030000000004" pitchFamily="49" charset="0"/>
-                          <a:ea typeface="Iosevka Term" panose="02000509030000000004" pitchFamily="49" charset="0"/>
-                          <a:cs typeface="Iosevka Term" panose="02000509030000000004" pitchFamily="49" charset="0"/>
-                        </a:rPr>
-                        <a:t>  </a:t>
-                      </a:r>
-                      <a:r>
-                        <a:rPr lang="en-US" sz="1200" dirty="0">
-                          <a:solidFill>
-                            <a:srgbClr val="FABD2F"/>
-                          </a:solidFill>
-                          <a:latin typeface="Iosevka Term" panose="02000509030000000004" pitchFamily="49" charset="0"/>
-                          <a:ea typeface="Iosevka Term" panose="02000509030000000004" pitchFamily="49" charset="0"/>
-                          <a:cs typeface="Iosevka Term" panose="02000509030000000004" pitchFamily="49" charset="0"/>
-                        </a:rPr>
-                        <a:t>private</a:t>
-                      </a:r>
-                      <a:r>
-                        <a:rPr lang="en-US" sz="1200" dirty="0">
-                          <a:solidFill>
-                            <a:srgbClr val="FE8019"/>
-                          </a:solidFill>
-                          <a:latin typeface="Iosevka Term" panose="02000509030000000004" pitchFamily="49" charset="0"/>
-                          <a:ea typeface="Iosevka Term" panose="02000509030000000004" pitchFamily="49" charset="0"/>
-                          <a:cs typeface="Iosevka Term" panose="02000509030000000004" pitchFamily="49" charset="0"/>
-                        </a:rPr>
-                        <a:t> </a:t>
-                      </a:r>
-                      <a:r>
-                        <a:rPr lang="en-US" sz="1200" dirty="0">
-                          <a:solidFill>
-                            <a:srgbClr val="FABD2F"/>
-                          </a:solidFill>
-                          <a:latin typeface="Iosevka Term" panose="02000509030000000004" pitchFamily="49" charset="0"/>
-                          <a:ea typeface="Iosevka Term" panose="02000509030000000004" pitchFamily="49" charset="0"/>
-                          <a:cs typeface="Iosevka Term" panose="02000509030000000004" pitchFamily="49" charset="0"/>
-                        </a:rPr>
-                        <a:t>void</a:t>
-                      </a:r>
-                      <a:r>
-                        <a:rPr lang="en-US" sz="1200" dirty="0">
-                          <a:solidFill>
-                            <a:srgbClr val="FE8019"/>
-                          </a:solidFill>
-                          <a:latin typeface="Iosevka Term" panose="02000509030000000004" pitchFamily="49" charset="0"/>
-                          <a:ea typeface="Iosevka Term" panose="02000509030000000004" pitchFamily="49" charset="0"/>
-                          <a:cs typeface="Iosevka Term" panose="02000509030000000004" pitchFamily="49" charset="0"/>
-                        </a:rPr>
-                        <a:t> </a:t>
-                      </a:r>
-                      <a:r>
-                        <a:rPr lang="en-US" sz="1200" dirty="0">
-                          <a:solidFill>
-                            <a:srgbClr val="B8BB26"/>
-                          </a:solidFill>
-                          <a:latin typeface="Iosevka Term" panose="02000509030000000004" pitchFamily="49" charset="0"/>
-                          <a:ea typeface="Iosevka Term" panose="02000509030000000004" pitchFamily="49" charset="0"/>
-                          <a:cs typeface="Iosevka Term" panose="02000509030000000004" pitchFamily="49" charset="0"/>
-                        </a:rPr>
-                        <a:t>OnTriggerEnter2D</a:t>
-                      </a:r>
-                      <a:r>
-                        <a:rPr lang="en-US" sz="1200" dirty="0">
-                          <a:solidFill>
-                            <a:srgbClr val="FE8019"/>
-                          </a:solidFill>
-                          <a:latin typeface="Iosevka Term" panose="02000509030000000004" pitchFamily="49" charset="0"/>
-                          <a:ea typeface="Iosevka Term" panose="02000509030000000004" pitchFamily="49" charset="0"/>
-                          <a:cs typeface="Iosevka Term" panose="02000509030000000004" pitchFamily="49" charset="0"/>
-                        </a:rPr>
-                        <a:t>(Collider2D </a:t>
-                      </a:r>
-                      <a:r>
-                        <a:rPr lang="en-US" sz="1200" dirty="0">
-                          <a:solidFill>
-                            <a:srgbClr val="83A598"/>
-                          </a:solidFill>
-                          <a:latin typeface="Iosevka Term" panose="02000509030000000004" pitchFamily="49" charset="0"/>
-                          <a:ea typeface="Iosevka Term" panose="02000509030000000004" pitchFamily="49" charset="0"/>
-                          <a:cs typeface="Iosevka Term" panose="02000509030000000004" pitchFamily="49" charset="0"/>
-                        </a:rPr>
-                        <a:t>other</a:t>
-                      </a:r>
-                      <a:r>
-                        <a:rPr lang="en-US" sz="1200" dirty="0">
-                          <a:solidFill>
-                            <a:srgbClr val="FE8019"/>
-                          </a:solidFill>
-                          <a:latin typeface="Iosevka Term" panose="02000509030000000004" pitchFamily="49" charset="0"/>
-                          <a:ea typeface="Iosevka Term" panose="02000509030000000004" pitchFamily="49" charset="0"/>
-                          <a:cs typeface="Iosevka Term" panose="02000509030000000004" pitchFamily="49" charset="0"/>
-                        </a:rPr>
-                        <a:t>) {</a:t>
-                      </a:r>
-                    </a:p>
-                    <a:p>
-                      <a:r>
-                        <a:rPr lang="en-US" sz="1200" dirty="0">
-                          <a:solidFill>
-                            <a:srgbClr val="FE8019"/>
-                          </a:solidFill>
-                          <a:latin typeface="Iosevka Term" panose="02000509030000000004" pitchFamily="49" charset="0"/>
-                          <a:ea typeface="Iosevka Term" panose="02000509030000000004" pitchFamily="49" charset="0"/>
-                          <a:cs typeface="Iosevka Term" panose="02000509030000000004" pitchFamily="49" charset="0"/>
-                        </a:rPr>
-                        <a:t>    </a:t>
-                      </a:r>
-                      <a:r>
-                        <a:rPr lang="en-US" sz="1200" dirty="0">
-                          <a:solidFill>
-                            <a:srgbClr val="FB4934"/>
-                          </a:solidFill>
-                          <a:latin typeface="Iosevka Term" panose="02000509030000000004" pitchFamily="49" charset="0"/>
-                          <a:ea typeface="Iosevka Term" panose="02000509030000000004" pitchFamily="49" charset="0"/>
-                          <a:cs typeface="Iosevka Term" panose="02000509030000000004" pitchFamily="49" charset="0"/>
-                        </a:rPr>
-                        <a:t>if</a:t>
-                      </a:r>
-                      <a:r>
-                        <a:rPr lang="en-US" sz="1200" dirty="0">
-                          <a:solidFill>
-                            <a:srgbClr val="FE8019"/>
-                          </a:solidFill>
-                          <a:latin typeface="Iosevka Term" panose="02000509030000000004" pitchFamily="49" charset="0"/>
-                          <a:ea typeface="Iosevka Term" panose="02000509030000000004" pitchFamily="49" charset="0"/>
-                          <a:cs typeface="Iosevka Term" panose="02000509030000000004" pitchFamily="49" charset="0"/>
-                        </a:rPr>
-                        <a:t> (</a:t>
-                      </a:r>
-                      <a:r>
-                        <a:rPr lang="en-US" sz="1200" dirty="0" err="1">
-                          <a:solidFill>
-                            <a:srgbClr val="83A598"/>
-                          </a:solidFill>
-                          <a:latin typeface="Iosevka Term" panose="02000509030000000004" pitchFamily="49" charset="0"/>
-                          <a:ea typeface="Iosevka Term" panose="02000509030000000004" pitchFamily="49" charset="0"/>
-                          <a:cs typeface="Iosevka Term" panose="02000509030000000004" pitchFamily="49" charset="0"/>
-                        </a:rPr>
-                        <a:t>other</a:t>
-                      </a:r>
-                      <a:r>
-                        <a:rPr lang="en-US" sz="1200" dirty="0" err="1">
-                          <a:solidFill>
-                            <a:srgbClr val="FE8019"/>
-                          </a:solidFill>
-                          <a:latin typeface="Iosevka Term" panose="02000509030000000004" pitchFamily="49" charset="0"/>
-                          <a:ea typeface="Iosevka Term" panose="02000509030000000004" pitchFamily="49" charset="0"/>
-                          <a:cs typeface="Iosevka Term" panose="02000509030000000004" pitchFamily="49" charset="0"/>
-                        </a:rPr>
-                        <a:t>.</a:t>
-                      </a:r>
-                      <a:r>
-                        <a:rPr lang="en-US" sz="1200" dirty="0" err="1">
-                          <a:solidFill>
-                            <a:srgbClr val="83A598"/>
-                          </a:solidFill>
-                          <a:latin typeface="Iosevka Term" panose="02000509030000000004" pitchFamily="49" charset="0"/>
-                          <a:ea typeface="Iosevka Term" panose="02000509030000000004" pitchFamily="49" charset="0"/>
-                          <a:cs typeface="Iosevka Term" panose="02000509030000000004" pitchFamily="49" charset="0"/>
-                        </a:rPr>
-                        <a:t>tag</a:t>
-                      </a:r>
-                      <a:r>
-                        <a:rPr lang="en-US" sz="1200" dirty="0">
-                          <a:solidFill>
-                            <a:srgbClr val="FE8019"/>
-                          </a:solidFill>
-                          <a:latin typeface="Iosevka Term" panose="02000509030000000004" pitchFamily="49" charset="0"/>
-                          <a:ea typeface="Iosevka Term" panose="02000509030000000004" pitchFamily="49" charset="0"/>
-                          <a:cs typeface="Iosevka Term" panose="02000509030000000004" pitchFamily="49" charset="0"/>
-                        </a:rPr>
-                        <a:t> == </a:t>
-                      </a:r>
-                      <a:r>
-                        <a:rPr lang="en-US" sz="1200" dirty="0">
-                          <a:solidFill>
-                            <a:srgbClr val="B8BB26"/>
-                          </a:solidFill>
-                          <a:latin typeface="Iosevka Term" panose="02000509030000000004" pitchFamily="49" charset="0"/>
-                          <a:ea typeface="Iosevka Term" panose="02000509030000000004" pitchFamily="49" charset="0"/>
-                          <a:cs typeface="Iosevka Term" panose="02000509030000000004" pitchFamily="49" charset="0"/>
-                        </a:rPr>
-                        <a:t>"beat"</a:t>
-                      </a:r>
-                      <a:r>
-                        <a:rPr lang="en-US" sz="1200" dirty="0">
-                          <a:solidFill>
-                            <a:srgbClr val="FE8019"/>
-                          </a:solidFill>
-                          <a:latin typeface="Iosevka Term" panose="02000509030000000004" pitchFamily="49" charset="0"/>
-                          <a:ea typeface="Iosevka Term" panose="02000509030000000004" pitchFamily="49" charset="0"/>
-                          <a:cs typeface="Iosevka Term" panose="02000509030000000004" pitchFamily="49" charset="0"/>
-                        </a:rPr>
-                        <a:t>) { </a:t>
-                      </a:r>
-                      <a:r>
-                        <a:rPr lang="en-US" sz="1200" dirty="0" err="1">
-                          <a:solidFill>
-                            <a:srgbClr val="83A598"/>
-                          </a:solidFill>
-                          <a:latin typeface="Iosevka Term" panose="02000509030000000004" pitchFamily="49" charset="0"/>
-                          <a:ea typeface="Iosevka Term" panose="02000509030000000004" pitchFamily="49" charset="0"/>
-                          <a:cs typeface="Iosevka Term" panose="02000509030000000004" pitchFamily="49" charset="0"/>
-                        </a:rPr>
-                        <a:t>can_be_pressed</a:t>
-                      </a:r>
-                      <a:r>
-                        <a:rPr lang="en-US" sz="1200" dirty="0">
-                          <a:solidFill>
-                            <a:srgbClr val="FE8019"/>
-                          </a:solidFill>
-                          <a:latin typeface="Iosevka Term" panose="02000509030000000004" pitchFamily="49" charset="0"/>
-                          <a:ea typeface="Iosevka Term" panose="02000509030000000004" pitchFamily="49" charset="0"/>
-                          <a:cs typeface="Iosevka Term" panose="02000509030000000004" pitchFamily="49" charset="0"/>
-                        </a:rPr>
-                        <a:t> = </a:t>
-                      </a:r>
-                      <a:r>
-                        <a:rPr lang="en-US" sz="1200" dirty="0">
-                          <a:solidFill>
-                            <a:srgbClr val="D3869B"/>
-                          </a:solidFill>
-                          <a:latin typeface="Iosevka Term" panose="02000509030000000004" pitchFamily="49" charset="0"/>
-                          <a:ea typeface="Iosevka Term" panose="02000509030000000004" pitchFamily="49" charset="0"/>
-                          <a:cs typeface="Iosevka Term" panose="02000509030000000004" pitchFamily="49" charset="0"/>
-                        </a:rPr>
-                        <a:t>true</a:t>
-                      </a:r>
-                      <a:r>
-                        <a:rPr lang="en-US" sz="1200" dirty="0">
-                          <a:solidFill>
-                            <a:srgbClr val="FE8019"/>
-                          </a:solidFill>
-                          <a:latin typeface="Iosevka Term" panose="02000509030000000004" pitchFamily="49" charset="0"/>
-                          <a:ea typeface="Iosevka Term" panose="02000509030000000004" pitchFamily="49" charset="0"/>
-                          <a:cs typeface="Iosevka Term" panose="02000509030000000004" pitchFamily="49" charset="0"/>
-                        </a:rPr>
-                        <a:t>; }</a:t>
-                      </a:r>
-                    </a:p>
-                    <a:p>
-                      <a:r>
-                        <a:rPr lang="en-US" sz="1200" dirty="0">
-                          <a:solidFill>
-                            <a:srgbClr val="FE8019"/>
-                          </a:solidFill>
-                          <a:latin typeface="Iosevka Term" panose="02000509030000000004" pitchFamily="49" charset="0"/>
-                          <a:ea typeface="Iosevka Term" panose="02000509030000000004" pitchFamily="49" charset="0"/>
-                          <a:cs typeface="Iosevka Term" panose="02000509030000000004" pitchFamily="49" charset="0"/>
-                        </a:rPr>
-                        <a:t>  }</a:t>
-                      </a:r>
-                    </a:p>
-                    <a:p>
-                      <a:endParaRPr lang="en-US" sz="1200" dirty="0">
-                        <a:solidFill>
-                          <a:srgbClr val="FE8019"/>
-                        </a:solidFill>
-                        <a:latin typeface="Iosevka Term" panose="02000509030000000004" pitchFamily="49" charset="0"/>
-                        <a:ea typeface="Iosevka Term" panose="02000509030000000004" pitchFamily="49" charset="0"/>
-                        <a:cs typeface="Iosevka Term" panose="02000509030000000004" pitchFamily="49" charset="0"/>
-                      </a:endParaRPr>
-                    </a:p>
-                    <a:p>
-                      <a:r>
-                        <a:rPr lang="en-US" sz="1200" dirty="0">
-                          <a:solidFill>
-                            <a:srgbClr val="FE8019"/>
-                          </a:solidFill>
-                          <a:latin typeface="Iosevka Term" panose="02000509030000000004" pitchFamily="49" charset="0"/>
-                          <a:ea typeface="Iosevka Term" panose="02000509030000000004" pitchFamily="49" charset="0"/>
-                          <a:cs typeface="Iosevka Term" panose="02000509030000000004" pitchFamily="49" charset="0"/>
-                        </a:rPr>
-                        <a:t>  </a:t>
-                      </a:r>
-                      <a:r>
-                        <a:rPr lang="en-US" sz="1200" dirty="0">
-                          <a:solidFill>
-                            <a:srgbClr val="FABD2F"/>
-                          </a:solidFill>
-                          <a:latin typeface="Iosevka Term" panose="02000509030000000004" pitchFamily="49" charset="0"/>
-                          <a:ea typeface="Iosevka Term" panose="02000509030000000004" pitchFamily="49" charset="0"/>
-                          <a:cs typeface="Iosevka Term" panose="02000509030000000004" pitchFamily="49" charset="0"/>
-                        </a:rPr>
-                        <a:t>private void</a:t>
-                      </a:r>
-                      <a:r>
-                        <a:rPr lang="en-US" sz="1200" dirty="0">
-                          <a:solidFill>
-                            <a:srgbClr val="FE8019"/>
-                          </a:solidFill>
-                          <a:latin typeface="Iosevka Term" panose="02000509030000000004" pitchFamily="49" charset="0"/>
-                          <a:ea typeface="Iosevka Term" panose="02000509030000000004" pitchFamily="49" charset="0"/>
-                          <a:cs typeface="Iosevka Term" panose="02000509030000000004" pitchFamily="49" charset="0"/>
-                        </a:rPr>
-                        <a:t> </a:t>
-                      </a:r>
-                      <a:r>
-                        <a:rPr lang="en-US" sz="1200" dirty="0">
-                          <a:solidFill>
-                            <a:srgbClr val="B8BB26"/>
-                          </a:solidFill>
-                          <a:latin typeface="Iosevka Term" panose="02000509030000000004" pitchFamily="49" charset="0"/>
-                          <a:ea typeface="Iosevka Term" panose="02000509030000000004" pitchFamily="49" charset="0"/>
-                          <a:cs typeface="Iosevka Term" panose="02000509030000000004" pitchFamily="49" charset="0"/>
-                        </a:rPr>
-                        <a:t>OnTriggerExit2D</a:t>
-                      </a:r>
-                      <a:r>
-                        <a:rPr lang="en-US" sz="1200" dirty="0">
-                          <a:solidFill>
-                            <a:srgbClr val="FE8019"/>
-                          </a:solidFill>
-                          <a:latin typeface="Iosevka Term" panose="02000509030000000004" pitchFamily="49" charset="0"/>
-                          <a:ea typeface="Iosevka Term" panose="02000509030000000004" pitchFamily="49" charset="0"/>
-                          <a:cs typeface="Iosevka Term" panose="02000509030000000004" pitchFamily="49" charset="0"/>
-                        </a:rPr>
-                        <a:t>(Collider2D </a:t>
-                      </a:r>
-                      <a:r>
-                        <a:rPr lang="en-US" sz="1200" dirty="0">
-                          <a:solidFill>
-                            <a:srgbClr val="83A598"/>
-                          </a:solidFill>
-                          <a:latin typeface="Iosevka Term" panose="02000509030000000004" pitchFamily="49" charset="0"/>
-                          <a:ea typeface="Iosevka Term" panose="02000509030000000004" pitchFamily="49" charset="0"/>
-                          <a:cs typeface="Iosevka Term" panose="02000509030000000004" pitchFamily="49" charset="0"/>
-                        </a:rPr>
-                        <a:t>other</a:t>
-                      </a:r>
-                      <a:r>
-                        <a:rPr lang="en-US" sz="1200" dirty="0">
-                          <a:solidFill>
-                            <a:srgbClr val="FE8019"/>
-                          </a:solidFill>
-                          <a:latin typeface="Iosevka Term" panose="02000509030000000004" pitchFamily="49" charset="0"/>
-                          <a:ea typeface="Iosevka Term" panose="02000509030000000004" pitchFamily="49" charset="0"/>
-                          <a:cs typeface="Iosevka Term" panose="02000509030000000004" pitchFamily="49" charset="0"/>
-                        </a:rPr>
-                        <a:t>) {</a:t>
-                      </a:r>
-                    </a:p>
-                    <a:p>
-                      <a:r>
-                        <a:rPr lang="en-US" sz="1200" dirty="0">
-                          <a:solidFill>
-                            <a:srgbClr val="FE8019"/>
-                          </a:solidFill>
-                          <a:latin typeface="Iosevka Term" panose="02000509030000000004" pitchFamily="49" charset="0"/>
-                          <a:ea typeface="Iosevka Term" panose="02000509030000000004" pitchFamily="49" charset="0"/>
-                          <a:cs typeface="Iosevka Term" panose="02000509030000000004" pitchFamily="49" charset="0"/>
-                        </a:rPr>
-                        <a:t>    </a:t>
-                      </a:r>
-                      <a:r>
-                        <a:rPr lang="en-US" sz="1200" dirty="0">
-                          <a:solidFill>
-                            <a:srgbClr val="FB4934"/>
-                          </a:solidFill>
-                          <a:latin typeface="Iosevka Term" panose="02000509030000000004" pitchFamily="49" charset="0"/>
-                          <a:ea typeface="Iosevka Term" panose="02000509030000000004" pitchFamily="49" charset="0"/>
-                          <a:cs typeface="Iosevka Term" panose="02000509030000000004" pitchFamily="49" charset="0"/>
-                        </a:rPr>
-                        <a:t>if</a:t>
-                      </a:r>
-                      <a:r>
-                        <a:rPr lang="en-US" sz="1200" dirty="0">
-                          <a:solidFill>
-                            <a:srgbClr val="FE8019"/>
-                          </a:solidFill>
-                          <a:latin typeface="Iosevka Term" panose="02000509030000000004" pitchFamily="49" charset="0"/>
-                          <a:ea typeface="Iosevka Term" panose="02000509030000000004" pitchFamily="49" charset="0"/>
-                          <a:cs typeface="Iosevka Term" panose="02000509030000000004" pitchFamily="49" charset="0"/>
-                        </a:rPr>
-                        <a:t> (</a:t>
-                      </a:r>
-                      <a:r>
-                        <a:rPr lang="en-US" sz="1200" dirty="0" err="1">
-                          <a:solidFill>
-                            <a:srgbClr val="83A598"/>
-                          </a:solidFill>
-                          <a:latin typeface="Iosevka Term" panose="02000509030000000004" pitchFamily="49" charset="0"/>
-                          <a:ea typeface="Iosevka Term" panose="02000509030000000004" pitchFamily="49" charset="0"/>
-                          <a:cs typeface="Iosevka Term" panose="02000509030000000004" pitchFamily="49" charset="0"/>
-                        </a:rPr>
-                        <a:t>other</a:t>
-                      </a:r>
-                      <a:r>
-                        <a:rPr lang="en-US" sz="1200" dirty="0" err="1">
-                          <a:solidFill>
-                            <a:srgbClr val="FE8019"/>
-                          </a:solidFill>
-                          <a:latin typeface="Iosevka Term" panose="02000509030000000004" pitchFamily="49" charset="0"/>
-                          <a:ea typeface="Iosevka Term" panose="02000509030000000004" pitchFamily="49" charset="0"/>
-                          <a:cs typeface="Iosevka Term" panose="02000509030000000004" pitchFamily="49" charset="0"/>
-                        </a:rPr>
-                        <a:t>.</a:t>
-                      </a:r>
-                      <a:r>
-                        <a:rPr lang="en-US" sz="1200" dirty="0" err="1">
-                          <a:solidFill>
-                            <a:srgbClr val="83A598"/>
-                          </a:solidFill>
-                          <a:latin typeface="Iosevka Term" panose="02000509030000000004" pitchFamily="49" charset="0"/>
-                          <a:ea typeface="Iosevka Term" panose="02000509030000000004" pitchFamily="49" charset="0"/>
-                          <a:cs typeface="Iosevka Term" panose="02000509030000000004" pitchFamily="49" charset="0"/>
-                        </a:rPr>
-                        <a:t>tag</a:t>
-                      </a:r>
-                      <a:r>
-                        <a:rPr lang="en-US" sz="1200" dirty="0">
-                          <a:solidFill>
-                            <a:srgbClr val="FE8019"/>
-                          </a:solidFill>
-                          <a:latin typeface="Iosevka Term" panose="02000509030000000004" pitchFamily="49" charset="0"/>
-                          <a:ea typeface="Iosevka Term" panose="02000509030000000004" pitchFamily="49" charset="0"/>
-                          <a:cs typeface="Iosevka Term" panose="02000509030000000004" pitchFamily="49" charset="0"/>
-                        </a:rPr>
-                        <a:t> == </a:t>
-                      </a:r>
-                      <a:r>
-                        <a:rPr lang="en-US" sz="1200" dirty="0">
-                          <a:solidFill>
-                            <a:srgbClr val="B8BB26"/>
-                          </a:solidFill>
-                          <a:latin typeface="Iosevka Term" panose="02000509030000000004" pitchFamily="49" charset="0"/>
-                          <a:ea typeface="Iosevka Term" panose="02000509030000000004" pitchFamily="49" charset="0"/>
-                          <a:cs typeface="Iosevka Term" panose="02000509030000000004" pitchFamily="49" charset="0"/>
-                        </a:rPr>
-                        <a:t>"beat"</a:t>
-                      </a:r>
-                      <a:r>
-                        <a:rPr lang="en-US" sz="1200" dirty="0">
-                          <a:solidFill>
-                            <a:srgbClr val="FE8019"/>
-                          </a:solidFill>
-                          <a:latin typeface="Iosevka Term" panose="02000509030000000004" pitchFamily="49" charset="0"/>
-                          <a:ea typeface="Iosevka Term" panose="02000509030000000004" pitchFamily="49" charset="0"/>
-                          <a:cs typeface="Iosevka Term" panose="02000509030000000004" pitchFamily="49" charset="0"/>
-                        </a:rPr>
-                        <a:t>) { </a:t>
-                      </a:r>
-                      <a:r>
-                        <a:rPr lang="en-US" sz="1200" dirty="0" err="1">
-                          <a:solidFill>
-                            <a:srgbClr val="83A598"/>
-                          </a:solidFill>
-                          <a:latin typeface="Iosevka Term" panose="02000509030000000004" pitchFamily="49" charset="0"/>
-                          <a:ea typeface="Iosevka Term" panose="02000509030000000004" pitchFamily="49" charset="0"/>
-                          <a:cs typeface="Iosevka Term" panose="02000509030000000004" pitchFamily="49" charset="0"/>
-                        </a:rPr>
-                        <a:t>can_be_pressed</a:t>
-                      </a:r>
-                      <a:r>
-                        <a:rPr lang="en-US" sz="1200" dirty="0">
-                          <a:solidFill>
-                            <a:srgbClr val="FE8019"/>
-                          </a:solidFill>
-                          <a:latin typeface="Iosevka Term" panose="02000509030000000004" pitchFamily="49" charset="0"/>
-                          <a:ea typeface="Iosevka Term" panose="02000509030000000004" pitchFamily="49" charset="0"/>
-                          <a:cs typeface="Iosevka Term" panose="02000509030000000004" pitchFamily="49" charset="0"/>
-                        </a:rPr>
-                        <a:t> = </a:t>
-                      </a:r>
-                      <a:r>
-                        <a:rPr lang="en-US" sz="1200" dirty="0">
-                          <a:solidFill>
-                            <a:srgbClr val="D3869B"/>
-                          </a:solidFill>
-                          <a:latin typeface="Iosevka Term" panose="02000509030000000004" pitchFamily="49" charset="0"/>
-                          <a:ea typeface="Iosevka Term" panose="02000509030000000004" pitchFamily="49" charset="0"/>
-                          <a:cs typeface="Iosevka Term" panose="02000509030000000004" pitchFamily="49" charset="0"/>
-                        </a:rPr>
-                        <a:t>false</a:t>
-                      </a:r>
-                      <a:r>
-                        <a:rPr lang="en-US" sz="1200" dirty="0">
-                          <a:solidFill>
-                            <a:srgbClr val="FE8019"/>
-                          </a:solidFill>
-                          <a:latin typeface="Iosevka Term" panose="02000509030000000004" pitchFamily="49" charset="0"/>
-                          <a:ea typeface="Iosevka Term" panose="02000509030000000004" pitchFamily="49" charset="0"/>
-                          <a:cs typeface="Iosevka Term" panose="02000509030000000004" pitchFamily="49" charset="0"/>
-                        </a:rPr>
-                        <a:t>; }</a:t>
-                      </a:r>
-                    </a:p>
-                    <a:p>
-                      <a:r>
-                        <a:rPr lang="en-US" sz="1200" dirty="0">
-                          <a:solidFill>
-                            <a:srgbClr val="FE8019"/>
-                          </a:solidFill>
-                          <a:latin typeface="Iosevka Term" panose="02000509030000000004" pitchFamily="49" charset="0"/>
-                          <a:ea typeface="Iosevka Term" panose="02000509030000000004" pitchFamily="49" charset="0"/>
-                          <a:cs typeface="Iosevka Term" panose="02000509030000000004" pitchFamily="49" charset="0"/>
-                        </a:rPr>
-                        <a:t>  }</a:t>
-                      </a:r>
+                        <a:t>loops</a:t>
+                      </a:r>
+                      <a:r>
+                        <a:rPr lang="en-US" sz="1200" dirty="0">
+                          <a:solidFill>
+                            <a:srgbClr val="FE8019"/>
+                          </a:solidFill>
+                          <a:latin typeface="Iosevka Term" panose="02000509030000000004" pitchFamily="49" charset="0"/>
+                          <a:ea typeface="Iosevka Term" panose="02000509030000000004" pitchFamily="49" charset="0"/>
+                          <a:cs typeface="Iosevka Term" panose="02000509030000000004" pitchFamily="49" charset="0"/>
+                        </a:rPr>
+                        <a:t>;</a:t>
+                      </a:r>
+                    </a:p>
+                    <a:p>
                       <a:endParaRPr lang="en-US" sz="1200" dirty="0">
                         <a:solidFill>
                           <a:srgbClr val="EBDBB2"/>
@@ -10739,6 +9678,779 @@
                         <a:ea typeface="Iosevka Term" panose="02000509030000000004" pitchFamily="49" charset="0"/>
                         <a:cs typeface="Iosevka Term" panose="02000509030000000004" pitchFamily="49" charset="0"/>
                       </a:endParaRPr>
+                    </a:p>
+                    <a:p>
+                      <a:r>
+                        <a:rPr lang="en-US" sz="1200" dirty="0">
+                          <a:solidFill>
+                            <a:srgbClr val="EBDBB2"/>
+                          </a:solidFill>
+                          <a:latin typeface="Iosevka Term" panose="02000509030000000004" pitchFamily="49" charset="0"/>
+                          <a:ea typeface="Iosevka Term" panose="02000509030000000004" pitchFamily="49" charset="0"/>
+                          <a:cs typeface="Iosevka Term" panose="02000509030000000004" pitchFamily="49" charset="0"/>
+                        </a:rPr>
+                        <a:t> </a:t>
+                      </a:r>
+                      <a:r>
+                        <a:rPr lang="en-US" sz="1200" dirty="0" err="1">
+                          <a:solidFill>
+                            <a:srgbClr val="FB4934"/>
+                          </a:solidFill>
+                          <a:latin typeface="Iosevka Term" panose="02000509030000000004" pitchFamily="49" charset="0"/>
+                          <a:ea typeface="Iosevka Term" panose="02000509030000000004" pitchFamily="49" charset="0"/>
+                          <a:cs typeface="Iosevka Term" panose="02000509030000000004" pitchFamily="49" charset="0"/>
+                        </a:rPr>
+                        <a:t>enum</a:t>
+                      </a:r>
+                      <a:r>
+                        <a:rPr lang="en-US" sz="1200" dirty="0">
+                          <a:solidFill>
+                            <a:srgbClr val="EBDBB2"/>
+                          </a:solidFill>
+                          <a:latin typeface="Iosevka Term" panose="02000509030000000004" pitchFamily="49" charset="0"/>
+                          <a:ea typeface="Iosevka Term" panose="02000509030000000004" pitchFamily="49" charset="0"/>
+                          <a:cs typeface="Iosevka Term" panose="02000509030000000004" pitchFamily="49" charset="0"/>
+                        </a:rPr>
+                        <a:t> </a:t>
+                      </a:r>
+                      <a:r>
+                        <a:rPr lang="en-US" sz="1200" dirty="0">
+                          <a:solidFill>
+                            <a:srgbClr val="FABD2F"/>
+                          </a:solidFill>
+                          <a:latin typeface="Iosevka Term" panose="02000509030000000004" pitchFamily="49" charset="0"/>
+                          <a:ea typeface="Iosevka Term" panose="02000509030000000004" pitchFamily="49" charset="0"/>
+                          <a:cs typeface="Iosevka Term" panose="02000509030000000004" pitchFamily="49" charset="0"/>
+                        </a:rPr>
+                        <a:t>Loop</a:t>
+                      </a:r>
+                      <a:r>
+                        <a:rPr lang="en-US" sz="1200" dirty="0">
+                          <a:solidFill>
+                            <a:srgbClr val="EBDBB2"/>
+                          </a:solidFill>
+                          <a:latin typeface="Iosevka Term" panose="02000509030000000004" pitchFamily="49" charset="0"/>
+                          <a:ea typeface="Iosevka Term" panose="02000509030000000004" pitchFamily="49" charset="0"/>
+                          <a:cs typeface="Iosevka Term" panose="02000509030000000004" pitchFamily="49" charset="0"/>
+                        </a:rPr>
+                        <a:t> </a:t>
+                      </a:r>
+                      <a:r>
+                        <a:rPr lang="en-US" sz="1200" dirty="0">
+                          <a:solidFill>
+                            <a:srgbClr val="FE8019"/>
+                          </a:solidFill>
+                          <a:latin typeface="Iosevka Term" panose="02000509030000000004" pitchFamily="49" charset="0"/>
+                          <a:ea typeface="Iosevka Term" panose="02000509030000000004" pitchFamily="49" charset="0"/>
+                          <a:cs typeface="Iosevka Term" panose="02000509030000000004" pitchFamily="49" charset="0"/>
+                        </a:rPr>
+                        <a:t>{</a:t>
+                      </a:r>
+                    </a:p>
+                    <a:p>
+                      <a:r>
+                        <a:rPr lang="en-US" sz="1200" dirty="0">
+                          <a:solidFill>
+                            <a:srgbClr val="EBDBB2"/>
+                          </a:solidFill>
+                          <a:latin typeface="Iosevka Term" panose="02000509030000000004" pitchFamily="49" charset="0"/>
+                          <a:ea typeface="Iosevka Term" panose="02000509030000000004" pitchFamily="49" charset="0"/>
+                          <a:cs typeface="Iosevka Term" panose="02000509030000000004" pitchFamily="49" charset="0"/>
+                        </a:rPr>
+                        <a:t>    Begin01</a:t>
+                      </a:r>
+                      <a:r>
+                        <a:rPr lang="en-US" sz="1200" dirty="0">
+                          <a:solidFill>
+                            <a:srgbClr val="FE8019"/>
+                          </a:solidFill>
+                          <a:latin typeface="Iosevka Term" panose="02000509030000000004" pitchFamily="49" charset="0"/>
+                          <a:ea typeface="Iosevka Term" panose="02000509030000000004" pitchFamily="49" charset="0"/>
+                          <a:cs typeface="Iosevka Term" panose="02000509030000000004" pitchFamily="49" charset="0"/>
+                        </a:rPr>
+                        <a:t>,</a:t>
+                      </a:r>
+                    </a:p>
+                    <a:p>
+                      <a:r>
+                        <a:rPr lang="en-US" sz="1200" dirty="0">
+                          <a:solidFill>
+                            <a:srgbClr val="EBDBB2"/>
+                          </a:solidFill>
+                          <a:latin typeface="Iosevka Term" panose="02000509030000000004" pitchFamily="49" charset="0"/>
+                          <a:ea typeface="Iosevka Term" panose="02000509030000000004" pitchFamily="49" charset="0"/>
+                          <a:cs typeface="Iosevka Term" panose="02000509030000000004" pitchFamily="49" charset="0"/>
+                        </a:rPr>
+                        <a:t>    Begin02</a:t>
+                      </a:r>
+                      <a:r>
+                        <a:rPr lang="en-US" sz="1200" dirty="0">
+                          <a:solidFill>
+                            <a:srgbClr val="FE8019"/>
+                          </a:solidFill>
+                          <a:latin typeface="Iosevka Term" panose="02000509030000000004" pitchFamily="49" charset="0"/>
+                          <a:ea typeface="Iosevka Term" panose="02000509030000000004" pitchFamily="49" charset="0"/>
+                          <a:cs typeface="Iosevka Term" panose="02000509030000000004" pitchFamily="49" charset="0"/>
+                        </a:rPr>
+                        <a:t>,</a:t>
+                      </a:r>
+                    </a:p>
+                    <a:p>
+                      <a:r>
+                        <a:rPr lang="en-US" sz="1200" dirty="0">
+                          <a:solidFill>
+                            <a:srgbClr val="EBDBB2"/>
+                          </a:solidFill>
+                          <a:latin typeface="Iosevka Term" panose="02000509030000000004" pitchFamily="49" charset="0"/>
+                          <a:ea typeface="Iosevka Term" panose="02000509030000000004" pitchFamily="49" charset="0"/>
+                          <a:cs typeface="Iosevka Term" panose="02000509030000000004" pitchFamily="49" charset="0"/>
+                        </a:rPr>
+                        <a:t>    Combo01</a:t>
+                      </a:r>
+                      <a:r>
+                        <a:rPr lang="en-US" sz="1200" dirty="0">
+                          <a:solidFill>
+                            <a:srgbClr val="FE8019"/>
+                          </a:solidFill>
+                          <a:latin typeface="Iosevka Term" panose="02000509030000000004" pitchFamily="49" charset="0"/>
+                          <a:ea typeface="Iosevka Term" panose="02000509030000000004" pitchFamily="49" charset="0"/>
+                          <a:cs typeface="Iosevka Term" panose="02000509030000000004" pitchFamily="49" charset="0"/>
+                        </a:rPr>
+                        <a:t>,</a:t>
+                      </a:r>
+                    </a:p>
+                    <a:p>
+                      <a:r>
+                        <a:rPr lang="en-US" sz="1200" dirty="0">
+                          <a:solidFill>
+                            <a:srgbClr val="EBDBB2"/>
+                          </a:solidFill>
+                          <a:latin typeface="Iosevka Term" panose="02000509030000000004" pitchFamily="49" charset="0"/>
+                          <a:ea typeface="Iosevka Term" panose="02000509030000000004" pitchFamily="49" charset="0"/>
+                          <a:cs typeface="Iosevka Term" panose="02000509030000000004" pitchFamily="49" charset="0"/>
+                        </a:rPr>
+                        <a:t>    Combo02</a:t>
+                      </a:r>
+                      <a:r>
+                        <a:rPr lang="en-US" sz="1200" dirty="0">
+                          <a:solidFill>
+                            <a:srgbClr val="FE8019"/>
+                          </a:solidFill>
+                          <a:latin typeface="Iosevka Term" panose="02000509030000000004" pitchFamily="49" charset="0"/>
+                          <a:ea typeface="Iosevka Term" panose="02000509030000000004" pitchFamily="49" charset="0"/>
+                          <a:cs typeface="Iosevka Term" panose="02000509030000000004" pitchFamily="49" charset="0"/>
+                        </a:rPr>
+                        <a:t>,</a:t>
+                      </a:r>
+                    </a:p>
+                    <a:p>
+                      <a:r>
+                        <a:rPr lang="en-US" sz="1200" dirty="0">
+                          <a:solidFill>
+                            <a:srgbClr val="EBDBB2"/>
+                          </a:solidFill>
+                          <a:latin typeface="Iosevka Term" panose="02000509030000000004" pitchFamily="49" charset="0"/>
+                          <a:ea typeface="Iosevka Term" panose="02000509030000000004" pitchFamily="49" charset="0"/>
+                          <a:cs typeface="Iosevka Term" panose="02000509030000000004" pitchFamily="49" charset="0"/>
+                        </a:rPr>
+                        <a:t>    Combo03</a:t>
+                      </a:r>
+                      <a:r>
+                        <a:rPr lang="en-US" sz="1200" dirty="0">
+                          <a:solidFill>
+                            <a:srgbClr val="FE8019"/>
+                          </a:solidFill>
+                          <a:latin typeface="Iosevka Term" panose="02000509030000000004" pitchFamily="49" charset="0"/>
+                          <a:ea typeface="Iosevka Term" panose="02000509030000000004" pitchFamily="49" charset="0"/>
+                          <a:cs typeface="Iosevka Term" panose="02000509030000000004" pitchFamily="49" charset="0"/>
+                        </a:rPr>
+                        <a:t>,</a:t>
+                      </a:r>
+                    </a:p>
+                    <a:p>
+                      <a:r>
+                        <a:rPr lang="en-US" sz="1200" dirty="0">
+                          <a:solidFill>
+                            <a:srgbClr val="EBDBB2"/>
+                          </a:solidFill>
+                          <a:latin typeface="Iosevka Term" panose="02000509030000000004" pitchFamily="49" charset="0"/>
+                          <a:ea typeface="Iosevka Term" panose="02000509030000000004" pitchFamily="49" charset="0"/>
+                          <a:cs typeface="Iosevka Term" panose="02000509030000000004" pitchFamily="49" charset="0"/>
+                        </a:rPr>
+                        <a:t>    Fever01</a:t>
+                      </a:r>
+                      <a:r>
+                        <a:rPr lang="en-US" sz="1200" dirty="0">
+                          <a:solidFill>
+                            <a:srgbClr val="FE8019"/>
+                          </a:solidFill>
+                          <a:latin typeface="Iosevka Term" panose="02000509030000000004" pitchFamily="49" charset="0"/>
+                          <a:ea typeface="Iosevka Term" panose="02000509030000000004" pitchFamily="49" charset="0"/>
+                          <a:cs typeface="Iosevka Term" panose="02000509030000000004" pitchFamily="49" charset="0"/>
+                        </a:rPr>
+                        <a:t>,</a:t>
+                      </a:r>
+                    </a:p>
+                    <a:p>
+                      <a:r>
+                        <a:rPr lang="en-US" sz="1200" dirty="0">
+                          <a:solidFill>
+                            <a:srgbClr val="EBDBB2"/>
+                          </a:solidFill>
+                          <a:latin typeface="Iosevka Term" panose="02000509030000000004" pitchFamily="49" charset="0"/>
+                          <a:ea typeface="Iosevka Term" panose="02000509030000000004" pitchFamily="49" charset="0"/>
+                          <a:cs typeface="Iosevka Term" panose="02000509030000000004" pitchFamily="49" charset="0"/>
+                        </a:rPr>
+                        <a:t>    Fever02</a:t>
+                      </a:r>
+                    </a:p>
+                    <a:p>
+                      <a:r>
+                        <a:rPr lang="en-US" sz="1200" dirty="0">
+                          <a:solidFill>
+                            <a:srgbClr val="EBDBB2"/>
+                          </a:solidFill>
+                          <a:latin typeface="Iosevka Term" panose="02000509030000000004" pitchFamily="49" charset="0"/>
+                          <a:ea typeface="Iosevka Term" panose="02000509030000000004" pitchFamily="49" charset="0"/>
+                          <a:cs typeface="Iosevka Term" panose="02000509030000000004" pitchFamily="49" charset="0"/>
+                        </a:rPr>
+                        <a:t>  </a:t>
+                      </a:r>
+                      <a:r>
+                        <a:rPr lang="en-US" sz="1200" dirty="0">
+                          <a:solidFill>
+                            <a:srgbClr val="FE8019"/>
+                          </a:solidFill>
+                          <a:latin typeface="Iosevka Term" panose="02000509030000000004" pitchFamily="49" charset="0"/>
+                          <a:ea typeface="Iosevka Term" panose="02000509030000000004" pitchFamily="49" charset="0"/>
+                          <a:cs typeface="Iosevka Term" panose="02000509030000000004" pitchFamily="49" charset="0"/>
+                        </a:rPr>
+                        <a:t>}</a:t>
+                      </a:r>
+                    </a:p>
+                    <a:p>
+                      <a:endParaRPr lang="en-US" sz="1200" dirty="0">
+                        <a:solidFill>
+                          <a:srgbClr val="EBDBB2"/>
+                        </a:solidFill>
+                        <a:latin typeface="Iosevka Term" panose="02000509030000000004" pitchFamily="49" charset="0"/>
+                        <a:ea typeface="Iosevka Term" panose="02000509030000000004" pitchFamily="49" charset="0"/>
+                        <a:cs typeface="Iosevka Term" panose="02000509030000000004" pitchFamily="49" charset="0"/>
+                      </a:endParaRPr>
+                    </a:p>
+                    <a:p>
+                      <a:r>
+                        <a:rPr lang="en-US" sz="1200" dirty="0">
+                          <a:solidFill>
+                            <a:srgbClr val="EBDBB2"/>
+                          </a:solidFill>
+                          <a:latin typeface="Iosevka Term" panose="02000509030000000004" pitchFamily="49" charset="0"/>
+                          <a:ea typeface="Iosevka Term" panose="02000509030000000004" pitchFamily="49" charset="0"/>
+                          <a:cs typeface="Iosevka Term" panose="02000509030000000004" pitchFamily="49" charset="0"/>
+                        </a:rPr>
+                        <a:t> if </a:t>
+                      </a:r>
+                      <a:r>
+                        <a:rPr lang="en-US" sz="1200" dirty="0">
+                          <a:solidFill>
+                            <a:srgbClr val="FE8019"/>
+                          </a:solidFill>
+                          <a:latin typeface="Iosevka Term" panose="02000509030000000004" pitchFamily="49" charset="0"/>
+                          <a:ea typeface="Iosevka Term" panose="02000509030000000004" pitchFamily="49" charset="0"/>
+                          <a:cs typeface="Iosevka Term" panose="02000509030000000004" pitchFamily="49" charset="0"/>
+                        </a:rPr>
+                        <a:t>(</a:t>
+                      </a:r>
+                      <a:r>
+                        <a:rPr lang="en-US" sz="1200" dirty="0" err="1">
+                          <a:solidFill>
+                            <a:srgbClr val="EBDBB2"/>
+                          </a:solidFill>
+                          <a:latin typeface="Iosevka Term" panose="02000509030000000004" pitchFamily="49" charset="0"/>
+                          <a:ea typeface="Iosevka Term" panose="02000509030000000004" pitchFamily="49" charset="0"/>
+                          <a:cs typeface="Iosevka Term" panose="02000509030000000004" pitchFamily="49" charset="0"/>
+                        </a:rPr>
+                        <a:t>drum</a:t>
+                      </a:r>
+                      <a:r>
+                        <a:rPr lang="en-US" sz="1200" dirty="0" err="1">
+                          <a:solidFill>
+                            <a:srgbClr val="FE8019"/>
+                          </a:solidFill>
+                          <a:latin typeface="Iosevka Term" panose="02000509030000000004" pitchFamily="49" charset="0"/>
+                          <a:ea typeface="Iosevka Term" panose="02000509030000000004" pitchFamily="49" charset="0"/>
+                          <a:cs typeface="Iosevka Term" panose="02000509030000000004" pitchFamily="49" charset="0"/>
+                        </a:rPr>
+                        <a:t>.</a:t>
+                      </a:r>
+                      <a:r>
+                        <a:rPr lang="en-US" sz="1200" dirty="0" err="1">
+                          <a:solidFill>
+                            <a:srgbClr val="B8BB26"/>
+                          </a:solidFill>
+                          <a:latin typeface="Iosevka Term" panose="02000509030000000004" pitchFamily="49" charset="0"/>
+                          <a:ea typeface="Iosevka Term" panose="02000509030000000004" pitchFamily="49" charset="0"/>
+                          <a:cs typeface="Iosevka Term" panose="02000509030000000004" pitchFamily="49" charset="0"/>
+                        </a:rPr>
+                        <a:t>GetComponent</a:t>
+                      </a:r>
+                      <a:r>
+                        <a:rPr lang="en-US" sz="1200" dirty="0">
+                          <a:solidFill>
+                            <a:srgbClr val="FE8019"/>
+                          </a:solidFill>
+                          <a:latin typeface="Iosevka Term" panose="02000509030000000004" pitchFamily="49" charset="0"/>
+                          <a:ea typeface="Iosevka Term" panose="02000509030000000004" pitchFamily="49" charset="0"/>
+                          <a:cs typeface="Iosevka Term" panose="02000509030000000004" pitchFamily="49" charset="0"/>
+                        </a:rPr>
+                        <a:t>&lt;</a:t>
+                      </a:r>
+                      <a:r>
+                        <a:rPr lang="en-US" sz="1200" dirty="0">
+                          <a:solidFill>
+                            <a:srgbClr val="FABD2F"/>
+                          </a:solidFill>
+                          <a:latin typeface="Iosevka Term" panose="02000509030000000004" pitchFamily="49" charset="0"/>
+                          <a:ea typeface="Iosevka Term" panose="02000509030000000004" pitchFamily="49" charset="0"/>
+                          <a:cs typeface="Iosevka Term" panose="02000509030000000004" pitchFamily="49" charset="0"/>
+                        </a:rPr>
+                        <a:t>drum</a:t>
+                      </a:r>
+                      <a:r>
+                        <a:rPr lang="en-US" sz="1200" dirty="0">
+                          <a:solidFill>
+                            <a:srgbClr val="FE8019"/>
+                          </a:solidFill>
+                          <a:latin typeface="Iosevka Term" panose="02000509030000000004" pitchFamily="49" charset="0"/>
+                          <a:ea typeface="Iosevka Term" panose="02000509030000000004" pitchFamily="49" charset="0"/>
+                          <a:cs typeface="Iosevka Term" panose="02000509030000000004" pitchFamily="49" charset="0"/>
+                        </a:rPr>
+                        <a:t>&gt;().</a:t>
+                      </a:r>
+                      <a:r>
+                        <a:rPr lang="en-US" sz="1200" dirty="0">
+                          <a:solidFill>
+                            <a:srgbClr val="EBDBB2"/>
+                          </a:solidFill>
+                          <a:latin typeface="Iosevka Term" panose="02000509030000000004" pitchFamily="49" charset="0"/>
+                          <a:ea typeface="Iosevka Term" panose="02000509030000000004" pitchFamily="49" charset="0"/>
+                          <a:cs typeface="Iosevka Term" panose="02000509030000000004" pitchFamily="49" charset="0"/>
+                        </a:rPr>
+                        <a:t>combo </a:t>
+                      </a:r>
+                      <a:r>
+                        <a:rPr lang="en-US" sz="1200" dirty="0">
+                          <a:solidFill>
+                            <a:srgbClr val="FE8019"/>
+                          </a:solidFill>
+                          <a:latin typeface="Iosevka Term" panose="02000509030000000004" pitchFamily="49" charset="0"/>
+                          <a:ea typeface="Iosevka Term" panose="02000509030000000004" pitchFamily="49" charset="0"/>
+                          <a:cs typeface="Iosevka Term" panose="02000509030000000004" pitchFamily="49" charset="0"/>
+                        </a:rPr>
+                        <a:t>==</a:t>
+                      </a:r>
+                      <a:r>
+                        <a:rPr lang="en-US" sz="1200" dirty="0">
+                          <a:solidFill>
+                            <a:srgbClr val="EBDBB2"/>
+                          </a:solidFill>
+                          <a:latin typeface="Iosevka Term" panose="02000509030000000004" pitchFamily="49" charset="0"/>
+                          <a:ea typeface="Iosevka Term" panose="02000509030000000004" pitchFamily="49" charset="0"/>
+                          <a:cs typeface="Iosevka Term" panose="02000509030000000004" pitchFamily="49" charset="0"/>
+                        </a:rPr>
+                        <a:t> </a:t>
+                      </a:r>
+                      <a:r>
+                        <a:rPr lang="en-US" sz="1200" dirty="0">
+                          <a:solidFill>
+                            <a:srgbClr val="D3869B"/>
+                          </a:solidFill>
+                          <a:latin typeface="Iosevka Term" panose="02000509030000000004" pitchFamily="49" charset="0"/>
+                          <a:ea typeface="Iosevka Term" panose="02000509030000000004" pitchFamily="49" charset="0"/>
+                          <a:cs typeface="Iosevka Term" panose="02000509030000000004" pitchFamily="49" charset="0"/>
+                        </a:rPr>
+                        <a:t>3</a:t>
+                      </a:r>
+                      <a:r>
+                        <a:rPr lang="en-US" sz="1200" dirty="0">
+                          <a:solidFill>
+                            <a:srgbClr val="FE8019"/>
+                          </a:solidFill>
+                          <a:latin typeface="Iosevka Term" panose="02000509030000000004" pitchFamily="49" charset="0"/>
+                          <a:ea typeface="Iosevka Term" panose="02000509030000000004" pitchFamily="49" charset="0"/>
+                          <a:cs typeface="Iosevka Term" panose="02000509030000000004" pitchFamily="49" charset="0"/>
+                        </a:rPr>
+                        <a:t>) {</a:t>
+                      </a:r>
+                    </a:p>
+                    <a:p>
+                      <a:r>
+                        <a:rPr lang="en-US" sz="1200" dirty="0">
+                          <a:solidFill>
+                            <a:srgbClr val="EBDBB2"/>
+                          </a:solidFill>
+                          <a:latin typeface="Iosevka Term" panose="02000509030000000004" pitchFamily="49" charset="0"/>
+                          <a:ea typeface="Iosevka Term" panose="02000509030000000004" pitchFamily="49" charset="0"/>
+                          <a:cs typeface="Iosevka Term" panose="02000509030000000004" pitchFamily="49" charset="0"/>
+                        </a:rPr>
+                        <a:t>      </a:t>
+                      </a:r>
+                      <a:r>
+                        <a:rPr lang="en-US" sz="1200" dirty="0" err="1">
+                          <a:solidFill>
+                            <a:srgbClr val="EBDBB2"/>
+                          </a:solidFill>
+                          <a:latin typeface="Iosevka Term" panose="02000509030000000004" pitchFamily="49" charset="0"/>
+                          <a:ea typeface="Iosevka Term" panose="02000509030000000004" pitchFamily="49" charset="0"/>
+                          <a:cs typeface="Iosevka Term" panose="02000509030000000004" pitchFamily="49" charset="0"/>
+                        </a:rPr>
+                        <a:t>speaker</a:t>
+                      </a:r>
+                      <a:r>
+                        <a:rPr lang="en-US" sz="1200" dirty="0" err="1">
+                          <a:solidFill>
+                            <a:srgbClr val="FE8019"/>
+                          </a:solidFill>
+                          <a:latin typeface="Iosevka Term" panose="02000509030000000004" pitchFamily="49" charset="0"/>
+                          <a:ea typeface="Iosevka Term" panose="02000509030000000004" pitchFamily="49" charset="0"/>
+                          <a:cs typeface="Iosevka Term" panose="02000509030000000004" pitchFamily="49" charset="0"/>
+                        </a:rPr>
+                        <a:t>.</a:t>
+                      </a:r>
+                      <a:r>
+                        <a:rPr lang="en-US" sz="1200" dirty="0" err="1">
+                          <a:solidFill>
+                            <a:srgbClr val="EBDBB2"/>
+                          </a:solidFill>
+                          <a:latin typeface="Iosevka Term" panose="02000509030000000004" pitchFamily="49" charset="0"/>
+                          <a:ea typeface="Iosevka Term" panose="02000509030000000004" pitchFamily="49" charset="0"/>
+                          <a:cs typeface="Iosevka Term" panose="02000509030000000004" pitchFamily="49" charset="0"/>
+                        </a:rPr>
+                        <a:t>clip</a:t>
+                      </a:r>
+                      <a:r>
+                        <a:rPr lang="en-US" sz="1200" dirty="0">
+                          <a:solidFill>
+                            <a:srgbClr val="EBDBB2"/>
+                          </a:solidFill>
+                          <a:latin typeface="Iosevka Term" panose="02000509030000000004" pitchFamily="49" charset="0"/>
+                          <a:ea typeface="Iosevka Term" panose="02000509030000000004" pitchFamily="49" charset="0"/>
+                          <a:cs typeface="Iosevka Term" panose="02000509030000000004" pitchFamily="49" charset="0"/>
+                        </a:rPr>
+                        <a:t> </a:t>
+                      </a:r>
+                      <a:r>
+                        <a:rPr lang="en-US" sz="1200" dirty="0">
+                          <a:solidFill>
+                            <a:srgbClr val="FE8019"/>
+                          </a:solidFill>
+                          <a:latin typeface="Iosevka Term" panose="02000509030000000004" pitchFamily="49" charset="0"/>
+                          <a:ea typeface="Iosevka Term" panose="02000509030000000004" pitchFamily="49" charset="0"/>
+                          <a:cs typeface="Iosevka Term" panose="02000509030000000004" pitchFamily="49" charset="0"/>
+                        </a:rPr>
+                        <a:t>=</a:t>
+                      </a:r>
+                      <a:r>
+                        <a:rPr lang="en-US" sz="1200" dirty="0">
+                          <a:solidFill>
+                            <a:srgbClr val="EBDBB2"/>
+                          </a:solidFill>
+                          <a:latin typeface="Iosevka Term" panose="02000509030000000004" pitchFamily="49" charset="0"/>
+                          <a:ea typeface="Iosevka Term" panose="02000509030000000004" pitchFamily="49" charset="0"/>
+                          <a:cs typeface="Iosevka Term" panose="02000509030000000004" pitchFamily="49" charset="0"/>
+                        </a:rPr>
+                        <a:t> loops</a:t>
+                      </a:r>
+                      <a:r>
+                        <a:rPr lang="en-US" sz="1200" dirty="0">
+                          <a:solidFill>
+                            <a:srgbClr val="FE8019"/>
+                          </a:solidFill>
+                          <a:latin typeface="Iosevka Term" panose="02000509030000000004" pitchFamily="49" charset="0"/>
+                          <a:ea typeface="Iosevka Term" panose="02000509030000000004" pitchFamily="49" charset="0"/>
+                          <a:cs typeface="Iosevka Term" panose="02000509030000000004" pitchFamily="49" charset="0"/>
+                        </a:rPr>
+                        <a:t>[(</a:t>
+                      </a:r>
+                      <a:r>
+                        <a:rPr lang="en-US" sz="1200" dirty="0">
+                          <a:solidFill>
+                            <a:srgbClr val="FABD2F"/>
+                          </a:solidFill>
+                          <a:latin typeface="Iosevka Term" panose="02000509030000000004" pitchFamily="49" charset="0"/>
+                          <a:ea typeface="Iosevka Term" panose="02000509030000000004" pitchFamily="49" charset="0"/>
+                          <a:cs typeface="Iosevka Term" panose="02000509030000000004" pitchFamily="49" charset="0"/>
+                        </a:rPr>
+                        <a:t>int</a:t>
+                      </a:r>
+                      <a:r>
+                        <a:rPr lang="en-US" sz="1200" dirty="0">
+                          <a:solidFill>
+                            <a:srgbClr val="FE8019"/>
+                          </a:solidFill>
+                          <a:latin typeface="Iosevka Term" panose="02000509030000000004" pitchFamily="49" charset="0"/>
+                          <a:ea typeface="Iosevka Term" panose="02000509030000000004" pitchFamily="49" charset="0"/>
+                          <a:cs typeface="Iosevka Term" panose="02000509030000000004" pitchFamily="49" charset="0"/>
+                        </a:rPr>
+                        <a:t>)</a:t>
+                      </a:r>
+                      <a:r>
+                        <a:rPr lang="en-US" sz="1200" dirty="0">
+                          <a:solidFill>
+                            <a:srgbClr val="EBDBB2"/>
+                          </a:solidFill>
+                          <a:latin typeface="Iosevka Term" panose="02000509030000000004" pitchFamily="49" charset="0"/>
+                          <a:ea typeface="Iosevka Term" panose="02000509030000000004" pitchFamily="49" charset="0"/>
+                          <a:cs typeface="Iosevka Term" panose="02000509030000000004" pitchFamily="49" charset="0"/>
+                        </a:rPr>
+                        <a:t>Loop</a:t>
+                      </a:r>
+                      <a:r>
+                        <a:rPr lang="en-US" sz="1200" dirty="0">
+                          <a:solidFill>
+                            <a:srgbClr val="FE8019"/>
+                          </a:solidFill>
+                          <a:latin typeface="Iosevka Term" panose="02000509030000000004" pitchFamily="49" charset="0"/>
+                          <a:ea typeface="Iosevka Term" panose="02000509030000000004" pitchFamily="49" charset="0"/>
+                          <a:cs typeface="Iosevka Term" panose="02000509030000000004" pitchFamily="49" charset="0"/>
+                        </a:rPr>
+                        <a:t>.</a:t>
+                      </a:r>
+                      <a:r>
+                        <a:rPr lang="en-US" sz="1200" dirty="0">
+                          <a:solidFill>
+                            <a:srgbClr val="EBDBB2"/>
+                          </a:solidFill>
+                          <a:latin typeface="Iosevka Term" panose="02000509030000000004" pitchFamily="49" charset="0"/>
+                          <a:ea typeface="Iosevka Term" panose="02000509030000000004" pitchFamily="49" charset="0"/>
+                          <a:cs typeface="Iosevka Term" panose="02000509030000000004" pitchFamily="49" charset="0"/>
+                        </a:rPr>
+                        <a:t>Combo01</a:t>
+                      </a:r>
+                      <a:r>
+                        <a:rPr lang="en-US" sz="1200" dirty="0">
+                          <a:solidFill>
+                            <a:srgbClr val="FE8019"/>
+                          </a:solidFill>
+                          <a:latin typeface="Iosevka Term" panose="02000509030000000004" pitchFamily="49" charset="0"/>
+                          <a:ea typeface="Iosevka Term" panose="02000509030000000004" pitchFamily="49" charset="0"/>
+                          <a:cs typeface="Iosevka Term" panose="02000509030000000004" pitchFamily="49" charset="0"/>
+                        </a:rPr>
+                        <a:t>];</a:t>
+                      </a:r>
+                    </a:p>
+                    <a:p>
+                      <a:r>
+                        <a:rPr lang="en-US" sz="1200" dirty="0">
+                          <a:solidFill>
+                            <a:srgbClr val="EBDBB2"/>
+                          </a:solidFill>
+                          <a:latin typeface="Iosevka Term" panose="02000509030000000004" pitchFamily="49" charset="0"/>
+                          <a:ea typeface="Iosevka Term" panose="02000509030000000004" pitchFamily="49" charset="0"/>
+                          <a:cs typeface="Iosevka Term" panose="02000509030000000004" pitchFamily="49" charset="0"/>
+                        </a:rPr>
+                        <a:t>      if </a:t>
+                      </a:r>
+                      <a:r>
+                        <a:rPr lang="en-US" sz="1200" dirty="0">
+                          <a:solidFill>
+                            <a:srgbClr val="FE8019"/>
+                          </a:solidFill>
+                          <a:latin typeface="Iosevka Term" panose="02000509030000000004" pitchFamily="49" charset="0"/>
+                          <a:ea typeface="Iosevka Term" panose="02000509030000000004" pitchFamily="49" charset="0"/>
+                          <a:cs typeface="Iosevka Term" panose="02000509030000000004" pitchFamily="49" charset="0"/>
+                        </a:rPr>
+                        <a:t>(!</a:t>
+                      </a:r>
+                      <a:r>
+                        <a:rPr lang="en-US" sz="1200" dirty="0" err="1">
+                          <a:solidFill>
+                            <a:srgbClr val="EBDBB2"/>
+                          </a:solidFill>
+                          <a:latin typeface="Iosevka Term" panose="02000509030000000004" pitchFamily="49" charset="0"/>
+                          <a:ea typeface="Iosevka Term" panose="02000509030000000004" pitchFamily="49" charset="0"/>
+                          <a:cs typeface="Iosevka Term" panose="02000509030000000004" pitchFamily="49" charset="0"/>
+                        </a:rPr>
+                        <a:t>speaker</a:t>
+                      </a:r>
+                      <a:r>
+                        <a:rPr lang="en-US" sz="1200" dirty="0" err="1">
+                          <a:solidFill>
+                            <a:srgbClr val="FE8019"/>
+                          </a:solidFill>
+                          <a:latin typeface="Iosevka Term" panose="02000509030000000004" pitchFamily="49" charset="0"/>
+                          <a:ea typeface="Iosevka Term" panose="02000509030000000004" pitchFamily="49" charset="0"/>
+                          <a:cs typeface="Iosevka Term" panose="02000509030000000004" pitchFamily="49" charset="0"/>
+                        </a:rPr>
+                        <a:t>.</a:t>
+                      </a:r>
+                      <a:r>
+                        <a:rPr lang="en-US" sz="1200" dirty="0" err="1">
+                          <a:solidFill>
+                            <a:srgbClr val="EBDBB2"/>
+                          </a:solidFill>
+                          <a:latin typeface="Iosevka Term" panose="02000509030000000004" pitchFamily="49" charset="0"/>
+                          <a:ea typeface="Iosevka Term" panose="02000509030000000004" pitchFamily="49" charset="0"/>
+                          <a:cs typeface="Iosevka Term" panose="02000509030000000004" pitchFamily="49" charset="0"/>
+                        </a:rPr>
+                        <a:t>isPlaying</a:t>
+                      </a:r>
+                      <a:r>
+                        <a:rPr lang="en-US" sz="1200" dirty="0">
+                          <a:solidFill>
+                            <a:srgbClr val="FE8019"/>
+                          </a:solidFill>
+                          <a:latin typeface="Iosevka Term" panose="02000509030000000004" pitchFamily="49" charset="0"/>
+                          <a:ea typeface="Iosevka Term" panose="02000509030000000004" pitchFamily="49" charset="0"/>
+                          <a:cs typeface="Iosevka Term" panose="02000509030000000004" pitchFamily="49" charset="0"/>
+                        </a:rPr>
+                        <a:t>)</a:t>
+                      </a:r>
+                      <a:r>
+                        <a:rPr lang="en-US" sz="1200" dirty="0">
+                          <a:solidFill>
+                            <a:srgbClr val="EBDBB2"/>
+                          </a:solidFill>
+                          <a:latin typeface="Iosevka Term" panose="02000509030000000004" pitchFamily="49" charset="0"/>
+                          <a:ea typeface="Iosevka Term" panose="02000509030000000004" pitchFamily="49" charset="0"/>
+                          <a:cs typeface="Iosevka Term" panose="02000509030000000004" pitchFamily="49" charset="0"/>
+                        </a:rPr>
+                        <a:t> </a:t>
+                      </a:r>
+                      <a:r>
+                        <a:rPr lang="en-US" sz="1200" dirty="0">
+                          <a:solidFill>
+                            <a:srgbClr val="FE8019"/>
+                          </a:solidFill>
+                          <a:latin typeface="Iosevka Term" panose="02000509030000000004" pitchFamily="49" charset="0"/>
+                          <a:ea typeface="Iosevka Term" panose="02000509030000000004" pitchFamily="49" charset="0"/>
+                          <a:cs typeface="Iosevka Term" panose="02000509030000000004" pitchFamily="49" charset="0"/>
+                        </a:rPr>
+                        <a:t>{</a:t>
+                      </a:r>
+                      <a:r>
+                        <a:rPr lang="en-US" sz="1200" dirty="0">
+                          <a:solidFill>
+                            <a:srgbClr val="EBDBB2"/>
+                          </a:solidFill>
+                          <a:latin typeface="Iosevka Term" panose="02000509030000000004" pitchFamily="49" charset="0"/>
+                          <a:ea typeface="Iosevka Term" panose="02000509030000000004" pitchFamily="49" charset="0"/>
+                          <a:cs typeface="Iosevka Term" panose="02000509030000000004" pitchFamily="49" charset="0"/>
+                        </a:rPr>
+                        <a:t> </a:t>
+                      </a:r>
+                      <a:r>
+                        <a:rPr lang="en-US" sz="1200" dirty="0" err="1">
+                          <a:solidFill>
+                            <a:srgbClr val="EBDBB2"/>
+                          </a:solidFill>
+                          <a:latin typeface="Iosevka Term" panose="02000509030000000004" pitchFamily="49" charset="0"/>
+                          <a:ea typeface="Iosevka Term" panose="02000509030000000004" pitchFamily="49" charset="0"/>
+                          <a:cs typeface="Iosevka Term" panose="02000509030000000004" pitchFamily="49" charset="0"/>
+                        </a:rPr>
+                        <a:t>speaker</a:t>
+                      </a:r>
+                      <a:r>
+                        <a:rPr lang="en-US" sz="1200" dirty="0" err="1">
+                          <a:solidFill>
+                            <a:srgbClr val="FE8019"/>
+                          </a:solidFill>
+                          <a:latin typeface="Iosevka Term" panose="02000509030000000004" pitchFamily="49" charset="0"/>
+                          <a:ea typeface="Iosevka Term" panose="02000509030000000004" pitchFamily="49" charset="0"/>
+                          <a:cs typeface="Iosevka Term" panose="02000509030000000004" pitchFamily="49" charset="0"/>
+                        </a:rPr>
+                        <a:t>.</a:t>
+                      </a:r>
+                      <a:r>
+                        <a:rPr lang="en-US" sz="1200" dirty="0" err="1">
+                          <a:solidFill>
+                            <a:srgbClr val="B8BB26"/>
+                          </a:solidFill>
+                          <a:latin typeface="Iosevka Term" panose="02000509030000000004" pitchFamily="49" charset="0"/>
+                          <a:ea typeface="Iosevka Term" panose="02000509030000000004" pitchFamily="49" charset="0"/>
+                          <a:cs typeface="Iosevka Term" panose="02000509030000000004" pitchFamily="49" charset="0"/>
+                        </a:rPr>
+                        <a:t>PlayDelayed</a:t>
+                      </a:r>
+                      <a:r>
+                        <a:rPr lang="en-US" sz="1200" dirty="0">
+                          <a:solidFill>
+                            <a:srgbClr val="FE8019"/>
+                          </a:solidFill>
+                          <a:latin typeface="Iosevka Term" panose="02000509030000000004" pitchFamily="49" charset="0"/>
+                          <a:ea typeface="Iosevka Term" panose="02000509030000000004" pitchFamily="49" charset="0"/>
+                          <a:cs typeface="Iosevka Term" panose="02000509030000000004" pitchFamily="49" charset="0"/>
+                        </a:rPr>
+                        <a:t>(</a:t>
+                      </a:r>
+                      <a:r>
+                        <a:rPr lang="en-US" sz="1200" dirty="0">
+                          <a:solidFill>
+                            <a:srgbClr val="D3869B"/>
+                          </a:solidFill>
+                          <a:latin typeface="Iosevka Term" panose="02000509030000000004" pitchFamily="49" charset="0"/>
+                          <a:ea typeface="Iosevka Term" panose="02000509030000000004" pitchFamily="49" charset="0"/>
+                          <a:cs typeface="Iosevka Term" panose="02000509030000000004" pitchFamily="49" charset="0"/>
+                        </a:rPr>
+                        <a:t>.5f</a:t>
+                      </a:r>
+                      <a:r>
+                        <a:rPr lang="en-US" sz="1200" dirty="0">
+                          <a:solidFill>
+                            <a:srgbClr val="FE8019"/>
+                          </a:solidFill>
+                          <a:latin typeface="Iosevka Term" panose="02000509030000000004" pitchFamily="49" charset="0"/>
+                          <a:ea typeface="Iosevka Term" panose="02000509030000000004" pitchFamily="49" charset="0"/>
+                          <a:cs typeface="Iosevka Term" panose="02000509030000000004" pitchFamily="49" charset="0"/>
+                        </a:rPr>
+                        <a:t>);</a:t>
+                      </a:r>
+                      <a:r>
+                        <a:rPr lang="en-US" sz="1200" dirty="0">
+                          <a:solidFill>
+                            <a:srgbClr val="EBDBB2"/>
+                          </a:solidFill>
+                          <a:latin typeface="Iosevka Term" panose="02000509030000000004" pitchFamily="49" charset="0"/>
+                          <a:ea typeface="Iosevka Term" panose="02000509030000000004" pitchFamily="49" charset="0"/>
+                          <a:cs typeface="Iosevka Term" panose="02000509030000000004" pitchFamily="49" charset="0"/>
+                        </a:rPr>
+                        <a:t> </a:t>
+                      </a:r>
+                      <a:r>
+                        <a:rPr lang="en-US" sz="1200" dirty="0">
+                          <a:solidFill>
+                            <a:srgbClr val="FE8019"/>
+                          </a:solidFill>
+                          <a:latin typeface="Iosevka Term" panose="02000509030000000004" pitchFamily="49" charset="0"/>
+                          <a:ea typeface="Iosevka Term" panose="02000509030000000004" pitchFamily="49" charset="0"/>
+                          <a:cs typeface="Iosevka Term" panose="02000509030000000004" pitchFamily="49" charset="0"/>
+                        </a:rPr>
+                        <a:t>}</a:t>
+                      </a:r>
+                    </a:p>
+                    <a:p>
+                      <a:r>
+                        <a:rPr lang="en-US" sz="1200" dirty="0">
+                          <a:solidFill>
+                            <a:srgbClr val="EBDBB2"/>
+                          </a:solidFill>
+                          <a:latin typeface="Iosevka Term" panose="02000509030000000004" pitchFamily="49" charset="0"/>
+                          <a:ea typeface="Iosevka Term" panose="02000509030000000004" pitchFamily="49" charset="0"/>
+                          <a:cs typeface="Iosevka Term" panose="02000509030000000004" pitchFamily="49" charset="0"/>
+                        </a:rPr>
+                        <a:t>    </a:t>
+                      </a:r>
+                      <a:r>
+                        <a:rPr lang="en-US" sz="1200" dirty="0">
+                          <a:solidFill>
+                            <a:srgbClr val="FE8019"/>
+                          </a:solidFill>
+                          <a:latin typeface="Iosevka Term" panose="02000509030000000004" pitchFamily="49" charset="0"/>
+                          <a:ea typeface="Iosevka Term" panose="02000509030000000004" pitchFamily="49" charset="0"/>
+                          <a:cs typeface="Iosevka Term" panose="02000509030000000004" pitchFamily="49" charset="0"/>
+                        </a:rPr>
+                        <a:t> y</a:t>
+                      </a:r>
                     </a:p>
                   </a:txBody>
                   <a:tcPr>
@@ -11083,4 +10795,299 @@
     </a:ext>
   </a:extLst>
 </a:theme>
+</file>
+
+<file path=ppt/theme/theme2.xml><?xml version="1.0" encoding="utf-8"?>
+<a:theme xmlns:a="http://schemas.openxmlformats.org/drawingml/2006/main" name="Office Theme">
+  <a:themeElements>
+    <a:clrScheme name="Office">
+      <a:dk1>
+        <a:sysClr val="windowText" lastClr="000000"/>
+      </a:dk1>
+      <a:lt1>
+        <a:sysClr val="window" lastClr="FFFFFF"/>
+      </a:lt1>
+      <a:dk2>
+        <a:srgbClr val="44546A"/>
+      </a:dk2>
+      <a:lt2>
+        <a:srgbClr val="E7E6E6"/>
+      </a:lt2>
+      <a:accent1>
+        <a:srgbClr val="4472C4"/>
+      </a:accent1>
+      <a:accent2>
+        <a:srgbClr val="ED7D31"/>
+      </a:accent2>
+      <a:accent3>
+        <a:srgbClr val="A5A5A5"/>
+      </a:accent3>
+      <a:accent4>
+        <a:srgbClr val="FFC000"/>
+      </a:accent4>
+      <a:accent5>
+        <a:srgbClr val="5B9BD5"/>
+      </a:accent5>
+      <a:accent6>
+        <a:srgbClr val="70AD47"/>
+      </a:accent6>
+      <a:hlink>
+        <a:srgbClr val="0563C1"/>
+      </a:hlink>
+      <a:folHlink>
+        <a:srgbClr val="954F72"/>
+      </a:folHlink>
+    </a:clrScheme>
+    <a:fontScheme name="Office">
+      <a:majorFont>
+        <a:latin typeface="Calibri Light" panose="020F0302020204030204"/>
+        <a:ea typeface=""/>
+        <a:cs typeface=""/>
+        <a:font script="Jpan" typeface="游ゴシック Light"/>
+        <a:font script="Hang" typeface="맑은 고딕"/>
+        <a:font script="Hans" typeface="等线 Light"/>
+        <a:font script="Hant" typeface="新細明體"/>
+        <a:font script="Arab" typeface="Times New Roman"/>
+        <a:font script="Hebr" typeface="Times New Roman"/>
+        <a:font script="Thai" typeface="Angsana New"/>
+        <a:font script="Ethi" typeface="Nyala"/>
+        <a:font script="Beng" typeface="Vrinda"/>
+        <a:font script="Gujr" typeface="Shruti"/>
+        <a:font script="Khmr" typeface="MoolBoran"/>
+        <a:font script="Knda" typeface="Tunga"/>
+        <a:font script="Guru" typeface="Raavi"/>
+        <a:font script="Cans" typeface="Euphemia"/>
+        <a:font script="Cher" typeface="Plantagenet Cherokee"/>
+        <a:font script="Yiii" typeface="Microsoft Yi Baiti"/>
+        <a:font script="Tibt" typeface="Microsoft Himalaya"/>
+        <a:font script="Thaa" typeface="MV Boli"/>
+        <a:font script="Deva" typeface="Mangal"/>
+        <a:font script="Telu" typeface="Gautami"/>
+        <a:font script="Taml" typeface="Latha"/>
+        <a:font script="Syrc" typeface="Estrangelo Edessa"/>
+        <a:font script="Orya" typeface="Kalinga"/>
+        <a:font script="Mlym" typeface="Kartika"/>
+        <a:font script="Laoo" typeface="DokChampa"/>
+        <a:font script="Sinh" typeface="Iskoola Pota"/>
+        <a:font script="Mong" typeface="Mongolian Baiti"/>
+        <a:font script="Viet" typeface="Times New Roman"/>
+        <a:font script="Uigh" typeface="Microsoft Uighur"/>
+        <a:font script="Geor" typeface="Sylfaen"/>
+        <a:font script="Armn" typeface="Arial"/>
+        <a:font script="Bugi" typeface="Leelawadee UI"/>
+        <a:font script="Bopo" typeface="Microsoft JhengHei"/>
+        <a:font script="Java" typeface="Javanese Text"/>
+        <a:font script="Lisu" typeface="Segoe UI"/>
+        <a:font script="Mymr" typeface="Myanmar Text"/>
+        <a:font script="Nkoo" typeface="Ebrima"/>
+        <a:font script="Olck" typeface="Nirmala UI"/>
+        <a:font script="Osma" typeface="Ebrima"/>
+        <a:font script="Phag" typeface="Phagspa"/>
+        <a:font script="Syrn" typeface="Estrangelo Edessa"/>
+        <a:font script="Syrj" typeface="Estrangelo Edessa"/>
+        <a:font script="Syre" typeface="Estrangelo Edessa"/>
+        <a:font script="Sora" typeface="Nirmala UI"/>
+        <a:font script="Tale" typeface="Microsoft Tai Le"/>
+        <a:font script="Talu" typeface="Microsoft New Tai Lue"/>
+        <a:font script="Tfng" typeface="Ebrima"/>
+      </a:majorFont>
+      <a:minorFont>
+        <a:latin typeface="Calibri" panose="020F0502020204030204"/>
+        <a:ea typeface=""/>
+        <a:cs typeface=""/>
+        <a:font script="Jpan" typeface="游ゴシック"/>
+        <a:font script="Hang" typeface="맑은 고딕"/>
+        <a:font script="Hans" typeface="等线"/>
+        <a:font script="Hant" typeface="新細明體"/>
+        <a:font script="Arab" typeface="Arial"/>
+        <a:font script="Hebr" typeface="Arial"/>
+        <a:font script="Thai" typeface="Cordia New"/>
+        <a:font script="Ethi" typeface="Nyala"/>
+        <a:font script="Beng" typeface="Vrinda"/>
+        <a:font script="Gujr" typeface="Shruti"/>
+        <a:font script="Khmr" typeface="DaunPenh"/>
+        <a:font script="Knda" typeface="Tunga"/>
+        <a:font script="Guru" typeface="Raavi"/>
+        <a:font script="Cans" typeface="Euphemia"/>
+        <a:font script="Cher" typeface="Plantagenet Cherokee"/>
+        <a:font script="Yiii" typeface="Microsoft Yi Baiti"/>
+        <a:font script="Tibt" typeface="Microsoft Himalaya"/>
+        <a:font script="Thaa" typeface="MV Boli"/>
+        <a:font script="Deva" typeface="Mangal"/>
+        <a:font script="Telu" typeface="Gautami"/>
+        <a:font script="Taml" typeface="Latha"/>
+        <a:font script="Syrc" typeface="Estrangelo Edessa"/>
+        <a:font script="Orya" typeface="Kalinga"/>
+        <a:font script="Mlym" typeface="Kartika"/>
+        <a:font script="Laoo" typeface="DokChampa"/>
+        <a:font script="Sinh" typeface="Iskoola Pota"/>
+        <a:font script="Mong" typeface="Mongolian Baiti"/>
+        <a:font script="Viet" typeface="Arial"/>
+        <a:font script="Uigh" typeface="Microsoft Uighur"/>
+        <a:font script="Geor" typeface="Sylfaen"/>
+        <a:font script="Armn" typeface="Arial"/>
+        <a:font script="Bugi" typeface="Leelawadee UI"/>
+        <a:font script="Bopo" typeface="Microsoft JhengHei"/>
+        <a:font script="Java" typeface="Javanese Text"/>
+        <a:font script="Lisu" typeface="Segoe UI"/>
+        <a:font script="Mymr" typeface="Myanmar Text"/>
+        <a:font script="Nkoo" typeface="Ebrima"/>
+        <a:font script="Olck" typeface="Nirmala UI"/>
+        <a:font script="Osma" typeface="Ebrima"/>
+        <a:font script="Phag" typeface="Phagspa"/>
+        <a:font script="Syrn" typeface="Estrangelo Edessa"/>
+        <a:font script="Syrj" typeface="Estrangelo Edessa"/>
+        <a:font script="Syre" typeface="Estrangelo Edessa"/>
+        <a:font script="Sora" typeface="Nirmala UI"/>
+        <a:font script="Tale" typeface="Microsoft Tai Le"/>
+        <a:font script="Talu" typeface="Microsoft New Tai Lue"/>
+        <a:font script="Tfng" typeface="Ebrima"/>
+      </a:minorFont>
+    </a:fontScheme>
+    <a:fmtScheme name="Office">
+      <a:fillStyleLst>
+        <a:solidFill>
+          <a:schemeClr val="phClr"/>
+        </a:solidFill>
+        <a:gradFill rotWithShape="1">
+          <a:gsLst>
+            <a:gs pos="0">
+              <a:schemeClr val="phClr">
+                <a:lumMod val="110000"/>
+                <a:satMod val="105000"/>
+                <a:tint val="67000"/>
+              </a:schemeClr>
+            </a:gs>
+            <a:gs pos="50000">
+              <a:schemeClr val="phClr">
+                <a:lumMod val="105000"/>
+                <a:satMod val="103000"/>
+                <a:tint val="73000"/>
+              </a:schemeClr>
+            </a:gs>
+            <a:gs pos="100000">
+              <a:schemeClr val="phClr">
+                <a:lumMod val="105000"/>
+                <a:satMod val="109000"/>
+                <a:tint val="81000"/>
+              </a:schemeClr>
+            </a:gs>
+          </a:gsLst>
+          <a:lin ang="5400000" scaled="0"/>
+        </a:gradFill>
+        <a:gradFill rotWithShape="1">
+          <a:gsLst>
+            <a:gs pos="0">
+              <a:schemeClr val="phClr">
+                <a:satMod val="103000"/>
+                <a:lumMod val="102000"/>
+                <a:tint val="94000"/>
+              </a:schemeClr>
+            </a:gs>
+            <a:gs pos="50000">
+              <a:schemeClr val="phClr">
+                <a:satMod val="110000"/>
+                <a:lumMod val="100000"/>
+                <a:shade val="100000"/>
+              </a:schemeClr>
+            </a:gs>
+            <a:gs pos="100000">
+              <a:schemeClr val="phClr">
+                <a:lumMod val="99000"/>
+                <a:satMod val="120000"/>
+                <a:shade val="78000"/>
+              </a:schemeClr>
+            </a:gs>
+          </a:gsLst>
+          <a:lin ang="5400000" scaled="0"/>
+        </a:gradFill>
+      </a:fillStyleLst>
+      <a:lnStyleLst>
+        <a:ln w="6350" cap="flat" cmpd="sng" algn="ctr">
+          <a:solidFill>
+            <a:schemeClr val="phClr"/>
+          </a:solidFill>
+          <a:prstDash val="solid"/>
+          <a:miter lim="800000"/>
+        </a:ln>
+        <a:ln w="12700" cap="flat" cmpd="sng" algn="ctr">
+          <a:solidFill>
+            <a:schemeClr val="phClr"/>
+          </a:solidFill>
+          <a:prstDash val="solid"/>
+          <a:miter lim="800000"/>
+        </a:ln>
+        <a:ln w="19050" cap="flat" cmpd="sng" algn="ctr">
+          <a:solidFill>
+            <a:schemeClr val="phClr"/>
+          </a:solidFill>
+          <a:prstDash val="solid"/>
+          <a:miter lim="800000"/>
+        </a:ln>
+      </a:lnStyleLst>
+      <a:effectStyleLst>
+        <a:effectStyle>
+          <a:effectLst/>
+        </a:effectStyle>
+        <a:effectStyle>
+          <a:effectLst/>
+        </a:effectStyle>
+        <a:effectStyle>
+          <a:effectLst>
+            <a:outerShdw blurRad="57150" dist="19050" dir="5400000" algn="ctr" rotWithShape="0">
+              <a:srgbClr val="000000">
+                <a:alpha val="63000"/>
+              </a:srgbClr>
+            </a:outerShdw>
+          </a:effectLst>
+        </a:effectStyle>
+      </a:effectStyleLst>
+      <a:bgFillStyleLst>
+        <a:solidFill>
+          <a:schemeClr val="phClr"/>
+        </a:solidFill>
+        <a:solidFill>
+          <a:schemeClr val="phClr">
+            <a:tint val="95000"/>
+            <a:satMod val="170000"/>
+          </a:schemeClr>
+        </a:solidFill>
+        <a:gradFill rotWithShape="1">
+          <a:gsLst>
+            <a:gs pos="0">
+              <a:schemeClr val="phClr">
+                <a:tint val="93000"/>
+                <a:satMod val="150000"/>
+                <a:shade val="98000"/>
+                <a:lumMod val="102000"/>
+              </a:schemeClr>
+            </a:gs>
+            <a:gs pos="50000">
+              <a:schemeClr val="phClr">
+                <a:tint val="98000"/>
+                <a:satMod val="130000"/>
+                <a:shade val="90000"/>
+                <a:lumMod val="103000"/>
+              </a:schemeClr>
+            </a:gs>
+            <a:gs pos="100000">
+              <a:schemeClr val="phClr">
+                <a:shade val="63000"/>
+                <a:satMod val="120000"/>
+              </a:schemeClr>
+            </a:gs>
+          </a:gsLst>
+          <a:lin ang="5400000" scaled="0"/>
+        </a:gradFill>
+      </a:bgFillStyleLst>
+    </a:fmtScheme>
+  </a:themeElements>
+  <a:objectDefaults/>
+  <a:extraClrSchemeLst/>
+  <a:extLst>
+    <a:ext uri="{05A4C25C-085E-4340-85A3-A5531E510DB2}">
+      <thm15:themeFamily xmlns:thm15="http://schemas.microsoft.com/office/thememl/2012/main" name="Office Theme" id="{62F939B6-93AF-4DB8-9C6B-D6C7DFDC589F}" vid="{4A3C46E8-61CC-4603-A589-7422A47A8E4A}"/>
+    </a:ext>
+  </a:extLst>
+</a:theme>
 </file>
--- a/docs/presentation.pptx
+++ b/docs/presentation.pptx
@@ -4506,7 +4506,7 @@
             <p:ph idx="1"/>
             <p:extLst>
               <p:ext uri="{D42A27DB-BD31-4B8C-83A1-F6EECF244321}">
-                <p14:modId xmlns:p14="http://schemas.microsoft.com/office/powerpoint/2010/main" val="3460794292"/>
+                <p14:modId xmlns:p14="http://schemas.microsoft.com/office/powerpoint/2010/main" val="2507679491"/>
               </p:ext>
             </p:extLst>
           </p:nvPr>
@@ -4761,14 +4761,17 @@
                         </a:rPr>
                         <a:t>drum.cs</a:t>
                       </a:r>
-                      <a:endParaRPr lang="en-US" sz="1600" b="1" dirty="0">
-                        <a:solidFill>
-                          <a:srgbClr val="EBDBB2"/>
-                        </a:solidFill>
-                        <a:latin typeface="Iosevka Etoile" panose="02000500030000000004" pitchFamily="2" charset="0"/>
-                        <a:ea typeface="Iosevka Etoile" panose="02000500030000000004" pitchFamily="2" charset="0"/>
-                        <a:cs typeface="Iosevka Etoile" panose="02000500030000000004" pitchFamily="2" charset="0"/>
-                      </a:endParaRPr>
+                      <a:r>
+                        <a:rPr lang="en-US" sz="1600" b="1" dirty="0">
+                          <a:solidFill>
+                            <a:srgbClr val="EBDBB2"/>
+                          </a:solidFill>
+                          <a:latin typeface="Iosevka Etoile" panose="02000500030000000004" pitchFamily="2" charset="0"/>
+                          <a:ea typeface="Iosevka Etoile" panose="02000500030000000004" pitchFamily="2" charset="0"/>
+                          <a:cs typeface="Iosevka Etoile" panose="02000500030000000004" pitchFamily="2" charset="0"/>
+                        </a:rPr>
+                        <a:t>: 59, 92, 116</a:t>
+                      </a:r>
                     </a:p>
                     <a:p>
                       <a:pPr marL="285750" indent="-285750">
@@ -4786,14 +4789,17 @@
                         </a:rPr>
                         <a:t>rhythm.cs</a:t>
                       </a:r>
-                      <a:endParaRPr lang="en-US" sz="1600" b="1" dirty="0">
-                        <a:solidFill>
-                          <a:srgbClr val="EBDBB2"/>
-                        </a:solidFill>
-                        <a:latin typeface="Iosevka Etoile" panose="02000500030000000004" pitchFamily="2" charset="0"/>
-                        <a:ea typeface="Iosevka Etoile" panose="02000500030000000004" pitchFamily="2" charset="0"/>
-                        <a:cs typeface="Iosevka Etoile" panose="02000500030000000004" pitchFamily="2" charset="0"/>
-                      </a:endParaRPr>
+                      <a:r>
+                        <a:rPr lang="en-US" sz="1600" b="1" dirty="0">
+                          <a:solidFill>
+                            <a:srgbClr val="EBDBB2"/>
+                          </a:solidFill>
+                          <a:latin typeface="Iosevka Etoile" panose="02000500030000000004" pitchFamily="2" charset="0"/>
+                          <a:ea typeface="Iosevka Etoile" panose="02000500030000000004" pitchFamily="2" charset="0"/>
+                          <a:cs typeface="Iosevka Etoile" panose="02000500030000000004" pitchFamily="2" charset="0"/>
+                        </a:rPr>
+                        <a:t>: 61</a:t>
+                      </a:r>
                     </a:p>
                     <a:p>
                       <a:pPr marL="285750" indent="-285750">
@@ -4990,13 +4996,24 @@
                       <a:r>
                         <a:rPr lang="en-US" sz="1200" dirty="0">
                           <a:solidFill>
-                            <a:srgbClr val="EBDBB2"/>
-                          </a:solidFill>
-                          <a:latin typeface="Iosevka Term" panose="02000509030000000004" pitchFamily="49" charset="0"/>
-                          <a:ea typeface="Iosevka Term" panose="02000509030000000004" pitchFamily="49" charset="0"/>
-                          <a:cs typeface="Iosevka Term" panose="02000509030000000004" pitchFamily="49" charset="0"/>
-                        </a:rPr>
-                        <a:t>timer </a:t>
+                            <a:srgbClr val="83A598"/>
+                          </a:solidFill>
+                          <a:latin typeface="Iosevka Term" panose="02000509030000000004" pitchFamily="49" charset="0"/>
+                          <a:ea typeface="Iosevka Term" panose="02000509030000000004" pitchFamily="49" charset="0"/>
+                          <a:cs typeface="Iosevka Term" panose="02000509030000000004" pitchFamily="49" charset="0"/>
+                        </a:rPr>
+                        <a:t>timer</a:t>
+                      </a:r>
+                      <a:r>
+                        <a:rPr lang="en-US" sz="1200" dirty="0">
+                          <a:solidFill>
+                            <a:srgbClr val="EBDBB2"/>
+                          </a:solidFill>
+                          <a:latin typeface="Iosevka Term" panose="02000509030000000004" pitchFamily="49" charset="0"/>
+                          <a:ea typeface="Iosevka Term" panose="02000509030000000004" pitchFamily="49" charset="0"/>
+                          <a:cs typeface="Iosevka Term" panose="02000509030000000004" pitchFamily="49" charset="0"/>
+                        </a:rPr>
+                        <a:t> </a:t>
                       </a:r>
                       <a:r>
                         <a:rPr lang="en-US" sz="1200" dirty="0">
@@ -5023,7 +5040,7 @@
                       <a:r>
                         <a:rPr lang="en-US" sz="1200" dirty="0" err="1">
                           <a:solidFill>
-                            <a:srgbClr val="EBDBB2"/>
+                            <a:srgbClr val="83A598"/>
                           </a:solidFill>
                           <a:latin typeface="Iosevka Term" panose="02000509030000000004" pitchFamily="49" charset="0"/>
                           <a:ea typeface="Iosevka Term" panose="02000509030000000004" pitchFamily="49" charset="0"/>
@@ -5034,13 +5051,24 @@
                       <a:r>
                         <a:rPr lang="en-US" sz="1200" dirty="0">
                           <a:solidFill>
-                            <a:srgbClr val="EBDBB2"/>
-                          </a:solidFill>
-                          <a:latin typeface="Iosevka Term" panose="02000509030000000004" pitchFamily="49" charset="0"/>
-                          <a:ea typeface="Iosevka Term" panose="02000509030000000004" pitchFamily="49" charset="0"/>
-                          <a:cs typeface="Iosevka Term" panose="02000509030000000004" pitchFamily="49" charset="0"/>
-                        </a:rPr>
-                        <a:t>) </a:t>
+                            <a:srgbClr val="FE8019"/>
+                          </a:solidFill>
+                          <a:latin typeface="Iosevka Term" panose="02000509030000000004" pitchFamily="49" charset="0"/>
+                          <a:ea typeface="Iosevka Term" panose="02000509030000000004" pitchFamily="49" charset="0"/>
+                          <a:cs typeface="Iosevka Term" panose="02000509030000000004" pitchFamily="49" charset="0"/>
+                        </a:rPr>
+                        <a:t>)</a:t>
+                      </a:r>
+                      <a:r>
+                        <a:rPr lang="en-US" sz="1200" dirty="0">
+                          <a:solidFill>
+                            <a:srgbClr val="EBDBB2"/>
+                          </a:solidFill>
+                          <a:latin typeface="Iosevka Term" panose="02000509030000000004" pitchFamily="49" charset="0"/>
+                          <a:ea typeface="Iosevka Term" panose="02000509030000000004" pitchFamily="49" charset="0"/>
+                          <a:cs typeface="Iosevka Term" panose="02000509030000000004" pitchFamily="49" charset="0"/>
+                        </a:rPr>
+                        <a:t> </a:t>
                       </a:r>
                       <a:r>
                         <a:rPr lang="en-US" sz="1200" dirty="0">
@@ -5064,7 +5092,29 @@
                           <a:ea typeface="Iosevka Term" panose="02000509030000000004" pitchFamily="49" charset="0"/>
                           <a:cs typeface="Iosevka Term" panose="02000509030000000004" pitchFamily="49" charset="0"/>
                         </a:rPr>
-                        <a:t>      timer </a:t>
+                        <a:t>      </a:t>
+                      </a:r>
+                      <a:r>
+                        <a:rPr lang="en-US" sz="1200" dirty="0">
+                          <a:solidFill>
+                            <a:srgbClr val="83A598"/>
+                          </a:solidFill>
+                          <a:latin typeface="Iosevka Term" panose="02000509030000000004" pitchFamily="49" charset="0"/>
+                          <a:ea typeface="Iosevka Term" panose="02000509030000000004" pitchFamily="49" charset="0"/>
+                          <a:cs typeface="Iosevka Term" panose="02000509030000000004" pitchFamily="49" charset="0"/>
+                        </a:rPr>
+                        <a:t>timer</a:t>
+                      </a:r>
+                      <a:r>
+                        <a:rPr lang="en-US" sz="1200" dirty="0">
+                          <a:solidFill>
+                            <a:srgbClr val="EBDBB2"/>
+                          </a:solidFill>
+                          <a:latin typeface="Iosevka Term" panose="02000509030000000004" pitchFamily="49" charset="0"/>
+                          <a:ea typeface="Iosevka Term" panose="02000509030000000004" pitchFamily="49" charset="0"/>
+                          <a:cs typeface="Iosevka Term" panose="02000509030000000004" pitchFamily="49" charset="0"/>
+                        </a:rPr>
+                        <a:t> </a:t>
                       </a:r>
                       <a:r>
                         <a:rPr lang="en-US" sz="1200" dirty="0">
@@ -5091,94 +5141,175 @@
                       <a:r>
                         <a:rPr lang="en-US" sz="1200" dirty="0" err="1">
                           <a:solidFill>
-                            <a:srgbClr val="EBDBB2"/>
-                          </a:solidFill>
-                          <a:latin typeface="Iosevka Term" panose="02000509030000000004" pitchFamily="49" charset="0"/>
-                          <a:ea typeface="Iosevka Term" panose="02000509030000000004" pitchFamily="49" charset="0"/>
-                          <a:cs typeface="Iosevka Term" panose="02000509030000000004" pitchFamily="49" charset="0"/>
-                        </a:rPr>
-                        <a:t>Time</a:t>
+                            <a:srgbClr val="FE8019"/>
+                          </a:solidFill>
+                          <a:latin typeface="Iosevka Term" panose="02000509030000000004" pitchFamily="49" charset="0"/>
+                          <a:ea typeface="Iosevka Term" panose="02000509030000000004" pitchFamily="49" charset="0"/>
+                          <a:cs typeface="Iosevka Term" panose="02000509030000000004" pitchFamily="49" charset="0"/>
+                        </a:rPr>
+                        <a:t>Time.</a:t>
                       </a:r>
                       <a:r>
                         <a:rPr lang="en-US" sz="1200" dirty="0" err="1">
                           <a:solidFill>
-                            <a:srgbClr val="FE8019"/>
-                          </a:solidFill>
-                          <a:latin typeface="Iosevka Term" panose="02000509030000000004" pitchFamily="49" charset="0"/>
-                          <a:ea typeface="Iosevka Term" panose="02000509030000000004" pitchFamily="49" charset="0"/>
-                          <a:cs typeface="Iosevka Term" panose="02000509030000000004" pitchFamily="49" charset="0"/>
-                        </a:rPr>
-                        <a:t>.</a:t>
+                            <a:srgbClr val="83A598"/>
+                          </a:solidFill>
+                          <a:latin typeface="Iosevka Term" panose="02000509030000000004" pitchFamily="49" charset="0"/>
+                          <a:ea typeface="Iosevka Term" panose="02000509030000000004" pitchFamily="49" charset="0"/>
+                          <a:cs typeface="Iosevka Term" panose="02000509030000000004" pitchFamily="49" charset="0"/>
+                        </a:rPr>
+                        <a:t>deltaTime</a:t>
+                      </a:r>
+                      <a:r>
+                        <a:rPr lang="en-US" sz="1200" dirty="0">
+                          <a:solidFill>
+                            <a:srgbClr val="FE8019"/>
+                          </a:solidFill>
+                          <a:latin typeface="Iosevka Term" panose="02000509030000000004" pitchFamily="49" charset="0"/>
+                          <a:ea typeface="Iosevka Term" panose="02000509030000000004" pitchFamily="49" charset="0"/>
+                          <a:cs typeface="Iosevka Term" panose="02000509030000000004" pitchFamily="49" charset="0"/>
+                        </a:rPr>
+                        <a:t>;</a:t>
+                      </a:r>
+                    </a:p>
+                    <a:p>
+                      <a:r>
+                        <a:rPr lang="en-US" sz="1200" dirty="0">
+                          <a:solidFill>
+                            <a:srgbClr val="EBDBB2"/>
+                          </a:solidFill>
+                          <a:latin typeface="Iosevka Term" panose="02000509030000000004" pitchFamily="49" charset="0"/>
+                          <a:ea typeface="Iosevka Term" panose="02000509030000000004" pitchFamily="49" charset="0"/>
+                          <a:cs typeface="Iosevka Term" panose="02000509030000000004" pitchFamily="49" charset="0"/>
+                        </a:rPr>
+                        <a:t>    </a:t>
+                      </a:r>
+                      <a:r>
+                        <a:rPr lang="en-US" sz="1200" dirty="0">
+                          <a:solidFill>
+                            <a:srgbClr val="FE8019"/>
+                          </a:solidFill>
+                          <a:latin typeface="Iosevka Term" panose="02000509030000000004" pitchFamily="49" charset="0"/>
+                          <a:ea typeface="Iosevka Term" panose="02000509030000000004" pitchFamily="49" charset="0"/>
+                          <a:cs typeface="Iosevka Term" panose="02000509030000000004" pitchFamily="49" charset="0"/>
+                        </a:rPr>
+                        <a:t>}</a:t>
+                      </a:r>
+                    </a:p>
+                    <a:p>
+                      <a:r>
+                        <a:rPr lang="en-US" sz="1200" dirty="0">
+                          <a:solidFill>
+                            <a:srgbClr val="EBDBB2"/>
+                          </a:solidFill>
+                          <a:latin typeface="Iosevka Term" panose="02000509030000000004" pitchFamily="49" charset="0"/>
+                          <a:ea typeface="Iosevka Term" panose="02000509030000000004" pitchFamily="49" charset="0"/>
+                          <a:cs typeface="Iosevka Term" panose="02000509030000000004" pitchFamily="49" charset="0"/>
+                        </a:rPr>
+                        <a:t>    </a:t>
+                      </a:r>
+                      <a:r>
+                        <a:rPr lang="en-US" sz="1200" dirty="0">
+                          <a:solidFill>
+                            <a:srgbClr val="FB4934"/>
+                          </a:solidFill>
+                          <a:latin typeface="Iosevka Term" panose="02000509030000000004" pitchFamily="49" charset="0"/>
+                          <a:ea typeface="Iosevka Term" panose="02000509030000000004" pitchFamily="49" charset="0"/>
+                          <a:cs typeface="Iosevka Term" panose="02000509030000000004" pitchFamily="49" charset="0"/>
+                        </a:rPr>
+                        <a:t>else</a:t>
+                      </a:r>
+                      <a:r>
+                        <a:rPr lang="en-US" sz="1200" dirty="0">
+                          <a:solidFill>
+                            <a:srgbClr val="EBDBB2"/>
+                          </a:solidFill>
+                          <a:latin typeface="Iosevka Term" panose="02000509030000000004" pitchFamily="49" charset="0"/>
+                          <a:ea typeface="Iosevka Term" panose="02000509030000000004" pitchFamily="49" charset="0"/>
+                          <a:cs typeface="Iosevka Term" panose="02000509030000000004" pitchFamily="49" charset="0"/>
+                        </a:rPr>
+                        <a:t> </a:t>
+                      </a:r>
+                      <a:r>
+                        <a:rPr lang="en-US" sz="1200" dirty="0">
+                          <a:solidFill>
+                            <a:srgbClr val="FE8019"/>
+                          </a:solidFill>
+                          <a:latin typeface="Iosevka Term" panose="02000509030000000004" pitchFamily="49" charset="0"/>
+                          <a:ea typeface="Iosevka Term" panose="02000509030000000004" pitchFamily="49" charset="0"/>
+                          <a:cs typeface="Iosevka Term" panose="02000509030000000004" pitchFamily="49" charset="0"/>
+                        </a:rPr>
+                        <a:t>{</a:t>
+                      </a:r>
+                      <a:r>
+                        <a:rPr lang="en-US" sz="1200" dirty="0">
+                          <a:solidFill>
+                            <a:srgbClr val="EBDBB2"/>
+                          </a:solidFill>
+                          <a:latin typeface="Iosevka Term" panose="02000509030000000004" pitchFamily="49" charset="0"/>
+                          <a:ea typeface="Iosevka Term" panose="02000509030000000004" pitchFamily="49" charset="0"/>
+                          <a:cs typeface="Iosevka Term" panose="02000509030000000004" pitchFamily="49" charset="0"/>
+                        </a:rPr>
+                        <a:t> </a:t>
+                      </a:r>
+                    </a:p>
+                    <a:p>
+                      <a:r>
+                        <a:rPr lang="en-US" sz="1200" dirty="0">
+                          <a:solidFill>
+                            <a:srgbClr val="EBDBB2"/>
+                          </a:solidFill>
+                          <a:latin typeface="Iosevka Term" panose="02000509030000000004" pitchFamily="49" charset="0"/>
+                          <a:ea typeface="Iosevka Term" panose="02000509030000000004" pitchFamily="49" charset="0"/>
+                          <a:cs typeface="Iosevka Term" panose="02000509030000000004" pitchFamily="49" charset="0"/>
+                        </a:rPr>
+                        <a:t>      </a:t>
                       </a:r>
                       <a:r>
                         <a:rPr lang="en-US" sz="1200" dirty="0" err="1">
                           <a:solidFill>
-                            <a:srgbClr val="EBDBB2"/>
-                          </a:solidFill>
-                          <a:latin typeface="Iosevka Term" panose="02000509030000000004" pitchFamily="49" charset="0"/>
-                          <a:ea typeface="Iosevka Term" panose="02000509030000000004" pitchFamily="49" charset="0"/>
-                          <a:cs typeface="Iosevka Term" panose="02000509030000000004" pitchFamily="49" charset="0"/>
-                        </a:rPr>
-                        <a:t>deltaTime</a:t>
-                      </a:r>
-                      <a:r>
-                        <a:rPr lang="en-US" sz="1200" dirty="0">
-                          <a:solidFill>
-                            <a:srgbClr val="FE8019"/>
-                          </a:solidFill>
-                          <a:latin typeface="Iosevka Term" panose="02000509030000000004" pitchFamily="49" charset="0"/>
-                          <a:ea typeface="Iosevka Term" panose="02000509030000000004" pitchFamily="49" charset="0"/>
-                          <a:cs typeface="Iosevka Term" panose="02000509030000000004" pitchFamily="49" charset="0"/>
-                        </a:rPr>
-                        <a:t>;</a:t>
-                      </a:r>
-                    </a:p>
-                    <a:p>
-                      <a:r>
-                        <a:rPr lang="en-US" sz="1200" dirty="0">
-                          <a:solidFill>
-                            <a:srgbClr val="EBDBB2"/>
-                          </a:solidFill>
-                          <a:latin typeface="Iosevka Term" panose="02000509030000000004" pitchFamily="49" charset="0"/>
-                          <a:ea typeface="Iosevka Term" panose="02000509030000000004" pitchFamily="49" charset="0"/>
-                          <a:cs typeface="Iosevka Term" panose="02000509030000000004" pitchFamily="49" charset="0"/>
-                        </a:rPr>
-                        <a:t>    </a:t>
-                      </a:r>
-                      <a:r>
-                        <a:rPr lang="en-US" sz="1200" dirty="0">
-                          <a:solidFill>
-                            <a:srgbClr val="FE8019"/>
-                          </a:solidFill>
-                          <a:latin typeface="Iosevka Term" panose="02000509030000000004" pitchFamily="49" charset="0"/>
-                          <a:ea typeface="Iosevka Term" panose="02000509030000000004" pitchFamily="49" charset="0"/>
-                          <a:cs typeface="Iosevka Term" panose="02000509030000000004" pitchFamily="49" charset="0"/>
-                        </a:rPr>
-                        <a:t>}</a:t>
-                      </a:r>
-                    </a:p>
-                    <a:p>
-                      <a:r>
-                        <a:rPr lang="en-US" sz="1200" dirty="0">
-                          <a:solidFill>
-                            <a:srgbClr val="EBDBB2"/>
-                          </a:solidFill>
-                          <a:latin typeface="Iosevka Term" panose="02000509030000000004" pitchFamily="49" charset="0"/>
-                          <a:ea typeface="Iosevka Term" panose="02000509030000000004" pitchFamily="49" charset="0"/>
-                          <a:cs typeface="Iosevka Term" panose="02000509030000000004" pitchFamily="49" charset="0"/>
-                        </a:rPr>
-                        <a:t>    </a:t>
-                      </a:r>
-                      <a:r>
-                        <a:rPr lang="en-US" sz="1200" dirty="0">
-                          <a:solidFill>
-                            <a:srgbClr val="FB4934"/>
-                          </a:solidFill>
-                          <a:latin typeface="Iosevka Term" panose="02000509030000000004" pitchFamily="49" charset="0"/>
-                          <a:ea typeface="Iosevka Term" panose="02000509030000000004" pitchFamily="49" charset="0"/>
-                          <a:cs typeface="Iosevka Term" panose="02000509030000000004" pitchFamily="49" charset="0"/>
-                        </a:rPr>
-                        <a:t>else</a:t>
+                            <a:srgbClr val="B8BB26"/>
+                          </a:solidFill>
+                          <a:latin typeface="Iosevka Term" panose="02000509030000000004" pitchFamily="49" charset="0"/>
+                          <a:ea typeface="Iosevka Term" panose="02000509030000000004" pitchFamily="49" charset="0"/>
+                          <a:cs typeface="Iosevka Term" panose="02000509030000000004" pitchFamily="49" charset="0"/>
+                        </a:rPr>
+                        <a:t>send_beat</a:t>
+                      </a:r>
+                      <a:r>
+                        <a:rPr lang="en-US" sz="1200" dirty="0">
+                          <a:solidFill>
+                            <a:srgbClr val="FE8019"/>
+                          </a:solidFill>
+                          <a:latin typeface="Iosevka Term" panose="02000509030000000004" pitchFamily="49" charset="0"/>
+                          <a:ea typeface="Iosevka Term" panose="02000509030000000004" pitchFamily="49" charset="0"/>
+                          <a:cs typeface="Iosevka Term" panose="02000509030000000004" pitchFamily="49" charset="0"/>
+                        </a:rPr>
+                        <a:t>();</a:t>
+                      </a:r>
+                    </a:p>
+                    <a:p>
+                      <a:r>
+                        <a:rPr lang="en-US" sz="1200" dirty="0">
+                          <a:solidFill>
+                            <a:srgbClr val="EBDBB2"/>
+                          </a:solidFill>
+                          <a:latin typeface="Iosevka Term" panose="02000509030000000004" pitchFamily="49" charset="0"/>
+                          <a:ea typeface="Iosevka Term" panose="02000509030000000004" pitchFamily="49" charset="0"/>
+                          <a:cs typeface="Iosevka Term" panose="02000509030000000004" pitchFamily="49" charset="0"/>
+                        </a:rPr>
+                        <a:t>      </a:t>
+                      </a:r>
+                      <a:r>
+                        <a:rPr lang="en-US" sz="1200" dirty="0">
+                          <a:solidFill>
+                            <a:srgbClr val="83A598"/>
+                          </a:solidFill>
+                          <a:latin typeface="Iosevka Term" panose="02000509030000000004" pitchFamily="49" charset="0"/>
+                          <a:ea typeface="Iosevka Term" panose="02000509030000000004" pitchFamily="49" charset="0"/>
+                          <a:cs typeface="Iosevka Term" panose="02000509030000000004" pitchFamily="49" charset="0"/>
+                        </a:rPr>
+                        <a:t>timer</a:t>
                       </a:r>
                       <a:r>
                         <a:rPr lang="en-US" sz="1200" dirty="0">
@@ -5190,76 +5321,6 @@
                           <a:cs typeface="Iosevka Term" panose="02000509030000000004" pitchFamily="49" charset="0"/>
                         </a:rPr>
                         <a:t> </a:t>
-                      </a:r>
-                      <a:r>
-                        <a:rPr lang="en-US" sz="1200" dirty="0">
-                          <a:solidFill>
-                            <a:srgbClr val="FE8019"/>
-                          </a:solidFill>
-                          <a:latin typeface="Iosevka Term" panose="02000509030000000004" pitchFamily="49" charset="0"/>
-                          <a:ea typeface="Iosevka Term" panose="02000509030000000004" pitchFamily="49" charset="0"/>
-                          <a:cs typeface="Iosevka Term" panose="02000509030000000004" pitchFamily="49" charset="0"/>
-                        </a:rPr>
-                        <a:t>{</a:t>
-                      </a:r>
-                      <a:r>
-                        <a:rPr lang="en-US" sz="1200" dirty="0">
-                          <a:solidFill>
-                            <a:srgbClr val="EBDBB2"/>
-                          </a:solidFill>
-                          <a:latin typeface="Iosevka Term" panose="02000509030000000004" pitchFamily="49" charset="0"/>
-                          <a:ea typeface="Iosevka Term" panose="02000509030000000004" pitchFamily="49" charset="0"/>
-                          <a:cs typeface="Iosevka Term" panose="02000509030000000004" pitchFamily="49" charset="0"/>
-                        </a:rPr>
-                        <a:t> </a:t>
-                      </a:r>
-                    </a:p>
-                    <a:p>
-                      <a:r>
-                        <a:rPr lang="en-US" sz="1200" dirty="0">
-                          <a:solidFill>
-                            <a:srgbClr val="EBDBB2"/>
-                          </a:solidFill>
-                          <a:latin typeface="Iosevka Term" panose="02000509030000000004" pitchFamily="49" charset="0"/>
-                          <a:ea typeface="Iosevka Term" panose="02000509030000000004" pitchFamily="49" charset="0"/>
-                          <a:cs typeface="Iosevka Term" panose="02000509030000000004" pitchFamily="49" charset="0"/>
-                        </a:rPr>
-                        <a:t>      </a:t>
-                      </a:r>
-                      <a:r>
-                        <a:rPr lang="en-US" sz="1200" dirty="0" err="1">
-                          <a:solidFill>
-                            <a:srgbClr val="B8BB26"/>
-                          </a:solidFill>
-                          <a:latin typeface="Iosevka Term" panose="02000509030000000004" pitchFamily="49" charset="0"/>
-                          <a:ea typeface="Iosevka Term" panose="02000509030000000004" pitchFamily="49" charset="0"/>
-                          <a:cs typeface="Iosevka Term" panose="02000509030000000004" pitchFamily="49" charset="0"/>
-                        </a:rPr>
-                        <a:t>send_beat</a:t>
-                      </a:r>
-                      <a:r>
-                        <a:rPr lang="en-US" sz="1200" dirty="0">
-                          <a:solidFill>
-                            <a:srgbClr val="FE8019"/>
-                          </a:solidFill>
-                          <a:latin typeface="Iosevka Term" panose="02000509030000000004" pitchFamily="49" charset="0"/>
-                          <a:ea typeface="Iosevka Term" panose="02000509030000000004" pitchFamily="49" charset="0"/>
-                          <a:cs typeface="Iosevka Term" panose="02000509030000000004" pitchFamily="49" charset="0"/>
-                        </a:rPr>
-                        <a:t>();</a:t>
-                      </a:r>
-                    </a:p>
-                    <a:p>
-                      <a:r>
-                        <a:rPr lang="en-US" sz="1200" dirty="0">
-                          <a:solidFill>
-                            <a:srgbClr val="EBDBB2"/>
-                          </a:solidFill>
-                          <a:latin typeface="Iosevka Term" panose="02000509030000000004" pitchFamily="49" charset="0"/>
-                          <a:ea typeface="Iosevka Term" panose="02000509030000000004" pitchFamily="49" charset="0"/>
-                          <a:cs typeface="Iosevka Term" panose="02000509030000000004" pitchFamily="49" charset="0"/>
-                        </a:rPr>
-                        <a:t>      timer </a:t>
                       </a:r>
                       <a:r>
                         <a:rPr lang="en-US" sz="1200" dirty="0">
@@ -5388,7 +5449,7 @@
                       <a:r>
                         <a:rPr lang="en-US" sz="1200" dirty="0" err="1">
                           <a:solidFill>
-                            <a:srgbClr val="EBDBB2"/>
+                            <a:srgbClr val="83A598"/>
                           </a:solidFill>
                           <a:latin typeface="Iosevka Term" panose="02000509030000000004" pitchFamily="49" charset="0"/>
                           <a:ea typeface="Iosevka Term" panose="02000509030000000004" pitchFamily="49" charset="0"/>
@@ -5454,13 +5515,24 @@
                       <a:r>
                         <a:rPr lang="en-US" sz="1200" dirty="0">
                           <a:solidFill>
-                            <a:srgbClr val="EBDBB2"/>
-                          </a:solidFill>
-                          <a:latin typeface="Iosevka Term" panose="02000509030000000004" pitchFamily="49" charset="0"/>
-                          <a:ea typeface="Iosevka Term" panose="02000509030000000004" pitchFamily="49" charset="0"/>
-                          <a:cs typeface="Iosevka Term" panose="02000509030000000004" pitchFamily="49" charset="0"/>
-                        </a:rPr>
-                        <a:t>combo </a:t>
+                            <a:srgbClr val="83A598"/>
+                          </a:solidFill>
+                          <a:latin typeface="Iosevka Term" panose="02000509030000000004" pitchFamily="49" charset="0"/>
+                          <a:ea typeface="Iosevka Term" panose="02000509030000000004" pitchFamily="49" charset="0"/>
+                          <a:cs typeface="Iosevka Term" panose="02000509030000000004" pitchFamily="49" charset="0"/>
+                        </a:rPr>
+                        <a:t>combo</a:t>
+                      </a:r>
+                      <a:r>
+                        <a:rPr lang="en-US" sz="1200" dirty="0">
+                          <a:solidFill>
+                            <a:srgbClr val="EBDBB2"/>
+                          </a:solidFill>
+                          <a:latin typeface="Iosevka Term" panose="02000509030000000004" pitchFamily="49" charset="0"/>
+                          <a:ea typeface="Iosevka Term" panose="02000509030000000004" pitchFamily="49" charset="0"/>
+                          <a:cs typeface="Iosevka Term" panose="02000509030000000004" pitchFamily="49" charset="0"/>
+                        </a:rPr>
+                        <a:t> </a:t>
                       </a:r>
                       <a:r>
                         <a:rPr lang="en-US" sz="1200" dirty="0">
@@ -5544,7 +5616,7 @@
                       <a:r>
                         <a:rPr lang="en-US" sz="1200" dirty="0" err="1">
                           <a:solidFill>
-                            <a:srgbClr val="EBDBB2"/>
+                            <a:srgbClr val="83A598"/>
                           </a:solidFill>
                           <a:latin typeface="Iosevka Term" panose="02000509030000000004" pitchFamily="49" charset="0"/>
                           <a:ea typeface="Iosevka Term" panose="02000509030000000004" pitchFamily="49" charset="0"/>
@@ -5566,7 +5638,7 @@
                       <a:r>
                         <a:rPr lang="en-US" sz="1200" dirty="0" err="1">
                           <a:solidFill>
-                            <a:srgbClr val="EBDBB2"/>
+                            <a:srgbClr val="83A598"/>
                           </a:solidFill>
                           <a:latin typeface="Iosevka Term" panose="02000509030000000004" pitchFamily="49" charset="0"/>
                           <a:ea typeface="Iosevka Term" panose="02000509030000000004" pitchFamily="49" charset="0"/>
@@ -5605,7 +5677,18 @@
                           <a:ea typeface="Iosevka Term" panose="02000509030000000004" pitchFamily="49" charset="0"/>
                           <a:cs typeface="Iosevka Term" panose="02000509030000000004" pitchFamily="49" charset="0"/>
                         </a:rPr>
-                        <a:t> loops</a:t>
+                        <a:t> </a:t>
+                      </a:r>
+                      <a:r>
+                        <a:rPr lang="en-US" sz="1200" dirty="0">
+                          <a:solidFill>
+                            <a:srgbClr val="83A598"/>
+                          </a:solidFill>
+                          <a:latin typeface="Iosevka Term" panose="02000509030000000004" pitchFamily="49" charset="0"/>
+                          <a:ea typeface="Iosevka Term" panose="02000509030000000004" pitchFamily="49" charset="0"/>
+                          <a:cs typeface="Iosevka Term" panose="02000509030000000004" pitchFamily="49" charset="0"/>
+                        </a:rPr>
+                        <a:t>loops</a:t>
                       </a:r>
                       <a:r>
                         <a:rPr lang="en-US" sz="1200" dirty="0">
@@ -5643,7 +5726,7 @@
                       <a:r>
                         <a:rPr lang="en-US" sz="1200" dirty="0">
                           <a:solidFill>
-                            <a:srgbClr val="EBDBB2"/>
+                            <a:srgbClr val="FABD2F"/>
                           </a:solidFill>
                           <a:latin typeface="Iosevka Term" panose="02000509030000000004" pitchFamily="49" charset="0"/>
                           <a:ea typeface="Iosevka Term" panose="02000509030000000004" pitchFamily="49" charset="0"/>
@@ -5665,7 +5748,7 @@
                       <a:r>
                         <a:rPr lang="en-US" sz="1200" dirty="0">
                           <a:solidFill>
-                            <a:srgbClr val="EBDBB2"/>
+                            <a:srgbClr val="D3869B"/>
                           </a:solidFill>
                           <a:latin typeface="Iosevka Term" panose="02000509030000000004" pitchFamily="49" charset="0"/>
                           <a:ea typeface="Iosevka Term" panose="02000509030000000004" pitchFamily="49" charset="0"/>
@@ -5733,7 +5816,7 @@
                       <a:r>
                         <a:rPr lang="en-US" sz="1200" dirty="0" err="1">
                           <a:solidFill>
-                            <a:srgbClr val="EBDBB2"/>
+                            <a:srgbClr val="83A598"/>
                           </a:solidFill>
                           <a:latin typeface="Iosevka Term" panose="02000509030000000004" pitchFamily="49" charset="0"/>
                           <a:ea typeface="Iosevka Term" panose="02000509030000000004" pitchFamily="49" charset="0"/>
@@ -5755,7 +5838,7 @@
                       <a:r>
                         <a:rPr lang="en-US" sz="1200" dirty="0" err="1">
                           <a:solidFill>
-                            <a:srgbClr val="EBDBB2"/>
+                            <a:srgbClr val="83A598"/>
                           </a:solidFill>
                           <a:latin typeface="Iosevka Term" panose="02000509030000000004" pitchFamily="49" charset="0"/>
                           <a:ea typeface="Iosevka Term" panose="02000509030000000004" pitchFamily="49" charset="0"/>
@@ -5810,7 +5893,7 @@
                       <a:r>
                         <a:rPr lang="en-US" sz="1200" dirty="0" err="1">
                           <a:solidFill>
-                            <a:srgbClr val="EBDBB2"/>
+                            <a:srgbClr val="83A598"/>
                           </a:solidFill>
                           <a:latin typeface="Iosevka Term" panose="02000509030000000004" pitchFamily="49" charset="0"/>
                           <a:ea typeface="Iosevka Term" panose="02000509030000000004" pitchFamily="49" charset="0"/>
@@ -5968,7 +6051,7 @@
                       <a:r>
                         <a:rPr lang="en-US" sz="1200" dirty="0" err="1">
                           <a:solidFill>
-                            <a:srgbClr val="EBDBB2"/>
+                            <a:srgbClr val="83A598"/>
                           </a:solidFill>
                           <a:latin typeface="Iosevka Term" panose="02000509030000000004" pitchFamily="49" charset="0"/>
                           <a:ea typeface="Iosevka Term" panose="02000509030000000004" pitchFamily="49" charset="0"/>
@@ -6034,13 +6117,24 @@
                       <a:r>
                         <a:rPr lang="en-US" sz="1200" dirty="0">
                           <a:solidFill>
-                            <a:srgbClr val="EBDBB2"/>
-                          </a:solidFill>
-                          <a:latin typeface="Iosevka Term" panose="02000509030000000004" pitchFamily="49" charset="0"/>
-                          <a:ea typeface="Iosevka Term" panose="02000509030000000004" pitchFamily="49" charset="0"/>
-                          <a:cs typeface="Iosevka Term" panose="02000509030000000004" pitchFamily="49" charset="0"/>
-                        </a:rPr>
-                        <a:t>combo </a:t>
+                            <a:srgbClr val="83A598"/>
+                          </a:solidFill>
+                          <a:latin typeface="Iosevka Term" panose="02000509030000000004" pitchFamily="49" charset="0"/>
+                          <a:ea typeface="Iosevka Term" panose="02000509030000000004" pitchFamily="49" charset="0"/>
+                          <a:cs typeface="Iosevka Term" panose="02000509030000000004" pitchFamily="49" charset="0"/>
+                        </a:rPr>
+                        <a:t>combo</a:t>
+                      </a:r>
+                      <a:r>
+                        <a:rPr lang="en-US" sz="1200" dirty="0">
+                          <a:solidFill>
+                            <a:srgbClr val="EBDBB2"/>
+                          </a:solidFill>
+                          <a:latin typeface="Iosevka Term" panose="02000509030000000004" pitchFamily="49" charset="0"/>
+                          <a:ea typeface="Iosevka Term" panose="02000509030000000004" pitchFamily="49" charset="0"/>
+                          <a:cs typeface="Iosevka Term" panose="02000509030000000004" pitchFamily="49" charset="0"/>
+                        </a:rPr>
+                        <a:t> </a:t>
                       </a:r>
                       <a:r>
                         <a:rPr lang="en-US" sz="1200" dirty="0">
@@ -6102,7 +6196,7 @@
                       <a:r>
                         <a:rPr lang="en-US" sz="1200" dirty="0" err="1">
                           <a:solidFill>
-                            <a:srgbClr val="EBDBB2"/>
+                            <a:srgbClr val="83A598"/>
                           </a:solidFill>
                           <a:latin typeface="Iosevka Term" panose="02000509030000000004" pitchFamily="49" charset="0"/>
                           <a:ea typeface="Iosevka Term" panose="02000509030000000004" pitchFamily="49" charset="0"/>
@@ -6124,7 +6218,7 @@
                       <a:r>
                         <a:rPr lang="en-US" sz="1200" dirty="0" err="1">
                           <a:solidFill>
-                            <a:srgbClr val="EBDBB2"/>
+                            <a:srgbClr val="83A598"/>
                           </a:solidFill>
                           <a:latin typeface="Iosevka Term" panose="02000509030000000004" pitchFamily="49" charset="0"/>
                           <a:ea typeface="Iosevka Term" panose="02000509030000000004" pitchFamily="49" charset="0"/>
@@ -6163,7 +6257,18 @@
                           <a:ea typeface="Iosevka Term" panose="02000509030000000004" pitchFamily="49" charset="0"/>
                           <a:cs typeface="Iosevka Term" panose="02000509030000000004" pitchFamily="49" charset="0"/>
                         </a:rPr>
-                        <a:t> loops</a:t>
+                        <a:t> </a:t>
+                      </a:r>
+                      <a:r>
+                        <a:rPr lang="en-US" sz="1200" dirty="0">
+                          <a:solidFill>
+                            <a:srgbClr val="83A598"/>
+                          </a:solidFill>
+                          <a:latin typeface="Iosevka Term" panose="02000509030000000004" pitchFamily="49" charset="0"/>
+                          <a:ea typeface="Iosevka Term" panose="02000509030000000004" pitchFamily="49" charset="0"/>
+                          <a:cs typeface="Iosevka Term" panose="02000509030000000004" pitchFamily="49" charset="0"/>
+                        </a:rPr>
+                        <a:t>loops</a:t>
                       </a:r>
                       <a:r>
                         <a:rPr lang="en-US" sz="1200" dirty="0">
@@ -6201,7 +6306,7 @@
                       <a:r>
                         <a:rPr lang="en-US" sz="1200" dirty="0">
                           <a:solidFill>
-                            <a:srgbClr val="EBDBB2"/>
+                            <a:srgbClr val="FABD2F"/>
                           </a:solidFill>
                           <a:latin typeface="Iosevka Term" panose="02000509030000000004" pitchFamily="49" charset="0"/>
                           <a:ea typeface="Iosevka Term" panose="02000509030000000004" pitchFamily="49" charset="0"/>
@@ -6223,7 +6328,7 @@
                       <a:r>
                         <a:rPr lang="en-US" sz="1200" dirty="0">
                           <a:solidFill>
-                            <a:srgbClr val="EBDBB2"/>
+                            <a:srgbClr val="D3869B"/>
                           </a:solidFill>
                           <a:latin typeface="Iosevka Term" panose="02000509030000000004" pitchFamily="49" charset="0"/>
                           <a:ea typeface="Iosevka Term" panose="02000509030000000004" pitchFamily="49" charset="0"/>
@@ -6291,7 +6396,7 @@
                       <a:r>
                         <a:rPr lang="en-US" sz="1200" dirty="0" err="1">
                           <a:solidFill>
-                            <a:srgbClr val="EBDBB2"/>
+                            <a:srgbClr val="83A598"/>
                           </a:solidFill>
                           <a:latin typeface="Iosevka Term" panose="02000509030000000004" pitchFamily="49" charset="0"/>
                           <a:ea typeface="Iosevka Term" panose="02000509030000000004" pitchFamily="49" charset="0"/>
@@ -6313,7 +6418,7 @@
                       <a:r>
                         <a:rPr lang="en-US" sz="1200" dirty="0" err="1">
                           <a:solidFill>
-                            <a:srgbClr val="EBDBB2"/>
+                            <a:srgbClr val="83A598"/>
                           </a:solidFill>
                           <a:latin typeface="Iosevka Term" panose="02000509030000000004" pitchFamily="49" charset="0"/>
                           <a:ea typeface="Iosevka Term" panose="02000509030000000004" pitchFamily="49" charset="0"/>
@@ -6346,7 +6451,7 @@
                       <a:r>
                         <a:rPr lang="en-US" sz="1200" dirty="0" err="1">
                           <a:solidFill>
-                            <a:srgbClr val="EBDBB2"/>
+                            <a:srgbClr val="83A598"/>
                           </a:solidFill>
                           <a:latin typeface="Iosevka Term" panose="02000509030000000004" pitchFamily="49" charset="0"/>
                           <a:ea typeface="Iosevka Term" panose="02000509030000000004" pitchFamily="49" charset="0"/>
@@ -6584,13 +6689,24 @@
                       <a:r>
                         <a:rPr lang="en-US" sz="1200" dirty="0">
                           <a:solidFill>
-                            <a:srgbClr val="EBDBB2"/>
-                          </a:solidFill>
-                          <a:latin typeface="Iosevka Term" panose="02000509030000000004" pitchFamily="49" charset="0"/>
-                          <a:ea typeface="Iosevka Term" panose="02000509030000000004" pitchFamily="49" charset="0"/>
-                          <a:cs typeface="Iosevka Term" panose="02000509030000000004" pitchFamily="49" charset="0"/>
-                        </a:rPr>
-                        <a:t>beat </a:t>
+                            <a:srgbClr val="83A598"/>
+                          </a:solidFill>
+                          <a:latin typeface="Iosevka Term" panose="02000509030000000004" pitchFamily="49" charset="0"/>
+                          <a:ea typeface="Iosevka Term" panose="02000509030000000004" pitchFamily="49" charset="0"/>
+                          <a:cs typeface="Iosevka Term" panose="02000509030000000004" pitchFamily="49" charset="0"/>
+                        </a:rPr>
+                        <a:t>beat</a:t>
+                      </a:r>
+                      <a:r>
+                        <a:rPr lang="en-US" sz="1200" dirty="0">
+                          <a:solidFill>
+                            <a:srgbClr val="EBDBB2"/>
+                          </a:solidFill>
+                          <a:latin typeface="Iosevka Term" panose="02000509030000000004" pitchFamily="49" charset="0"/>
+                          <a:ea typeface="Iosevka Term" panose="02000509030000000004" pitchFamily="49" charset="0"/>
+                          <a:cs typeface="Iosevka Term" panose="02000509030000000004" pitchFamily="49" charset="0"/>
+                        </a:rPr>
+                        <a:t> </a:t>
                       </a:r>
                       <a:r>
                         <a:rPr lang="en-US" sz="1200" dirty="0">
@@ -6696,7 +6812,7 @@
                       <a:r>
                         <a:rPr lang="en-US" sz="1200" dirty="0">
                           <a:solidFill>
-                            <a:srgbClr val="EBDBB2"/>
+                            <a:srgbClr val="83A598"/>
                           </a:solidFill>
                           <a:latin typeface="Iosevka Term" panose="02000509030000000004" pitchFamily="49" charset="0"/>
                           <a:ea typeface="Iosevka Term" panose="02000509030000000004" pitchFamily="49" charset="0"/>
@@ -6729,7 +6845,7 @@
                       <a:r>
                         <a:rPr lang="en-US" sz="1200" dirty="0" err="1">
                           <a:solidFill>
-                            <a:srgbClr val="EBDBB2"/>
+                            <a:srgbClr val="83A598"/>
                           </a:solidFill>
                           <a:latin typeface="Iosevka Term" panose="02000509030000000004" pitchFamily="49" charset="0"/>
                           <a:ea typeface="Iosevka Term" panose="02000509030000000004" pitchFamily="49" charset="0"/>
@@ -6751,7 +6867,7 @@
                       <a:r>
                         <a:rPr lang="en-US" sz="1200" dirty="0" err="1">
                           <a:solidFill>
-                            <a:srgbClr val="EBDBB2"/>
+                            <a:srgbClr val="83A598"/>
                           </a:solidFill>
                           <a:latin typeface="Iosevka Term" panose="02000509030000000004" pitchFamily="49" charset="0"/>
                           <a:ea typeface="Iosevka Term" panose="02000509030000000004" pitchFamily="49" charset="0"/>
@@ -6784,35 +6900,13 @@
                       <a:r>
                         <a:rPr lang="en-US" sz="1200" dirty="0" err="1">
                           <a:solidFill>
-                            <a:srgbClr val="EBDBB2"/>
-                          </a:solidFill>
-                          <a:latin typeface="Iosevka Term" panose="02000509030000000004" pitchFamily="49" charset="0"/>
-                          <a:ea typeface="Iosevka Term" panose="02000509030000000004" pitchFamily="49" charset="0"/>
-                          <a:cs typeface="Iosevka Term" panose="02000509030000000004" pitchFamily="49" charset="0"/>
-                        </a:rPr>
-                        <a:t>transform</a:t>
-                      </a:r>
-                      <a:r>
-                        <a:rPr lang="en-US" sz="1200" dirty="0" err="1">
-                          <a:solidFill>
-                            <a:srgbClr val="FE8019"/>
-                          </a:solidFill>
-                          <a:latin typeface="Iosevka Term" panose="02000509030000000004" pitchFamily="49" charset="0"/>
-                          <a:ea typeface="Iosevka Term" panose="02000509030000000004" pitchFamily="49" charset="0"/>
-                          <a:cs typeface="Iosevka Term" panose="02000509030000000004" pitchFamily="49" charset="0"/>
-                        </a:rPr>
-                        <a:t>.</a:t>
-                      </a:r>
-                      <a:r>
-                        <a:rPr lang="en-US" sz="1200" dirty="0" err="1">
-                          <a:solidFill>
-                            <a:srgbClr val="EBDBB2"/>
-                          </a:solidFill>
-                          <a:latin typeface="Iosevka Term" panose="02000509030000000004" pitchFamily="49" charset="0"/>
-                          <a:ea typeface="Iosevka Term" panose="02000509030000000004" pitchFamily="49" charset="0"/>
-                          <a:cs typeface="Iosevka Term" panose="02000509030000000004" pitchFamily="49" charset="0"/>
-                        </a:rPr>
-                        <a:t>rotation</a:t>
+                            <a:srgbClr val="83A598"/>
+                          </a:solidFill>
+                          <a:latin typeface="Iosevka Term" panose="02000509030000000004" pitchFamily="49" charset="0"/>
+                          <a:ea typeface="Iosevka Term" panose="02000509030000000004" pitchFamily="49" charset="0"/>
+                          <a:cs typeface="Iosevka Term" panose="02000509030000000004" pitchFamily="49" charset="0"/>
+                        </a:rPr>
+                        <a:t>transform.rotation</a:t>
                       </a:r>
                       <a:r>
                         <a:rPr lang="en-US" sz="1200" dirty="0">
@@ -7071,7 +7165,7 @@
             <p:ph idx="1"/>
             <p:extLst>
               <p:ext uri="{D42A27DB-BD31-4B8C-83A1-F6EECF244321}">
-                <p14:modId xmlns:p14="http://schemas.microsoft.com/office/powerpoint/2010/main" val="1707917539"/>
+                <p14:modId xmlns:p14="http://schemas.microsoft.com/office/powerpoint/2010/main" val="232877742"/>
               </p:ext>
             </p:extLst>
           </p:nvPr>
@@ -7295,14 +7389,17 @@
                         </a:rPr>
                         <a:t>button.cs</a:t>
                       </a:r>
-                      <a:endParaRPr lang="en-US" sz="1600" b="1" dirty="0">
-                        <a:solidFill>
-                          <a:srgbClr val="EBDBB2"/>
-                        </a:solidFill>
-                        <a:latin typeface="Iosevka Etoile" panose="02000500030000000004" pitchFamily="2" charset="0"/>
-                        <a:ea typeface="Iosevka Etoile" panose="02000500030000000004" pitchFamily="2" charset="0"/>
-                        <a:cs typeface="Iosevka Etoile" panose="02000500030000000004" pitchFamily="2" charset="0"/>
-                      </a:endParaRPr>
+                      <a:r>
+                        <a:rPr lang="en-US" sz="1600" b="1" dirty="0">
+                          <a:solidFill>
+                            <a:srgbClr val="EBDBB2"/>
+                          </a:solidFill>
+                          <a:latin typeface="Iosevka Etoile" panose="02000500030000000004" pitchFamily="2" charset="0"/>
+                          <a:ea typeface="Iosevka Etoile" panose="02000500030000000004" pitchFamily="2" charset="0"/>
+                          <a:cs typeface="Iosevka Etoile" panose="02000500030000000004" pitchFamily="2" charset="0"/>
+                        </a:rPr>
+                        <a:t>: 11</a:t>
+                      </a:r>
                     </a:p>
                     <a:p>
                       <a:pPr marL="285750" indent="-285750">
@@ -7320,14 +7417,17 @@
                         </a:rPr>
                         <a:t>beat.cs</a:t>
                       </a:r>
-                      <a:endParaRPr lang="en-US" sz="1600" b="1" dirty="0">
-                        <a:solidFill>
-                          <a:srgbClr val="EBDBB2"/>
-                        </a:solidFill>
-                        <a:latin typeface="Iosevka Etoile" panose="02000500030000000004" pitchFamily="2" charset="0"/>
-                        <a:ea typeface="Iosevka Etoile" panose="02000500030000000004" pitchFamily="2" charset="0"/>
-                        <a:cs typeface="Iosevka Etoile" panose="02000500030000000004" pitchFamily="2" charset="0"/>
-                      </a:endParaRPr>
+                      <a:r>
+                        <a:rPr lang="en-US" sz="1600" b="1" dirty="0">
+                          <a:solidFill>
+                            <a:srgbClr val="EBDBB2"/>
+                          </a:solidFill>
+                          <a:latin typeface="Iosevka Etoile" panose="02000500030000000004" pitchFamily="2" charset="0"/>
+                          <a:ea typeface="Iosevka Etoile" panose="02000500030000000004" pitchFamily="2" charset="0"/>
+                          <a:cs typeface="Iosevka Etoile" panose="02000500030000000004" pitchFamily="2" charset="0"/>
+                        </a:rPr>
+                        <a:t>: %</a:t>
+                      </a:r>
                     </a:p>
                   </a:txBody>
                   <a:tcPr>
@@ -9245,7 +9345,7 @@
             <p:ph idx="1"/>
             <p:extLst>
               <p:ext uri="{D42A27DB-BD31-4B8C-83A1-F6EECF244321}">
-                <p14:modId xmlns:p14="http://schemas.microsoft.com/office/powerpoint/2010/main" val="527548488"/>
+                <p14:modId xmlns:p14="http://schemas.microsoft.com/office/powerpoint/2010/main" val="3800401272"/>
               </p:ext>
             </p:extLst>
           </p:nvPr>
@@ -9414,7 +9514,7 @@
                         <a:buChar char="-"/>
                       </a:pPr>
                       <a:r>
-                        <a:rPr lang="en-US" sz="1600" b="0">
+                        <a:rPr lang="en-US" sz="1600" b="0" dirty="0">
                           <a:solidFill>
                             <a:srgbClr val="EBDBB2"/>
                           </a:solidFill>
@@ -9422,18 +9522,7 @@
                           <a:ea typeface="Iosevka Etoile" panose="02000500030000000004" pitchFamily="2" charset="0"/>
                           <a:cs typeface="Iosevka Etoile" panose="02000500030000000004" pitchFamily="2" charset="0"/>
                         </a:rPr>
-                        <a:t>Supports </a:t>
-                      </a:r>
-                      <a:r>
-                        <a:rPr lang="en-US" sz="1600" b="0" dirty="0">
-                          <a:solidFill>
-                            <a:srgbClr val="EBDBB2"/>
-                          </a:solidFill>
-                          <a:latin typeface="Iosevka Etoile" panose="02000500030000000004" pitchFamily="2" charset="0"/>
-                          <a:ea typeface="Iosevka Etoile" panose="02000500030000000004" pitchFamily="2" charset="0"/>
-                          <a:cs typeface="Iosevka Etoile" panose="02000500030000000004" pitchFamily="2" charset="0"/>
-                        </a:rPr>
-                        <a:t>unimplemented reset   </a:t>
+                        <a:t>Supports unimplemented reset   </a:t>
                       </a:r>
                     </a:p>
                     <a:p>
@@ -9480,14 +9569,17 @@
                         </a:rPr>
                         <a:t>rhythm.cs</a:t>
                       </a:r>
-                      <a:endParaRPr lang="en-US" sz="1600" b="1" dirty="0">
-                        <a:solidFill>
-                          <a:srgbClr val="EBDBB2"/>
-                        </a:solidFill>
-                        <a:latin typeface="Iosevka Etoile" panose="02000500030000000004" pitchFamily="2" charset="0"/>
-                        <a:ea typeface="Iosevka Etoile" panose="02000500030000000004" pitchFamily="2" charset="0"/>
-                        <a:cs typeface="Iosevka Etoile" panose="02000500030000000004" pitchFamily="2" charset="0"/>
-                      </a:endParaRPr>
+                      <a:r>
+                        <a:rPr lang="en-US" sz="1600" b="1" dirty="0">
+                          <a:solidFill>
+                            <a:srgbClr val="EBDBB2"/>
+                          </a:solidFill>
+                          <a:latin typeface="Iosevka Etoile" panose="02000500030000000004" pitchFamily="2" charset="0"/>
+                          <a:ea typeface="Iosevka Etoile" panose="02000500030000000004" pitchFamily="2" charset="0"/>
+                          <a:cs typeface="Iosevka Etoile" panose="02000500030000000004" pitchFamily="2" charset="0"/>
+                        </a:rPr>
+                        <a:t>: %</a:t>
+                      </a:r>
                     </a:p>
                     <a:p>
                       <a:pPr marL="285750" indent="-285750">
@@ -9505,14 +9597,17 @@
                         </a:rPr>
                         <a:t>drum.cs</a:t>
                       </a:r>
-                      <a:endParaRPr lang="en-US" sz="1600" b="1" dirty="0">
-                        <a:solidFill>
-                          <a:srgbClr val="EBDBB2"/>
-                        </a:solidFill>
-                        <a:latin typeface="Iosevka Etoile" panose="02000500030000000004" pitchFamily="2" charset="0"/>
-                        <a:ea typeface="Iosevka Etoile" panose="02000500030000000004" pitchFamily="2" charset="0"/>
-                        <a:cs typeface="Iosevka Etoile" panose="02000500030000000004" pitchFamily="2" charset="0"/>
-                      </a:endParaRPr>
+                      <a:r>
+                        <a:rPr lang="en-US" sz="1600" b="1" dirty="0">
+                          <a:solidFill>
+                            <a:srgbClr val="EBDBB2"/>
+                          </a:solidFill>
+                          <a:latin typeface="Iosevka Etoile" panose="02000500030000000004" pitchFamily="2" charset="0"/>
+                          <a:ea typeface="Iosevka Etoile" panose="02000500030000000004" pitchFamily="2" charset="0"/>
+                          <a:cs typeface="Iosevka Etoile" panose="02000500030000000004" pitchFamily="2" charset="0"/>
+                        </a:rPr>
+                        <a:t>: 20, 84, 157</a:t>
+                      </a:r>
                     </a:p>
                   </a:txBody>
                   <a:tcPr>
@@ -9616,7 +9711,7 @@
                       <a:r>
                         <a:rPr lang="en-US" sz="1200" dirty="0" err="1">
                           <a:solidFill>
-                            <a:srgbClr val="EBDBB2"/>
+                            <a:srgbClr val="FE8019"/>
                           </a:solidFill>
                           <a:latin typeface="Iosevka Term" panose="02000509030000000004" pitchFamily="49" charset="0"/>
                           <a:ea typeface="Iosevka Term" panose="02000509030000000004" pitchFamily="49" charset="0"/>
@@ -9757,7 +9852,18 @@
                           <a:ea typeface="Iosevka Term" panose="02000509030000000004" pitchFamily="49" charset="0"/>
                           <a:cs typeface="Iosevka Term" panose="02000509030000000004" pitchFamily="49" charset="0"/>
                         </a:rPr>
-                        <a:t>    Begin01</a:t>
+                        <a:t>  </a:t>
+                      </a:r>
+                      <a:r>
+                        <a:rPr lang="en-US" sz="1200" dirty="0">
+                          <a:solidFill>
+                            <a:srgbClr val="D3869B"/>
+                          </a:solidFill>
+                          <a:latin typeface="Iosevka Term" panose="02000509030000000004" pitchFamily="49" charset="0"/>
+                          <a:ea typeface="Iosevka Term" panose="02000509030000000004" pitchFamily="49" charset="0"/>
+                          <a:cs typeface="Iosevka Term" panose="02000509030000000004" pitchFamily="49" charset="0"/>
+                        </a:rPr>
+                        <a:t>Begin01</a:t>
                       </a:r>
                       <a:r>
                         <a:rPr lang="en-US" sz="1200" dirty="0">
@@ -9781,7 +9887,18 @@
                           <a:ea typeface="Iosevka Term" panose="02000509030000000004" pitchFamily="49" charset="0"/>
                           <a:cs typeface="Iosevka Term" panose="02000509030000000004" pitchFamily="49" charset="0"/>
                         </a:rPr>
-                        <a:t>    Begin02</a:t>
+                        <a:t>  </a:t>
+                      </a:r>
+                      <a:r>
+                        <a:rPr lang="en-US" sz="1200" dirty="0">
+                          <a:solidFill>
+                            <a:srgbClr val="D3869B"/>
+                          </a:solidFill>
+                          <a:latin typeface="Iosevka Term" panose="02000509030000000004" pitchFamily="49" charset="0"/>
+                          <a:ea typeface="Iosevka Term" panose="02000509030000000004" pitchFamily="49" charset="0"/>
+                          <a:cs typeface="Iosevka Term" panose="02000509030000000004" pitchFamily="49" charset="0"/>
+                        </a:rPr>
+                        <a:t>Begin02</a:t>
                       </a:r>
                       <a:r>
                         <a:rPr lang="en-US" sz="1200" dirty="0">
@@ -9805,7 +9922,18 @@
                           <a:ea typeface="Iosevka Term" panose="02000509030000000004" pitchFamily="49" charset="0"/>
                           <a:cs typeface="Iosevka Term" panose="02000509030000000004" pitchFamily="49" charset="0"/>
                         </a:rPr>
-                        <a:t>    Combo01</a:t>
+                        <a:t>  </a:t>
+                      </a:r>
+                      <a:r>
+                        <a:rPr lang="en-US" sz="1200" dirty="0">
+                          <a:solidFill>
+                            <a:srgbClr val="D3869B"/>
+                          </a:solidFill>
+                          <a:latin typeface="Iosevka Term" panose="02000509030000000004" pitchFamily="49" charset="0"/>
+                          <a:ea typeface="Iosevka Term" panose="02000509030000000004" pitchFamily="49" charset="0"/>
+                          <a:cs typeface="Iosevka Term" panose="02000509030000000004" pitchFamily="49" charset="0"/>
+                        </a:rPr>
+                        <a:t>Combo01</a:t>
                       </a:r>
                       <a:r>
                         <a:rPr lang="en-US" sz="1200" dirty="0">
@@ -9829,7 +9957,18 @@
                           <a:ea typeface="Iosevka Term" panose="02000509030000000004" pitchFamily="49" charset="0"/>
                           <a:cs typeface="Iosevka Term" panose="02000509030000000004" pitchFamily="49" charset="0"/>
                         </a:rPr>
-                        <a:t>    Combo02</a:t>
+                        <a:t>  </a:t>
+                      </a:r>
+                      <a:r>
+                        <a:rPr lang="en-US" sz="1200" dirty="0">
+                          <a:solidFill>
+                            <a:srgbClr val="D3869B"/>
+                          </a:solidFill>
+                          <a:latin typeface="Iosevka Term" panose="02000509030000000004" pitchFamily="49" charset="0"/>
+                          <a:ea typeface="Iosevka Term" panose="02000509030000000004" pitchFamily="49" charset="0"/>
+                          <a:cs typeface="Iosevka Term" panose="02000509030000000004" pitchFamily="49" charset="0"/>
+                        </a:rPr>
+                        <a:t>Combo02</a:t>
                       </a:r>
                       <a:r>
                         <a:rPr lang="en-US" sz="1200" dirty="0">
@@ -9853,7 +9992,18 @@
                           <a:ea typeface="Iosevka Term" panose="02000509030000000004" pitchFamily="49" charset="0"/>
                           <a:cs typeface="Iosevka Term" panose="02000509030000000004" pitchFamily="49" charset="0"/>
                         </a:rPr>
-                        <a:t>    Combo03</a:t>
+                        <a:t>  </a:t>
+                      </a:r>
+                      <a:r>
+                        <a:rPr lang="en-US" sz="1200" dirty="0">
+                          <a:solidFill>
+                            <a:srgbClr val="D3869B"/>
+                          </a:solidFill>
+                          <a:latin typeface="Iosevka Term" panose="02000509030000000004" pitchFamily="49" charset="0"/>
+                          <a:ea typeface="Iosevka Term" panose="02000509030000000004" pitchFamily="49" charset="0"/>
+                          <a:cs typeface="Iosevka Term" panose="02000509030000000004" pitchFamily="49" charset="0"/>
+                        </a:rPr>
+                        <a:t>Combo03</a:t>
                       </a:r>
                       <a:r>
                         <a:rPr lang="en-US" sz="1200" dirty="0">
@@ -9877,7 +10027,18 @@
                           <a:ea typeface="Iosevka Term" panose="02000509030000000004" pitchFamily="49" charset="0"/>
                           <a:cs typeface="Iosevka Term" panose="02000509030000000004" pitchFamily="49" charset="0"/>
                         </a:rPr>
-                        <a:t>    Fever01</a:t>
+                        <a:t>  </a:t>
+                      </a:r>
+                      <a:r>
+                        <a:rPr lang="en-US" sz="1200" dirty="0">
+                          <a:solidFill>
+                            <a:srgbClr val="D3869B"/>
+                          </a:solidFill>
+                          <a:latin typeface="Iosevka Term" panose="02000509030000000004" pitchFamily="49" charset="0"/>
+                          <a:ea typeface="Iosevka Term" panose="02000509030000000004" pitchFamily="49" charset="0"/>
+                          <a:cs typeface="Iosevka Term" panose="02000509030000000004" pitchFamily="49" charset="0"/>
+                        </a:rPr>
+                        <a:t>Fever01</a:t>
                       </a:r>
                       <a:r>
                         <a:rPr lang="en-US" sz="1200" dirty="0">
@@ -9901,20 +10062,31 @@
                           <a:ea typeface="Iosevka Term" panose="02000509030000000004" pitchFamily="49" charset="0"/>
                           <a:cs typeface="Iosevka Term" panose="02000509030000000004" pitchFamily="49" charset="0"/>
                         </a:rPr>
-                        <a:t>    Fever02</a:t>
-                      </a:r>
-                    </a:p>
-                    <a:p>
-                      <a:r>
-                        <a:rPr lang="en-US" sz="1200" dirty="0">
-                          <a:solidFill>
-                            <a:srgbClr val="EBDBB2"/>
-                          </a:solidFill>
-                          <a:latin typeface="Iosevka Term" panose="02000509030000000004" pitchFamily="49" charset="0"/>
-                          <a:ea typeface="Iosevka Term" panose="02000509030000000004" pitchFamily="49" charset="0"/>
-                          <a:cs typeface="Iosevka Term" panose="02000509030000000004" pitchFamily="49" charset="0"/>
-                        </a:rPr>
                         <a:t>  </a:t>
+                      </a:r>
+                      <a:r>
+                        <a:rPr lang="en-US" sz="1200" dirty="0">
+                          <a:solidFill>
+                            <a:srgbClr val="D3869B"/>
+                          </a:solidFill>
+                          <a:latin typeface="Iosevka Term" panose="02000509030000000004" pitchFamily="49" charset="0"/>
+                          <a:ea typeface="Iosevka Term" panose="02000509030000000004" pitchFamily="49" charset="0"/>
+                          <a:cs typeface="Iosevka Term" panose="02000509030000000004" pitchFamily="49" charset="0"/>
+                        </a:rPr>
+                        <a:t>Fever02</a:t>
+                      </a:r>
+                    </a:p>
+                    <a:p>
+                      <a:r>
+                        <a:rPr lang="en-US" sz="1200" dirty="0">
+                          <a:solidFill>
+                            <a:srgbClr val="EBDBB2"/>
+                          </a:solidFill>
+                          <a:latin typeface="Iosevka Term" panose="02000509030000000004" pitchFamily="49" charset="0"/>
+                          <a:ea typeface="Iosevka Term" panose="02000509030000000004" pitchFamily="49" charset="0"/>
+                          <a:cs typeface="Iosevka Term" panose="02000509030000000004" pitchFamily="49" charset="0"/>
+                        </a:rPr>
+                        <a:t> </a:t>
                       </a:r>
                       <a:r>
                         <a:rPr lang="en-US" sz="1200" dirty="0">
@@ -9948,7 +10120,29 @@
                           <a:ea typeface="Iosevka Term" panose="02000509030000000004" pitchFamily="49" charset="0"/>
                           <a:cs typeface="Iosevka Term" panose="02000509030000000004" pitchFamily="49" charset="0"/>
                         </a:rPr>
-                        <a:t> if </a:t>
+                        <a:t>   </a:t>
+                      </a:r>
+                      <a:r>
+                        <a:rPr lang="en-US" sz="1200" dirty="0">
+                          <a:solidFill>
+                            <a:srgbClr val="FB4934"/>
+                          </a:solidFill>
+                          <a:latin typeface="Iosevka Term" panose="02000509030000000004" pitchFamily="49" charset="0"/>
+                          <a:ea typeface="Iosevka Term" panose="02000509030000000004" pitchFamily="49" charset="0"/>
+                          <a:cs typeface="Iosevka Term" panose="02000509030000000004" pitchFamily="49" charset="0"/>
+                        </a:rPr>
+                        <a:t>if</a:t>
+                      </a:r>
+                      <a:r>
+                        <a:rPr lang="en-US" sz="1200" dirty="0">
+                          <a:solidFill>
+                            <a:srgbClr val="EBDBB2"/>
+                          </a:solidFill>
+                          <a:latin typeface="Iosevka Term" panose="02000509030000000004" pitchFamily="49" charset="0"/>
+                          <a:ea typeface="Iosevka Term" panose="02000509030000000004" pitchFamily="49" charset="0"/>
+                          <a:cs typeface="Iosevka Term" panose="02000509030000000004" pitchFamily="49" charset="0"/>
+                        </a:rPr>
+                        <a:t> </a:t>
                       </a:r>
                       <a:r>
                         <a:rPr lang="en-US" sz="1200" dirty="0">
@@ -9964,7 +10158,7 @@
                       <a:r>
                         <a:rPr lang="en-US" sz="1200" dirty="0" err="1">
                           <a:solidFill>
-                            <a:srgbClr val="EBDBB2"/>
+                            <a:srgbClr val="83A598"/>
                           </a:solidFill>
                           <a:latin typeface="Iosevka Term" panose="02000509030000000004" pitchFamily="49" charset="0"/>
                           <a:ea typeface="Iosevka Term" panose="02000509030000000004" pitchFamily="49" charset="0"/>
@@ -10030,13 +10224,24 @@
                       <a:r>
                         <a:rPr lang="en-US" sz="1200" dirty="0">
                           <a:solidFill>
-                            <a:srgbClr val="EBDBB2"/>
-                          </a:solidFill>
-                          <a:latin typeface="Iosevka Term" panose="02000509030000000004" pitchFamily="49" charset="0"/>
-                          <a:ea typeface="Iosevka Term" panose="02000509030000000004" pitchFamily="49" charset="0"/>
-                          <a:cs typeface="Iosevka Term" panose="02000509030000000004" pitchFamily="49" charset="0"/>
-                        </a:rPr>
-                        <a:t>combo </a:t>
+                            <a:srgbClr val="83A598"/>
+                          </a:solidFill>
+                          <a:latin typeface="Iosevka Term" panose="02000509030000000004" pitchFamily="49" charset="0"/>
+                          <a:ea typeface="Iosevka Term" panose="02000509030000000004" pitchFamily="49" charset="0"/>
+                          <a:cs typeface="Iosevka Term" panose="02000509030000000004" pitchFamily="49" charset="0"/>
+                        </a:rPr>
+                        <a:t>combo</a:t>
+                      </a:r>
+                      <a:r>
+                        <a:rPr lang="en-US" sz="1200" dirty="0">
+                          <a:solidFill>
+                            <a:srgbClr val="EBDBB2"/>
+                          </a:solidFill>
+                          <a:latin typeface="Iosevka Term" panose="02000509030000000004" pitchFamily="49" charset="0"/>
+                          <a:ea typeface="Iosevka Term" panose="02000509030000000004" pitchFamily="49" charset="0"/>
+                          <a:cs typeface="Iosevka Term" panose="02000509030000000004" pitchFamily="49" charset="0"/>
+                        </a:rPr>
+                        <a:t> </a:t>
                       </a:r>
                       <a:r>
                         <a:rPr lang="en-US" sz="1200" dirty="0">
@@ -10093,12 +10298,12 @@
                           <a:ea typeface="Iosevka Term" panose="02000509030000000004" pitchFamily="49" charset="0"/>
                           <a:cs typeface="Iosevka Term" panose="02000509030000000004" pitchFamily="49" charset="0"/>
                         </a:rPr>
-                        <a:t>      </a:t>
+                        <a:t>    </a:t>
                       </a:r>
                       <a:r>
                         <a:rPr lang="en-US" sz="1200" dirty="0" err="1">
                           <a:solidFill>
-                            <a:srgbClr val="EBDBB2"/>
+                            <a:srgbClr val="83A598"/>
                           </a:solidFill>
                           <a:latin typeface="Iosevka Term" panose="02000509030000000004" pitchFamily="49" charset="0"/>
                           <a:ea typeface="Iosevka Term" panose="02000509030000000004" pitchFamily="49" charset="0"/>
@@ -10120,7 +10325,7 @@
                       <a:r>
                         <a:rPr lang="en-US" sz="1200" dirty="0" err="1">
                           <a:solidFill>
-                            <a:srgbClr val="EBDBB2"/>
+                            <a:srgbClr val="83A598"/>
                           </a:solidFill>
                           <a:latin typeface="Iosevka Term" panose="02000509030000000004" pitchFamily="49" charset="0"/>
                           <a:ea typeface="Iosevka Term" panose="02000509030000000004" pitchFamily="49" charset="0"/>
@@ -10159,7 +10364,18 @@
                           <a:ea typeface="Iosevka Term" panose="02000509030000000004" pitchFamily="49" charset="0"/>
                           <a:cs typeface="Iosevka Term" panose="02000509030000000004" pitchFamily="49" charset="0"/>
                         </a:rPr>
-                        <a:t> loops</a:t>
+                        <a:t> </a:t>
+                      </a:r>
+                      <a:r>
+                        <a:rPr lang="en-US" sz="1200" dirty="0">
+                          <a:solidFill>
+                            <a:srgbClr val="83A598"/>
+                          </a:solidFill>
+                          <a:latin typeface="Iosevka Term" panose="02000509030000000004" pitchFamily="49" charset="0"/>
+                          <a:ea typeface="Iosevka Term" panose="02000509030000000004" pitchFamily="49" charset="0"/>
+                          <a:cs typeface="Iosevka Term" panose="02000509030000000004" pitchFamily="49" charset="0"/>
+                        </a:rPr>
+                        <a:t>loops</a:t>
                       </a:r>
                       <a:r>
                         <a:rPr lang="en-US" sz="1200" dirty="0">
@@ -10197,7 +10413,7 @@
                       <a:r>
                         <a:rPr lang="en-US" sz="1200" dirty="0">
                           <a:solidFill>
-                            <a:srgbClr val="EBDBB2"/>
+                            <a:srgbClr val="FABD2F"/>
                           </a:solidFill>
                           <a:latin typeface="Iosevka Term" panose="02000509030000000004" pitchFamily="49" charset="0"/>
                           <a:ea typeface="Iosevka Term" panose="02000509030000000004" pitchFamily="49" charset="0"/>
@@ -10219,7 +10435,7 @@
                       <a:r>
                         <a:rPr lang="en-US" sz="1200" dirty="0">
                           <a:solidFill>
-                            <a:srgbClr val="EBDBB2"/>
+                            <a:srgbClr val="D3869B"/>
                           </a:solidFill>
                           <a:latin typeface="Iosevka Term" panose="02000509030000000004" pitchFamily="49" charset="0"/>
                           <a:ea typeface="Iosevka Term" panose="02000509030000000004" pitchFamily="49" charset="0"/>
@@ -10249,7 +10465,29 @@
                           <a:ea typeface="Iosevka Term" panose="02000509030000000004" pitchFamily="49" charset="0"/>
                           <a:cs typeface="Iosevka Term" panose="02000509030000000004" pitchFamily="49" charset="0"/>
                         </a:rPr>
-                        <a:t>      if </a:t>
+                        <a:t>    </a:t>
+                      </a:r>
+                      <a:r>
+                        <a:rPr lang="en-US" sz="1200" dirty="0">
+                          <a:solidFill>
+                            <a:srgbClr val="FB4934"/>
+                          </a:solidFill>
+                          <a:latin typeface="Iosevka Term" panose="02000509030000000004" pitchFamily="49" charset="0"/>
+                          <a:ea typeface="Iosevka Term" panose="02000509030000000004" pitchFamily="49" charset="0"/>
+                          <a:cs typeface="Iosevka Term" panose="02000509030000000004" pitchFamily="49" charset="0"/>
+                        </a:rPr>
+                        <a:t>if</a:t>
+                      </a:r>
+                      <a:r>
+                        <a:rPr lang="en-US" sz="1200" dirty="0">
+                          <a:solidFill>
+                            <a:srgbClr val="EBDBB2"/>
+                          </a:solidFill>
+                          <a:latin typeface="Iosevka Term" panose="02000509030000000004" pitchFamily="49" charset="0"/>
+                          <a:ea typeface="Iosevka Term" panose="02000509030000000004" pitchFamily="49" charset="0"/>
+                          <a:cs typeface="Iosevka Term" panose="02000509030000000004" pitchFamily="49" charset="0"/>
+                        </a:rPr>
+                        <a:t> </a:t>
                       </a:r>
                       <a:r>
                         <a:rPr lang="en-US" sz="1200" dirty="0">
@@ -10265,7 +10503,7 @@
                       <a:r>
                         <a:rPr lang="en-US" sz="1200" dirty="0" err="1">
                           <a:solidFill>
-                            <a:srgbClr val="EBDBB2"/>
+                            <a:srgbClr val="83A598"/>
                           </a:solidFill>
                           <a:latin typeface="Iosevka Term" panose="02000509030000000004" pitchFamily="49" charset="0"/>
                           <a:ea typeface="Iosevka Term" panose="02000509030000000004" pitchFamily="49" charset="0"/>
@@ -10287,7 +10525,7 @@
                       <a:r>
                         <a:rPr lang="en-US" sz="1200" dirty="0" err="1">
                           <a:solidFill>
-                            <a:srgbClr val="EBDBB2"/>
+                            <a:srgbClr val="83A598"/>
                           </a:solidFill>
                           <a:latin typeface="Iosevka Term" panose="02000509030000000004" pitchFamily="49" charset="0"/>
                           <a:ea typeface="Iosevka Term" panose="02000509030000000004" pitchFamily="49" charset="0"/>
@@ -10342,7 +10580,7 @@
                       <a:r>
                         <a:rPr lang="en-US" sz="1200" dirty="0" err="1">
                           <a:solidFill>
-                            <a:srgbClr val="EBDBB2"/>
+                            <a:srgbClr val="83A598"/>
                           </a:solidFill>
                           <a:latin typeface="Iosevka Term" panose="02000509030000000004" pitchFamily="49" charset="0"/>
                           <a:ea typeface="Iosevka Term" panose="02000509030000000004" pitchFamily="49" charset="0"/>
@@ -10438,18 +10676,18 @@
                           <a:ea typeface="Iosevka Term" panose="02000509030000000004" pitchFamily="49" charset="0"/>
                           <a:cs typeface="Iosevka Term" panose="02000509030000000004" pitchFamily="49" charset="0"/>
                         </a:rPr>
-                        <a:t>    </a:t>
-                      </a:r>
-                      <a:r>
-                        <a:rPr lang="en-US" sz="1200" dirty="0">
-                          <a:solidFill>
-                            <a:srgbClr val="FE8019"/>
-                          </a:solidFill>
-                          <a:latin typeface="Iosevka Term" panose="02000509030000000004" pitchFamily="49" charset="0"/>
-                          <a:ea typeface="Iosevka Term" panose="02000509030000000004" pitchFamily="49" charset="0"/>
-                          <a:cs typeface="Iosevka Term" panose="02000509030000000004" pitchFamily="49" charset="0"/>
-                        </a:rPr>
-                        <a:t> y</a:t>
+                        <a:t>   </a:t>
+                      </a:r>
+                      <a:r>
+                        <a:rPr lang="en-US" sz="1200" dirty="0">
+                          <a:solidFill>
+                            <a:srgbClr val="FE8019"/>
+                          </a:solidFill>
+                          <a:latin typeface="Iosevka Term" panose="02000509030000000004" pitchFamily="49" charset="0"/>
+                          <a:ea typeface="Iosevka Term" panose="02000509030000000004" pitchFamily="49" charset="0"/>
+                          <a:cs typeface="Iosevka Term" panose="02000509030000000004" pitchFamily="49" charset="0"/>
+                        </a:rPr>
+                        <a:t>}</a:t>
                       </a:r>
                     </a:p>
                   </a:txBody>

--- a/docs/presentation.pptx
+++ b/docs/presentation.pptx
@@ -201,7 +201,7 @@
           <a:p>
             <a:fld id="{F5521292-B78C-6242-824F-8F34F248BAE2}" type="datetimeFigureOut">
               <a:rPr lang="en-US" smtClean="0"/>
-              <a:t>4/19/23</a:t>
+              <a:t>4/20/23</a:t>
             </a:fld>
             <a:endParaRPr lang="en-US"/>
           </a:p>
@@ -702,7 +702,7 @@
           <a:p>
             <a:fld id="{3BC053AF-4B5D-9141-9DA9-3C6B8D1E77C0}" type="datetimeFigureOut">
               <a:rPr lang="en-US" smtClean="0"/>
-              <a:t>4/19/23</a:t>
+              <a:t>4/20/23</a:t>
             </a:fld>
             <a:endParaRPr lang="en-US"/>
           </a:p>
@@ -902,7 +902,7 @@
           <a:p>
             <a:fld id="{3BC053AF-4B5D-9141-9DA9-3C6B8D1E77C0}" type="datetimeFigureOut">
               <a:rPr lang="en-US" smtClean="0"/>
-              <a:t>4/19/23</a:t>
+              <a:t>4/20/23</a:t>
             </a:fld>
             <a:endParaRPr lang="en-US"/>
           </a:p>
@@ -1112,7 +1112,7 @@
           <a:p>
             <a:fld id="{3BC053AF-4B5D-9141-9DA9-3C6B8D1E77C0}" type="datetimeFigureOut">
               <a:rPr lang="en-US" smtClean="0"/>
-              <a:t>4/19/23</a:t>
+              <a:t>4/20/23</a:t>
             </a:fld>
             <a:endParaRPr lang="en-US"/>
           </a:p>
@@ -1312,7 +1312,7 @@
           <a:p>
             <a:fld id="{3BC053AF-4B5D-9141-9DA9-3C6B8D1E77C0}" type="datetimeFigureOut">
               <a:rPr lang="en-US" smtClean="0"/>
-              <a:t>4/19/23</a:t>
+              <a:t>4/20/23</a:t>
             </a:fld>
             <a:endParaRPr lang="en-US"/>
           </a:p>
@@ -1588,7 +1588,7 @@
           <a:p>
             <a:fld id="{3BC053AF-4B5D-9141-9DA9-3C6B8D1E77C0}" type="datetimeFigureOut">
               <a:rPr lang="en-US" smtClean="0"/>
-              <a:t>4/19/23</a:t>
+              <a:t>4/20/23</a:t>
             </a:fld>
             <a:endParaRPr lang="en-US"/>
           </a:p>
@@ -1856,7 +1856,7 @@
           <a:p>
             <a:fld id="{3BC053AF-4B5D-9141-9DA9-3C6B8D1E77C0}" type="datetimeFigureOut">
               <a:rPr lang="en-US" smtClean="0"/>
-              <a:t>4/19/23</a:t>
+              <a:t>4/20/23</a:t>
             </a:fld>
             <a:endParaRPr lang="en-US"/>
           </a:p>
@@ -2271,7 +2271,7 @@
           <a:p>
             <a:fld id="{3BC053AF-4B5D-9141-9DA9-3C6B8D1E77C0}" type="datetimeFigureOut">
               <a:rPr lang="en-US" smtClean="0"/>
-              <a:t>4/19/23</a:t>
+              <a:t>4/20/23</a:t>
             </a:fld>
             <a:endParaRPr lang="en-US"/>
           </a:p>
@@ -2413,7 +2413,7 @@
           <a:p>
             <a:fld id="{3BC053AF-4B5D-9141-9DA9-3C6B8D1E77C0}" type="datetimeFigureOut">
               <a:rPr lang="en-US" smtClean="0"/>
-              <a:t>4/19/23</a:t>
+              <a:t>4/20/23</a:t>
             </a:fld>
             <a:endParaRPr lang="en-US"/>
           </a:p>
@@ -2526,7 +2526,7 @@
           <a:p>
             <a:fld id="{3BC053AF-4B5D-9141-9DA9-3C6B8D1E77C0}" type="datetimeFigureOut">
               <a:rPr lang="en-US" smtClean="0"/>
-              <a:t>4/19/23</a:t>
+              <a:t>4/20/23</a:t>
             </a:fld>
             <a:endParaRPr lang="en-US"/>
           </a:p>
@@ -2839,7 +2839,7 @@
           <a:p>
             <a:fld id="{3BC053AF-4B5D-9141-9DA9-3C6B8D1E77C0}" type="datetimeFigureOut">
               <a:rPr lang="en-US" smtClean="0"/>
-              <a:t>4/19/23</a:t>
+              <a:t>4/20/23</a:t>
             </a:fld>
             <a:endParaRPr lang="en-US"/>
           </a:p>
@@ -3128,7 +3128,7 @@
           <a:p>
             <a:fld id="{3BC053AF-4B5D-9141-9DA9-3C6B8D1E77C0}" type="datetimeFigureOut">
               <a:rPr lang="en-US" smtClean="0"/>
-              <a:t>4/19/23</a:t>
+              <a:t>4/20/23</a:t>
             </a:fld>
             <a:endParaRPr lang="en-US"/>
           </a:p>
@@ -3374,7 +3374,7 @@
           <a:p>
             <a:fld id="{3BC053AF-4B5D-9141-9DA9-3C6B8D1E77C0}" type="datetimeFigureOut">
               <a:rPr lang="en-US" smtClean="0"/>
-              <a:t>4/19/23</a:t>
+              <a:t>4/20/23</a:t>
             </a:fld>
             <a:endParaRPr lang="en-US"/>
           </a:p>
